--- a/文档区/需求分析/需求分析.pptx
+++ b/文档区/需求分析/需求分析.pptx
@@ -209,7 +209,7 @@
           <a:p>
             <a:fld id="{855E4354-184E-4911-8810-6B5C88BB80B5}" type="datetimeFigureOut">
               <a:rPr lang="zh-CN" altLang="en-US" smtClean="0"/>
-              <a:t>2017/11/15</a:t>
+              <a:t>2017/11/16</a:t>
             </a:fld>
             <a:endParaRPr lang="zh-CN" altLang="en-US"/>
           </a:p>
@@ -2204,7 +2204,7 @@
           <a:p>
             <a:fld id="{BED6D2AE-3E91-4087-8846-87206F7DA880}" type="datetimeFigureOut">
               <a:rPr lang="zh-CN" altLang="en-US" smtClean="0"/>
-              <a:t>2017/11/15</a:t>
+              <a:t>2017/11/16</a:t>
             </a:fld>
             <a:endParaRPr lang="zh-CN" altLang="en-US"/>
           </a:p>
@@ -2374,7 +2374,7 @@
           <a:p>
             <a:fld id="{BED6D2AE-3E91-4087-8846-87206F7DA880}" type="datetimeFigureOut">
               <a:rPr lang="zh-CN" altLang="en-US" smtClean="0"/>
-              <a:t>2017/11/15</a:t>
+              <a:t>2017/11/16</a:t>
             </a:fld>
             <a:endParaRPr lang="zh-CN" altLang="en-US"/>
           </a:p>
@@ -2554,7 +2554,7 @@
           <a:p>
             <a:fld id="{BED6D2AE-3E91-4087-8846-87206F7DA880}" type="datetimeFigureOut">
               <a:rPr lang="zh-CN" altLang="en-US" smtClean="0"/>
-              <a:t>2017/11/15</a:t>
+              <a:t>2017/11/16</a:t>
             </a:fld>
             <a:endParaRPr lang="zh-CN" altLang="en-US"/>
           </a:p>
@@ -2724,7 +2724,7 @@
           <a:p>
             <a:fld id="{BED6D2AE-3E91-4087-8846-87206F7DA880}" type="datetimeFigureOut">
               <a:rPr lang="zh-CN" altLang="en-US" smtClean="0"/>
-              <a:t>2017/11/15</a:t>
+              <a:t>2017/11/16</a:t>
             </a:fld>
             <a:endParaRPr lang="zh-CN" altLang="en-US"/>
           </a:p>
@@ -2970,7 +2970,7 @@
           <a:p>
             <a:fld id="{BED6D2AE-3E91-4087-8846-87206F7DA880}" type="datetimeFigureOut">
               <a:rPr lang="zh-CN" altLang="en-US" smtClean="0"/>
-              <a:t>2017/11/15</a:t>
+              <a:t>2017/11/16</a:t>
             </a:fld>
             <a:endParaRPr lang="zh-CN" altLang="en-US"/>
           </a:p>
@@ -3202,7 +3202,7 @@
           <a:p>
             <a:fld id="{BED6D2AE-3E91-4087-8846-87206F7DA880}" type="datetimeFigureOut">
               <a:rPr lang="zh-CN" altLang="en-US" smtClean="0"/>
-              <a:t>2017/11/15</a:t>
+              <a:t>2017/11/16</a:t>
             </a:fld>
             <a:endParaRPr lang="zh-CN" altLang="en-US"/>
           </a:p>
@@ -3569,7 +3569,7 @@
           <a:p>
             <a:fld id="{BED6D2AE-3E91-4087-8846-87206F7DA880}" type="datetimeFigureOut">
               <a:rPr lang="zh-CN" altLang="en-US" smtClean="0"/>
-              <a:t>2017/11/15</a:t>
+              <a:t>2017/11/16</a:t>
             </a:fld>
             <a:endParaRPr lang="zh-CN" altLang="en-US"/>
           </a:p>
@@ -3687,7 +3687,7 @@
           <a:p>
             <a:fld id="{BED6D2AE-3E91-4087-8846-87206F7DA880}" type="datetimeFigureOut">
               <a:rPr lang="zh-CN" altLang="en-US" smtClean="0"/>
-              <a:t>2017/11/15</a:t>
+              <a:t>2017/11/16</a:t>
             </a:fld>
             <a:endParaRPr lang="zh-CN" altLang="en-US"/>
           </a:p>
@@ -3782,7 +3782,7 @@
           <a:p>
             <a:fld id="{BED6D2AE-3E91-4087-8846-87206F7DA880}" type="datetimeFigureOut">
               <a:rPr lang="zh-CN" altLang="en-US" smtClean="0"/>
-              <a:t>2017/11/15</a:t>
+              <a:t>2017/11/16</a:t>
             </a:fld>
             <a:endParaRPr lang="zh-CN" altLang="en-US"/>
           </a:p>
@@ -4059,7 +4059,7 @@
           <a:p>
             <a:fld id="{BED6D2AE-3E91-4087-8846-87206F7DA880}" type="datetimeFigureOut">
               <a:rPr lang="zh-CN" altLang="en-US" smtClean="0"/>
-              <a:t>2017/11/15</a:t>
+              <a:t>2017/11/16</a:t>
             </a:fld>
             <a:endParaRPr lang="zh-CN" altLang="en-US"/>
           </a:p>
@@ -4312,7 +4312,7 @@
           <a:p>
             <a:fld id="{BED6D2AE-3E91-4087-8846-87206F7DA880}" type="datetimeFigureOut">
               <a:rPr lang="zh-CN" altLang="en-US" smtClean="0"/>
-              <a:t>2017/11/15</a:t>
+              <a:t>2017/11/16</a:t>
             </a:fld>
             <a:endParaRPr lang="zh-CN" altLang="en-US"/>
           </a:p>
@@ -4525,7 +4525,7 @@
           <a:p>
             <a:fld id="{BED6D2AE-3E91-4087-8846-87206F7DA880}" type="datetimeFigureOut">
               <a:rPr lang="zh-CN" altLang="en-US" smtClean="0"/>
-              <a:t>2017/11/15</a:t>
+              <a:t>2017/11/16</a:t>
             </a:fld>
             <a:endParaRPr lang="zh-CN" altLang="en-US"/>
           </a:p>
@@ -26995,7 +26995,7 @@
                               <p:par>
                                 <p:cTn id="23" presetID="22" presetClass="exit" presetSubtype="4" fill="hold" grpId="1" nodeType="afterEffect">
                                   <p:stCondLst>
-                                    <p:cond delay="0"/>
+                                    <p:cond delay="10000"/>
                                   </p:stCondLst>
                                   <p:childTnLst>
                                     <p:animEffect transition="out" filter="wipe(down)">
@@ -27033,7 +27033,7 @@
                         <p:par>
                           <p:cTn id="26" fill="hold">
                             <p:stCondLst>
-                              <p:cond delay="7500"/>
+                              <p:cond delay="17500"/>
                             </p:stCondLst>
                             <p:childTnLst>
                               <p:par>
@@ -27077,7 +27077,7 @@
                         <p:par>
                           <p:cTn id="30" fill="hold">
                             <p:stCondLst>
-                              <p:cond delay="8500"/>
+                              <p:cond delay="18500"/>
                             </p:stCondLst>
                             <p:childTnLst>
                               <p:par>
@@ -27121,7 +27121,7 @@
                         <p:par>
                           <p:cTn id="34" fill="hold">
                             <p:stCondLst>
-                              <p:cond delay="14000"/>
+                              <p:cond delay="24000"/>
                             </p:stCondLst>
                             <p:childTnLst>
                               <p:par>

--- a/文档区/需求分析/需求分析.pptx
+++ b/文档区/需求分析/需求分析.pptx
@@ -5,22 +5,23 @@
     <p:sldMasterId id="2147483648" r:id="rId1"/>
   </p:sldMasterIdLst>
   <p:notesMasterIdLst>
-    <p:notesMasterId r:id="rId15"/>
+    <p:notesMasterId r:id="rId16"/>
   </p:notesMasterIdLst>
   <p:sldIdLst>
     <p:sldId id="259" r:id="rId2"/>
     <p:sldId id="260" r:id="rId3"/>
     <p:sldId id="261" r:id="rId4"/>
-    <p:sldId id="262" r:id="rId5"/>
-    <p:sldId id="263" r:id="rId6"/>
-    <p:sldId id="268" r:id="rId7"/>
-    <p:sldId id="266" r:id="rId8"/>
-    <p:sldId id="265" r:id="rId9"/>
-    <p:sldId id="258" r:id="rId10"/>
-    <p:sldId id="264" r:id="rId11"/>
-    <p:sldId id="267" r:id="rId12"/>
-    <p:sldId id="269" r:id="rId13"/>
-    <p:sldId id="270" r:id="rId14"/>
+    <p:sldId id="271" r:id="rId5"/>
+    <p:sldId id="262" r:id="rId6"/>
+    <p:sldId id="263" r:id="rId7"/>
+    <p:sldId id="268" r:id="rId8"/>
+    <p:sldId id="266" r:id="rId9"/>
+    <p:sldId id="265" r:id="rId10"/>
+    <p:sldId id="258" r:id="rId11"/>
+    <p:sldId id="264" r:id="rId12"/>
+    <p:sldId id="267" r:id="rId13"/>
+    <p:sldId id="269" r:id="rId14"/>
+    <p:sldId id="270" r:id="rId15"/>
   </p:sldIdLst>
   <p:sldSz cx="12192000" cy="6858000"/>
   <p:notesSz cx="6858000" cy="9144000"/>
@@ -209,7 +210,7 @@
           <a:p>
             <a:fld id="{855E4354-184E-4911-8810-6B5C88BB80B5}" type="datetimeFigureOut">
               <a:rPr lang="zh-CN" altLang="en-US" smtClean="0"/>
-              <a:t>2017/11/16</a:t>
+              <a:t>2017/11/17</a:t>
             </a:fld>
             <a:endParaRPr lang="zh-CN" altLang="en-US"/>
           </a:p>
@@ -1370,7 +1371,7 @@
             <a:fld id="{A7BEE27D-0E8C-4799-8D2B-3429EA212B67}" type="slidenum">
               <a:rPr lang="zh-CN" altLang="en-US" smtClean="0"/>
               <a:pPr/>
-              <a:t>5</a:t>
+              <a:t>6</a:t>
             </a:fld>
             <a:endParaRPr lang="zh-CN" altLang="en-US" smtClean="0"/>
           </a:p>
@@ -1598,7 +1599,7 @@
             <a:fld id="{A7BEE27D-0E8C-4799-8D2B-3429EA212B67}" type="slidenum">
               <a:rPr lang="zh-CN" altLang="en-US" smtClean="0"/>
               <a:pPr/>
-              <a:t>8</a:t>
+              <a:t>9</a:t>
             </a:fld>
             <a:endParaRPr lang="zh-CN" altLang="en-US" smtClean="0"/>
           </a:p>
@@ -1826,7 +1827,7 @@
             <a:fld id="{A7BEE27D-0E8C-4799-8D2B-3429EA212B67}" type="slidenum">
               <a:rPr lang="zh-CN" altLang="en-US" smtClean="0"/>
               <a:pPr/>
-              <a:t>11</a:t>
+              <a:t>12</a:t>
             </a:fld>
             <a:endParaRPr lang="zh-CN" altLang="en-US" smtClean="0"/>
           </a:p>
@@ -2054,7 +2055,7 @@
             <a:fld id="{FDD4C590-1820-46AC-A556-05C2C072BD15}" type="slidenum">
               <a:rPr lang="zh-CN" altLang="en-US" smtClean="0"/>
               <a:pPr/>
-              <a:t>13</a:t>
+              <a:t>14</a:t>
             </a:fld>
             <a:endParaRPr lang="zh-CN" altLang="en-US" smtClean="0"/>
           </a:p>
@@ -2204,7 +2205,7 @@
           <a:p>
             <a:fld id="{BED6D2AE-3E91-4087-8846-87206F7DA880}" type="datetimeFigureOut">
               <a:rPr lang="zh-CN" altLang="en-US" smtClean="0"/>
-              <a:t>2017/11/16</a:t>
+              <a:t>2017/11/17</a:t>
             </a:fld>
             <a:endParaRPr lang="zh-CN" altLang="en-US"/>
           </a:p>
@@ -2374,7 +2375,7 @@
           <a:p>
             <a:fld id="{BED6D2AE-3E91-4087-8846-87206F7DA880}" type="datetimeFigureOut">
               <a:rPr lang="zh-CN" altLang="en-US" smtClean="0"/>
-              <a:t>2017/11/16</a:t>
+              <a:t>2017/11/17</a:t>
             </a:fld>
             <a:endParaRPr lang="zh-CN" altLang="en-US"/>
           </a:p>
@@ -2554,7 +2555,7 @@
           <a:p>
             <a:fld id="{BED6D2AE-3E91-4087-8846-87206F7DA880}" type="datetimeFigureOut">
               <a:rPr lang="zh-CN" altLang="en-US" smtClean="0"/>
-              <a:t>2017/11/16</a:t>
+              <a:t>2017/11/17</a:t>
             </a:fld>
             <a:endParaRPr lang="zh-CN" altLang="en-US"/>
           </a:p>
@@ -2724,7 +2725,7 @@
           <a:p>
             <a:fld id="{BED6D2AE-3E91-4087-8846-87206F7DA880}" type="datetimeFigureOut">
               <a:rPr lang="zh-CN" altLang="en-US" smtClean="0"/>
-              <a:t>2017/11/16</a:t>
+              <a:t>2017/11/17</a:t>
             </a:fld>
             <a:endParaRPr lang="zh-CN" altLang="en-US"/>
           </a:p>
@@ -2970,7 +2971,7 @@
           <a:p>
             <a:fld id="{BED6D2AE-3E91-4087-8846-87206F7DA880}" type="datetimeFigureOut">
               <a:rPr lang="zh-CN" altLang="en-US" smtClean="0"/>
-              <a:t>2017/11/16</a:t>
+              <a:t>2017/11/17</a:t>
             </a:fld>
             <a:endParaRPr lang="zh-CN" altLang="en-US"/>
           </a:p>
@@ -3202,7 +3203,7 @@
           <a:p>
             <a:fld id="{BED6D2AE-3E91-4087-8846-87206F7DA880}" type="datetimeFigureOut">
               <a:rPr lang="zh-CN" altLang="en-US" smtClean="0"/>
-              <a:t>2017/11/16</a:t>
+              <a:t>2017/11/17</a:t>
             </a:fld>
             <a:endParaRPr lang="zh-CN" altLang="en-US"/>
           </a:p>
@@ -3569,7 +3570,7 @@
           <a:p>
             <a:fld id="{BED6D2AE-3E91-4087-8846-87206F7DA880}" type="datetimeFigureOut">
               <a:rPr lang="zh-CN" altLang="en-US" smtClean="0"/>
-              <a:t>2017/11/16</a:t>
+              <a:t>2017/11/17</a:t>
             </a:fld>
             <a:endParaRPr lang="zh-CN" altLang="en-US"/>
           </a:p>
@@ -3687,7 +3688,7 @@
           <a:p>
             <a:fld id="{BED6D2AE-3E91-4087-8846-87206F7DA880}" type="datetimeFigureOut">
               <a:rPr lang="zh-CN" altLang="en-US" smtClean="0"/>
-              <a:t>2017/11/16</a:t>
+              <a:t>2017/11/17</a:t>
             </a:fld>
             <a:endParaRPr lang="zh-CN" altLang="en-US"/>
           </a:p>
@@ -3782,7 +3783,7 @@
           <a:p>
             <a:fld id="{BED6D2AE-3E91-4087-8846-87206F7DA880}" type="datetimeFigureOut">
               <a:rPr lang="zh-CN" altLang="en-US" smtClean="0"/>
-              <a:t>2017/11/16</a:t>
+              <a:t>2017/11/17</a:t>
             </a:fld>
             <a:endParaRPr lang="zh-CN" altLang="en-US"/>
           </a:p>
@@ -4059,7 +4060,7 @@
           <a:p>
             <a:fld id="{BED6D2AE-3E91-4087-8846-87206F7DA880}" type="datetimeFigureOut">
               <a:rPr lang="zh-CN" altLang="en-US" smtClean="0"/>
-              <a:t>2017/11/16</a:t>
+              <a:t>2017/11/17</a:t>
             </a:fld>
             <a:endParaRPr lang="zh-CN" altLang="en-US"/>
           </a:p>
@@ -4312,7 +4313,7 @@
           <a:p>
             <a:fld id="{BED6D2AE-3E91-4087-8846-87206F7DA880}" type="datetimeFigureOut">
               <a:rPr lang="zh-CN" altLang="en-US" smtClean="0"/>
-              <a:t>2017/11/16</a:t>
+              <a:t>2017/11/17</a:t>
             </a:fld>
             <a:endParaRPr lang="zh-CN" altLang="en-US"/>
           </a:p>
@@ -4525,7 +4526,7 @@
           <a:p>
             <a:fld id="{BED6D2AE-3E91-4087-8846-87206F7DA880}" type="datetimeFigureOut">
               <a:rPr lang="zh-CN" altLang="en-US" smtClean="0"/>
-              <a:t>2017/11/16</a:t>
+              <a:t>2017/11/17</a:t>
             </a:fld>
             <a:endParaRPr lang="zh-CN" altLang="en-US"/>
           </a:p>
@@ -6115,6 +6116,1793 @@
 <file path=ppt/slides/slide10.xml><?xml version="1.0" encoding="utf-8"?>
 <p:sld xmlns:a="http://schemas.openxmlformats.org/drawingml/2006/main" xmlns:r="http://schemas.openxmlformats.org/officeDocument/2006/relationships" xmlns:p="http://schemas.openxmlformats.org/presentationml/2006/main">
   <p:cSld>
+    <p:bg>
+      <p:bgPr>
+        <a:blipFill dpi="0" rotWithShape="1">
+          <a:blip r:embed="rId2">
+            <a:lum/>
+          </a:blip>
+          <a:srcRect/>
+          <a:stretch>
+            <a:fillRect/>
+          </a:stretch>
+        </a:blipFill>
+        <a:effectLst/>
+      </p:bgPr>
+    </p:bg>
+    <p:spTree>
+      <p:nvGrpSpPr>
+        <p:cNvPr id="1" name=""/>
+        <p:cNvGrpSpPr/>
+        <p:nvPr/>
+      </p:nvGrpSpPr>
+      <p:grpSpPr>
+        <a:xfrm>
+          <a:off x="0" y="0"/>
+          <a:ext cx="0" cy="0"/>
+          <a:chOff x="0" y="0"/>
+          <a:chExt cx="0" cy="0"/>
+        </a:xfrm>
+      </p:grpSpPr>
+      <p:pic>
+        <p:nvPicPr>
+          <p:cNvPr id="4" name="图片 3"/>
+          <p:cNvPicPr>
+            <a:picLocks noChangeAspect="1"/>
+          </p:cNvPicPr>
+          <p:nvPr/>
+        </p:nvPicPr>
+        <p:blipFill>
+          <a:blip r:embed="rId3">
+            <a:extLst>
+              <a:ext uri="{28A0092B-C50C-407E-A947-70E740481C1C}">
+                <a14:useLocalDpi xmlns:a14="http://schemas.microsoft.com/office/drawing/2010/main" val="0"/>
+              </a:ext>
+            </a:extLst>
+          </a:blip>
+          <a:stretch>
+            <a:fillRect/>
+          </a:stretch>
+        </p:blipFill>
+        <p:spPr>
+          <a:xfrm>
+            <a:off x="3617710" y="94130"/>
+            <a:ext cx="8547396" cy="6696635"/>
+          </a:xfrm>
+          <a:prstGeom prst="rect">
+            <a:avLst/>
+          </a:prstGeom>
+        </p:spPr>
+      </p:pic>
+      <p:sp>
+        <p:nvSpPr>
+          <p:cNvPr id="6" name="标题 20"/>
+          <p:cNvSpPr>
+            <a:spLocks noGrp="1" noChangeArrowheads="1"/>
+          </p:cNvSpPr>
+          <p:nvPr/>
+        </p:nvSpPr>
+        <p:spPr bwMode="auto">
+          <a:xfrm>
+            <a:off x="606425" y="171450"/>
+            <a:ext cx="2741613" cy="276225"/>
+          </a:xfrm>
+          <a:prstGeom prst="rect">
+            <a:avLst/>
+          </a:prstGeom>
+          <a:noFill/>
+          <a:ln>
+            <a:noFill/>
+          </a:ln>
+          <a:extLst>
+            <a:ext uri="{909E8E84-426E-40DD-AFC4-6F175D3DCCD1}">
+              <a14:hiddenFill xmlns:a14="http://schemas.microsoft.com/office/drawing/2010/main">
+                <a:solidFill>
+                  <a:srgbClr val="FFFFFF"/>
+                </a:solidFill>
+              </a14:hiddenFill>
+            </a:ext>
+            <a:ext uri="{91240B29-F687-4F45-9708-019B960494DF}">
+              <a14:hiddenLine xmlns:a14="http://schemas.microsoft.com/office/drawing/2010/main" w="9525">
+                <a:solidFill>
+                  <a:srgbClr val="000000"/>
+                </a:solidFill>
+                <a:miter lim="800000"/>
+                <a:headEnd/>
+                <a:tailEnd/>
+              </a14:hiddenLine>
+            </a:ext>
+          </a:extLst>
+        </p:spPr>
+        <p:txBody>
+          <a:bodyPr anchor="ctr"/>
+          <a:lstStyle>
+            <a:lvl1pPr>
+              <a:defRPr>
+                <a:solidFill>
+                  <a:schemeClr val="tx1"/>
+                </a:solidFill>
+                <a:latin typeface="Calibri" panose="020F0502020204030204" pitchFamily="34" charset="0"/>
+                <a:ea typeface="宋体" panose="02010600030101010101" pitchFamily="2" charset="-122"/>
+              </a:defRPr>
+            </a:lvl1pPr>
+            <a:lvl2pPr>
+              <a:defRPr>
+                <a:solidFill>
+                  <a:schemeClr val="tx1"/>
+                </a:solidFill>
+                <a:latin typeface="Calibri" panose="020F0502020204030204" pitchFamily="34" charset="0"/>
+                <a:ea typeface="宋体" panose="02010600030101010101" pitchFamily="2" charset="-122"/>
+              </a:defRPr>
+            </a:lvl2pPr>
+            <a:lvl3pPr>
+              <a:defRPr>
+                <a:solidFill>
+                  <a:schemeClr val="tx1"/>
+                </a:solidFill>
+                <a:latin typeface="Calibri" panose="020F0502020204030204" pitchFamily="34" charset="0"/>
+                <a:ea typeface="宋体" panose="02010600030101010101" pitchFamily="2" charset="-122"/>
+              </a:defRPr>
+            </a:lvl3pPr>
+            <a:lvl4pPr>
+              <a:defRPr>
+                <a:solidFill>
+                  <a:schemeClr val="tx1"/>
+                </a:solidFill>
+                <a:latin typeface="Calibri" panose="020F0502020204030204" pitchFamily="34" charset="0"/>
+                <a:ea typeface="宋体" panose="02010600030101010101" pitchFamily="2" charset="-122"/>
+              </a:defRPr>
+            </a:lvl4pPr>
+            <a:lvl5pPr>
+              <a:defRPr>
+                <a:solidFill>
+                  <a:schemeClr val="tx1"/>
+                </a:solidFill>
+                <a:latin typeface="Calibri" panose="020F0502020204030204" pitchFamily="34" charset="0"/>
+                <a:ea typeface="宋体" panose="02010600030101010101" pitchFamily="2" charset="-122"/>
+              </a:defRPr>
+            </a:lvl5pPr>
+            <a:lvl6pPr fontAlgn="base">
+              <a:spcBef>
+                <a:spcPct val="0"/>
+              </a:spcBef>
+              <a:spcAft>
+                <a:spcPct val="0"/>
+              </a:spcAft>
+              <a:buFont typeface="Arial" panose="020B0604020202020204" pitchFamily="34" charset="0"/>
+              <a:defRPr>
+                <a:solidFill>
+                  <a:schemeClr val="tx1"/>
+                </a:solidFill>
+                <a:latin typeface="Calibri" panose="020F0502020204030204" pitchFamily="34" charset="0"/>
+                <a:ea typeface="宋体" panose="02010600030101010101" pitchFamily="2" charset="-122"/>
+              </a:defRPr>
+            </a:lvl6pPr>
+            <a:lvl7pPr fontAlgn="base">
+              <a:spcBef>
+                <a:spcPct val="0"/>
+              </a:spcBef>
+              <a:spcAft>
+                <a:spcPct val="0"/>
+              </a:spcAft>
+              <a:buFont typeface="Arial" panose="020B0604020202020204" pitchFamily="34" charset="0"/>
+              <a:defRPr>
+                <a:solidFill>
+                  <a:schemeClr val="tx1"/>
+                </a:solidFill>
+                <a:latin typeface="Calibri" panose="020F0502020204030204" pitchFamily="34" charset="0"/>
+                <a:ea typeface="宋体" panose="02010600030101010101" pitchFamily="2" charset="-122"/>
+              </a:defRPr>
+            </a:lvl7pPr>
+            <a:lvl8pPr fontAlgn="base">
+              <a:spcBef>
+                <a:spcPct val="0"/>
+              </a:spcBef>
+              <a:spcAft>
+                <a:spcPct val="0"/>
+              </a:spcAft>
+              <a:buFont typeface="Arial" panose="020B0604020202020204" pitchFamily="34" charset="0"/>
+              <a:defRPr>
+                <a:solidFill>
+                  <a:schemeClr val="tx1"/>
+                </a:solidFill>
+                <a:latin typeface="Calibri" panose="020F0502020204030204" pitchFamily="34" charset="0"/>
+                <a:ea typeface="宋体" panose="02010600030101010101" pitchFamily="2" charset="-122"/>
+              </a:defRPr>
+            </a:lvl8pPr>
+            <a:lvl9pPr fontAlgn="base">
+              <a:spcBef>
+                <a:spcPct val="0"/>
+              </a:spcBef>
+              <a:spcAft>
+                <a:spcPct val="0"/>
+              </a:spcAft>
+              <a:buFont typeface="Arial" panose="020B0604020202020204" pitchFamily="34" charset="0"/>
+              <a:defRPr>
+                <a:solidFill>
+                  <a:schemeClr val="tx1"/>
+                </a:solidFill>
+                <a:latin typeface="Calibri" panose="020F0502020204030204" pitchFamily="34" charset="0"/>
+                <a:ea typeface="宋体" panose="02010600030101010101" pitchFamily="2" charset="-122"/>
+              </a:defRPr>
+            </a:lvl9pPr>
+          </a:lstStyle>
+          <a:p>
+            <a:r>
+              <a:rPr lang="en-US" altLang="zh-CN" sz="2000" dirty="0" smtClean="0">
+                <a:solidFill>
+                  <a:schemeClr val="bg1"/>
+                </a:solidFill>
+                <a:latin typeface="微软雅黑" panose="020B0503020204020204" pitchFamily="34" charset="-122"/>
+                <a:ea typeface="微软雅黑" panose="020B0503020204020204" pitchFamily="34" charset="-122"/>
+              </a:rPr>
+              <a:t>E-R</a:t>
+            </a:r>
+            <a:r>
+              <a:rPr lang="zh-CN" altLang="en-US" sz="2000" dirty="0" smtClean="0">
+                <a:solidFill>
+                  <a:schemeClr val="bg1"/>
+                </a:solidFill>
+                <a:latin typeface="微软雅黑" panose="020B0503020204020204" pitchFamily="34" charset="-122"/>
+                <a:ea typeface="微软雅黑" panose="020B0503020204020204" pitchFamily="34" charset="-122"/>
+              </a:rPr>
+              <a:t>模式</a:t>
+            </a:r>
+            <a:endParaRPr lang="zh-CN" altLang="en-US" sz="2000" dirty="0">
+              <a:solidFill>
+                <a:schemeClr val="bg1"/>
+              </a:solidFill>
+              <a:latin typeface="微软雅黑" panose="020B0503020204020204" pitchFamily="34" charset="-122"/>
+              <a:ea typeface="微软雅黑" panose="020B0503020204020204" pitchFamily="34" charset="-122"/>
+            </a:endParaRPr>
+          </a:p>
+        </p:txBody>
+      </p:sp>
+      <p:sp>
+        <p:nvSpPr>
+          <p:cNvPr id="2" name="矩形 1"/>
+          <p:cNvSpPr/>
+          <p:nvPr/>
+        </p:nvSpPr>
+        <p:spPr>
+          <a:xfrm>
+            <a:off x="151841" y="1048487"/>
+            <a:ext cx="3196197" cy="3323987"/>
+          </a:xfrm>
+          <a:prstGeom prst="rect">
+            <a:avLst/>
+          </a:prstGeom>
+        </p:spPr>
+        <p:txBody>
+          <a:bodyPr wrap="square">
+            <a:spAutoFit/>
+          </a:bodyPr>
+          <a:lstStyle/>
+          <a:p>
+            <a:pPr algn="just">
+              <a:spcAft>
+                <a:spcPts val="0"/>
+              </a:spcAft>
+            </a:pPr>
+            <a:r>
+              <a:rPr lang="zh-CN" altLang="zh-CN" sz="1400" kern="100" dirty="0">
+                <a:solidFill>
+                  <a:srgbClr val="FF0000"/>
+                </a:solidFill>
+                <a:latin typeface="楷体" panose="02010609060101010101" pitchFamily="49" charset="-122"/>
+                <a:ea typeface="楷体" panose="02010609060101010101" pitchFamily="49" charset="-122"/>
+                <a:cs typeface="Times New Roman" panose="02020603050405020304" pitchFamily="18" charset="0"/>
+              </a:rPr>
+              <a:t>用户管理</a:t>
+            </a:r>
+            <a:r>
+              <a:rPr lang="zh-CN" altLang="zh-CN" sz="1400" kern="100" dirty="0">
+                <a:solidFill>
+                  <a:srgbClr val="000000"/>
+                </a:solidFill>
+                <a:latin typeface="楷体" panose="02010609060101010101" pitchFamily="49" charset="-122"/>
+                <a:ea typeface="楷体" panose="02010609060101010101" pitchFamily="49" charset="-122"/>
+                <a:cs typeface="Times New Roman" panose="02020603050405020304" pitchFamily="18" charset="0"/>
+              </a:rPr>
+              <a:t>：</a:t>
+            </a:r>
+            <a:endParaRPr lang="zh-CN" altLang="zh-CN" sz="1400" kern="100" dirty="0">
+              <a:latin typeface="楷体" panose="02010609060101010101" pitchFamily="49" charset="-122"/>
+              <a:ea typeface="楷体" panose="02010609060101010101" pitchFamily="49" charset="-122"/>
+              <a:cs typeface="Times New Roman" panose="02020603050405020304" pitchFamily="18" charset="0"/>
+            </a:endParaRPr>
+          </a:p>
+          <a:p>
+            <a:pPr algn="just">
+              <a:spcAft>
+                <a:spcPts val="0"/>
+              </a:spcAft>
+            </a:pPr>
+            <a:r>
+              <a:rPr lang="zh-CN" altLang="zh-CN" sz="1400" kern="100" dirty="0">
+                <a:solidFill>
+                  <a:srgbClr val="000000"/>
+                </a:solidFill>
+                <a:latin typeface="楷体" panose="02010609060101010101" pitchFamily="49" charset="-122"/>
+                <a:ea typeface="楷体" panose="02010609060101010101" pitchFamily="49" charset="-122"/>
+                <a:cs typeface="Times New Roman" panose="02020603050405020304" pitchFamily="18" charset="0"/>
+              </a:rPr>
+              <a:t>普通用户：学生可以通过</a:t>
+            </a:r>
+            <a:r>
+              <a:rPr lang="zh-CN" altLang="zh-CN" sz="1400" kern="100" dirty="0">
+                <a:solidFill>
+                  <a:srgbClr val="FF0000"/>
+                </a:solidFill>
+                <a:latin typeface="楷体" panose="02010609060101010101" pitchFamily="49" charset="-122"/>
+                <a:ea typeface="楷体" panose="02010609060101010101" pitchFamily="49" charset="-122"/>
+                <a:cs typeface="Times New Roman" panose="02020603050405020304" pitchFamily="18" charset="0"/>
+              </a:rPr>
+              <a:t>家长的手机号</a:t>
+            </a:r>
+            <a:r>
+              <a:rPr lang="zh-CN" altLang="zh-CN" sz="1400" kern="100" dirty="0">
+                <a:solidFill>
+                  <a:srgbClr val="000000"/>
+                </a:solidFill>
+                <a:latin typeface="楷体" panose="02010609060101010101" pitchFamily="49" charset="-122"/>
+                <a:ea typeface="楷体" panose="02010609060101010101" pitchFamily="49" charset="-122"/>
+                <a:cs typeface="Times New Roman" panose="02020603050405020304" pitchFamily="18" charset="0"/>
+              </a:rPr>
+              <a:t>进行注册然后登陆，在我们的平台上进行学习。也可以通过</a:t>
+            </a:r>
+            <a:r>
+              <a:rPr lang="zh-CN" altLang="zh-CN" sz="1400" kern="100" dirty="0">
+                <a:solidFill>
+                  <a:srgbClr val="FF0000"/>
+                </a:solidFill>
+                <a:latin typeface="楷体" panose="02010609060101010101" pitchFamily="49" charset="-122"/>
+                <a:ea typeface="楷体" panose="02010609060101010101" pitchFamily="49" charset="-122"/>
+                <a:cs typeface="Times New Roman" panose="02020603050405020304" pitchFamily="18" charset="0"/>
+              </a:rPr>
+              <a:t>第三方登录</a:t>
+            </a:r>
+            <a:r>
+              <a:rPr lang="zh-CN" altLang="zh-CN" sz="1400" kern="100" dirty="0">
+                <a:solidFill>
+                  <a:srgbClr val="000000"/>
+                </a:solidFill>
+                <a:latin typeface="楷体" panose="02010609060101010101" pitchFamily="49" charset="-122"/>
+                <a:ea typeface="楷体" panose="02010609060101010101" pitchFamily="49" charset="-122"/>
+                <a:cs typeface="Times New Roman" panose="02020603050405020304" pitchFamily="18" charset="0"/>
+              </a:rPr>
+              <a:t>进而</a:t>
+            </a:r>
+            <a:r>
+              <a:rPr lang="zh-CN" altLang="zh-CN" sz="1400" kern="100" dirty="0">
+                <a:solidFill>
+                  <a:srgbClr val="FF0000"/>
+                </a:solidFill>
+                <a:latin typeface="楷体" panose="02010609060101010101" pitchFamily="49" charset="-122"/>
+                <a:ea typeface="楷体" panose="02010609060101010101" pitchFamily="49" charset="-122"/>
+                <a:cs typeface="Times New Roman" panose="02020603050405020304" pitchFamily="18" charset="0"/>
+              </a:rPr>
+              <a:t>绑定相关的资料</a:t>
+            </a:r>
+            <a:r>
+              <a:rPr lang="zh-CN" altLang="zh-CN" sz="1400" kern="100" dirty="0">
+                <a:solidFill>
+                  <a:srgbClr val="000000"/>
+                </a:solidFill>
+                <a:latin typeface="楷体" panose="02010609060101010101" pitchFamily="49" charset="-122"/>
+                <a:ea typeface="楷体" panose="02010609060101010101" pitchFamily="49" charset="-122"/>
+                <a:cs typeface="Times New Roman" panose="02020603050405020304" pitchFamily="18" charset="0"/>
+              </a:rPr>
+              <a:t>。</a:t>
+            </a:r>
+            <a:endParaRPr lang="zh-CN" altLang="zh-CN" sz="1400" kern="100" dirty="0">
+              <a:latin typeface="楷体" panose="02010609060101010101" pitchFamily="49" charset="-122"/>
+              <a:ea typeface="楷体" panose="02010609060101010101" pitchFamily="49" charset="-122"/>
+              <a:cs typeface="Times New Roman" panose="02020603050405020304" pitchFamily="18" charset="0"/>
+            </a:endParaRPr>
+          </a:p>
+          <a:p>
+            <a:pPr algn="just">
+              <a:spcAft>
+                <a:spcPts val="0"/>
+              </a:spcAft>
+            </a:pPr>
+            <a:r>
+              <a:rPr lang="en-US" altLang="zh-CN" sz="1400" kern="100" dirty="0">
+                <a:solidFill>
+                  <a:srgbClr val="000000"/>
+                </a:solidFill>
+                <a:latin typeface="楷体" panose="02010609060101010101" pitchFamily="49" charset="-122"/>
+                <a:ea typeface="楷体" panose="02010609060101010101" pitchFamily="49" charset="-122"/>
+                <a:cs typeface="Times New Roman" panose="02020603050405020304" pitchFamily="18" charset="0"/>
+              </a:rPr>
+              <a:t> </a:t>
+            </a:r>
+            <a:endParaRPr lang="zh-CN" altLang="zh-CN" sz="1400" kern="100" dirty="0">
+              <a:latin typeface="楷体" panose="02010609060101010101" pitchFamily="49" charset="-122"/>
+              <a:ea typeface="楷体" panose="02010609060101010101" pitchFamily="49" charset="-122"/>
+              <a:cs typeface="Times New Roman" panose="02020603050405020304" pitchFamily="18" charset="0"/>
+            </a:endParaRPr>
+          </a:p>
+          <a:p>
+            <a:pPr algn="just">
+              <a:spcAft>
+                <a:spcPts val="0"/>
+              </a:spcAft>
+            </a:pPr>
+            <a:r>
+              <a:rPr lang="zh-CN" altLang="zh-CN" sz="1400" kern="100" dirty="0">
+                <a:solidFill>
+                  <a:srgbClr val="000000"/>
+                </a:solidFill>
+                <a:latin typeface="楷体" panose="02010609060101010101" pitchFamily="49" charset="-122"/>
+                <a:ea typeface="楷体" panose="02010609060101010101" pitchFamily="49" charset="-122"/>
+                <a:cs typeface="Times New Roman" panose="02020603050405020304" pitchFamily="18" charset="0"/>
+              </a:rPr>
+              <a:t>学校用户：可以使用</a:t>
+            </a:r>
+            <a:r>
+              <a:rPr lang="zh-CN" altLang="zh-CN" sz="1400" kern="100" dirty="0">
+                <a:solidFill>
+                  <a:srgbClr val="FF0000"/>
+                </a:solidFill>
+                <a:latin typeface="楷体" panose="02010609060101010101" pitchFamily="49" charset="-122"/>
+                <a:ea typeface="楷体" panose="02010609060101010101" pitchFamily="49" charset="-122"/>
+                <a:cs typeface="Times New Roman" panose="02020603050405020304" pitchFamily="18" charset="0"/>
+              </a:rPr>
+              <a:t>学校的特定的</a:t>
+            </a:r>
+            <a:r>
+              <a:rPr lang="en-US" altLang="zh-CN" sz="1400" kern="100" dirty="0">
+                <a:solidFill>
+                  <a:srgbClr val="FF0000"/>
+                </a:solidFill>
+                <a:latin typeface="楷体" panose="02010609060101010101" pitchFamily="49" charset="-122"/>
+                <a:ea typeface="楷体" panose="02010609060101010101" pitchFamily="49" charset="-122"/>
+                <a:cs typeface="Times New Roman" panose="02020603050405020304" pitchFamily="18" charset="0"/>
+              </a:rPr>
+              <a:t>ID</a:t>
+            </a:r>
+            <a:r>
+              <a:rPr lang="zh-CN" altLang="zh-CN" sz="1400" kern="100" dirty="0">
+                <a:solidFill>
+                  <a:srgbClr val="000000"/>
+                </a:solidFill>
+                <a:latin typeface="楷体" panose="02010609060101010101" pitchFamily="49" charset="-122"/>
+                <a:ea typeface="楷体" panose="02010609060101010101" pitchFamily="49" charset="-122"/>
+                <a:cs typeface="Times New Roman" panose="02020603050405020304" pitchFamily="18" charset="0"/>
+              </a:rPr>
+              <a:t>来注册，我们根据这个特定的</a:t>
+            </a:r>
+            <a:r>
+              <a:rPr lang="en-US" altLang="zh-CN" sz="1400" kern="100" dirty="0">
+                <a:solidFill>
+                  <a:srgbClr val="000000"/>
+                </a:solidFill>
+                <a:latin typeface="楷体" panose="02010609060101010101" pitchFamily="49" charset="-122"/>
+                <a:ea typeface="楷体" panose="02010609060101010101" pitchFamily="49" charset="-122"/>
+                <a:cs typeface="Times New Roman" panose="02020603050405020304" pitchFamily="18" charset="0"/>
+              </a:rPr>
+              <a:t>ID</a:t>
+            </a:r>
+            <a:r>
+              <a:rPr lang="zh-CN" altLang="zh-CN" sz="1400" kern="100" dirty="0">
+                <a:solidFill>
+                  <a:srgbClr val="000000"/>
+                </a:solidFill>
+                <a:latin typeface="楷体" panose="02010609060101010101" pitchFamily="49" charset="-122"/>
+                <a:ea typeface="楷体" panose="02010609060101010101" pitchFamily="49" charset="-122"/>
+                <a:cs typeface="Times New Roman" panose="02020603050405020304" pitchFamily="18" charset="0"/>
+              </a:rPr>
+              <a:t>来区分学校，这个特定</a:t>
+            </a:r>
+            <a:r>
+              <a:rPr lang="en-US" altLang="zh-CN" sz="1400" kern="100" dirty="0">
+                <a:solidFill>
+                  <a:srgbClr val="000000"/>
+                </a:solidFill>
+                <a:latin typeface="楷体" panose="02010609060101010101" pitchFamily="49" charset="-122"/>
+                <a:ea typeface="楷体" panose="02010609060101010101" pitchFamily="49" charset="-122"/>
+                <a:cs typeface="Times New Roman" panose="02020603050405020304" pitchFamily="18" charset="0"/>
+              </a:rPr>
+              <a:t>ID</a:t>
+            </a:r>
+            <a:r>
+              <a:rPr lang="zh-CN" altLang="zh-CN" sz="1400" kern="100" dirty="0">
+                <a:solidFill>
+                  <a:srgbClr val="000000"/>
+                </a:solidFill>
+                <a:latin typeface="楷体" panose="02010609060101010101" pitchFamily="49" charset="-122"/>
+                <a:ea typeface="楷体" panose="02010609060101010101" pitchFamily="49" charset="-122"/>
+                <a:cs typeface="Times New Roman" panose="02020603050405020304" pitchFamily="18" charset="0"/>
+              </a:rPr>
+              <a:t>，我们会跟校企合作平台进行沟通。</a:t>
+            </a:r>
+            <a:endParaRPr lang="zh-CN" altLang="zh-CN" sz="1400" kern="100" dirty="0">
+              <a:latin typeface="楷体" panose="02010609060101010101" pitchFamily="49" charset="-122"/>
+              <a:ea typeface="楷体" panose="02010609060101010101" pitchFamily="49" charset="-122"/>
+              <a:cs typeface="Times New Roman" panose="02020603050405020304" pitchFamily="18" charset="0"/>
+            </a:endParaRPr>
+          </a:p>
+          <a:p>
+            <a:pPr algn="just">
+              <a:spcAft>
+                <a:spcPts val="0"/>
+              </a:spcAft>
+            </a:pPr>
+            <a:r>
+              <a:rPr lang="en-US" altLang="zh-CN" sz="1400" kern="100" dirty="0">
+                <a:solidFill>
+                  <a:srgbClr val="000000"/>
+                </a:solidFill>
+                <a:latin typeface="楷体" panose="02010609060101010101" pitchFamily="49" charset="-122"/>
+                <a:ea typeface="楷体" panose="02010609060101010101" pitchFamily="49" charset="-122"/>
+                <a:cs typeface="Times New Roman" panose="02020603050405020304" pitchFamily="18" charset="0"/>
+              </a:rPr>
+              <a:t> </a:t>
+            </a:r>
+            <a:endParaRPr lang="zh-CN" altLang="zh-CN" sz="1400" kern="100" dirty="0">
+              <a:latin typeface="楷体" panose="02010609060101010101" pitchFamily="49" charset="-122"/>
+              <a:ea typeface="楷体" panose="02010609060101010101" pitchFamily="49" charset="-122"/>
+              <a:cs typeface="Times New Roman" panose="02020603050405020304" pitchFamily="18" charset="0"/>
+            </a:endParaRPr>
+          </a:p>
+          <a:p>
+            <a:pPr algn="just">
+              <a:spcAft>
+                <a:spcPts val="0"/>
+              </a:spcAft>
+            </a:pPr>
+            <a:r>
+              <a:rPr lang="zh-CN" altLang="zh-CN" sz="1400" kern="100" dirty="0">
+                <a:solidFill>
+                  <a:srgbClr val="000000"/>
+                </a:solidFill>
+                <a:latin typeface="楷体" panose="02010609060101010101" pitchFamily="49" charset="-122"/>
+                <a:ea typeface="楷体" panose="02010609060101010101" pitchFamily="49" charset="-122"/>
+                <a:cs typeface="Times New Roman" panose="02020603050405020304" pitchFamily="18" charset="0"/>
+              </a:rPr>
+              <a:t>企业用户：可以使用</a:t>
+            </a:r>
+            <a:r>
+              <a:rPr lang="zh-CN" altLang="zh-CN" sz="1400" kern="100" dirty="0">
+                <a:solidFill>
+                  <a:srgbClr val="FF0000"/>
+                </a:solidFill>
+                <a:latin typeface="楷体" panose="02010609060101010101" pitchFamily="49" charset="-122"/>
+                <a:ea typeface="楷体" panose="02010609060101010101" pitchFamily="49" charset="-122"/>
+                <a:cs typeface="Times New Roman" panose="02020603050405020304" pitchFamily="18" charset="0"/>
+              </a:rPr>
+              <a:t>企业的特定的</a:t>
+            </a:r>
+            <a:r>
+              <a:rPr lang="en-US" altLang="zh-CN" sz="1400" kern="100" dirty="0">
+                <a:solidFill>
+                  <a:srgbClr val="FF0000"/>
+                </a:solidFill>
+                <a:latin typeface="楷体" panose="02010609060101010101" pitchFamily="49" charset="-122"/>
+                <a:ea typeface="楷体" panose="02010609060101010101" pitchFamily="49" charset="-122"/>
+                <a:cs typeface="Times New Roman" panose="02020603050405020304" pitchFamily="18" charset="0"/>
+              </a:rPr>
+              <a:t>ID</a:t>
+            </a:r>
+            <a:r>
+              <a:rPr lang="zh-CN" altLang="zh-CN" sz="1400" kern="100" dirty="0">
+                <a:solidFill>
+                  <a:srgbClr val="000000"/>
+                </a:solidFill>
+                <a:latin typeface="楷体" panose="02010609060101010101" pitchFamily="49" charset="-122"/>
+                <a:ea typeface="楷体" panose="02010609060101010101" pitchFamily="49" charset="-122"/>
+                <a:cs typeface="Times New Roman" panose="02020603050405020304" pitchFamily="18" charset="0"/>
+              </a:rPr>
+              <a:t>来注册，我们根据这个特定的</a:t>
+            </a:r>
+            <a:r>
+              <a:rPr lang="en-US" altLang="zh-CN" sz="1400" kern="100" dirty="0">
+                <a:solidFill>
+                  <a:srgbClr val="000000"/>
+                </a:solidFill>
+                <a:latin typeface="楷体" panose="02010609060101010101" pitchFamily="49" charset="-122"/>
+                <a:ea typeface="楷体" panose="02010609060101010101" pitchFamily="49" charset="-122"/>
+                <a:cs typeface="Times New Roman" panose="02020603050405020304" pitchFamily="18" charset="0"/>
+              </a:rPr>
+              <a:t>ID</a:t>
+            </a:r>
+            <a:r>
+              <a:rPr lang="zh-CN" altLang="zh-CN" sz="1400" kern="100" dirty="0">
+                <a:solidFill>
+                  <a:srgbClr val="000000"/>
+                </a:solidFill>
+                <a:latin typeface="楷体" panose="02010609060101010101" pitchFamily="49" charset="-122"/>
+                <a:ea typeface="楷体" panose="02010609060101010101" pitchFamily="49" charset="-122"/>
+                <a:cs typeface="Times New Roman" panose="02020603050405020304" pitchFamily="18" charset="0"/>
+              </a:rPr>
+              <a:t>来区分企业。这个特定</a:t>
+            </a:r>
+            <a:r>
+              <a:rPr lang="en-US" altLang="zh-CN" sz="1400" kern="100" dirty="0">
+                <a:solidFill>
+                  <a:srgbClr val="000000"/>
+                </a:solidFill>
+                <a:latin typeface="楷体" panose="02010609060101010101" pitchFamily="49" charset="-122"/>
+                <a:ea typeface="楷体" panose="02010609060101010101" pitchFamily="49" charset="-122"/>
+                <a:cs typeface="Times New Roman" panose="02020603050405020304" pitchFamily="18" charset="0"/>
+              </a:rPr>
+              <a:t>ID</a:t>
+            </a:r>
+            <a:r>
+              <a:rPr lang="zh-CN" altLang="zh-CN" sz="1400" kern="100" dirty="0">
+                <a:solidFill>
+                  <a:srgbClr val="000000"/>
+                </a:solidFill>
+                <a:latin typeface="楷体" panose="02010609060101010101" pitchFamily="49" charset="-122"/>
+                <a:ea typeface="楷体" panose="02010609060101010101" pitchFamily="49" charset="-122"/>
+                <a:cs typeface="Times New Roman" panose="02020603050405020304" pitchFamily="18" charset="0"/>
+              </a:rPr>
+              <a:t>，我们会跟商家合作平台进行沟通。</a:t>
+            </a:r>
+            <a:endParaRPr lang="zh-CN" altLang="zh-CN" sz="1400" kern="100" dirty="0">
+              <a:latin typeface="楷体" panose="02010609060101010101" pitchFamily="49" charset="-122"/>
+              <a:ea typeface="楷体" panose="02010609060101010101" pitchFamily="49" charset="-122"/>
+              <a:cs typeface="Times New Roman" panose="02020603050405020304" pitchFamily="18" charset="0"/>
+            </a:endParaRPr>
+          </a:p>
+        </p:txBody>
+      </p:sp>
+      <p:sp>
+        <p:nvSpPr>
+          <p:cNvPr id="8" name="矩形 7"/>
+          <p:cNvSpPr/>
+          <p:nvPr/>
+        </p:nvSpPr>
+        <p:spPr>
+          <a:xfrm>
+            <a:off x="205489" y="1048487"/>
+            <a:ext cx="3088900" cy="5693866"/>
+          </a:xfrm>
+          <a:prstGeom prst="rect">
+            <a:avLst/>
+          </a:prstGeom>
+        </p:spPr>
+        <p:txBody>
+          <a:bodyPr wrap="square">
+            <a:spAutoFit/>
+          </a:bodyPr>
+          <a:lstStyle/>
+          <a:p>
+            <a:pPr algn="just">
+              <a:spcAft>
+                <a:spcPts val="0"/>
+              </a:spcAft>
+            </a:pPr>
+            <a:r>
+              <a:rPr lang="zh-CN" altLang="zh-CN" sz="1400" kern="100" dirty="0">
+                <a:solidFill>
+                  <a:srgbClr val="FF0000"/>
+                </a:solidFill>
+                <a:latin typeface="楷体" panose="02010609060101010101" pitchFamily="49" charset="-122"/>
+                <a:ea typeface="楷体" panose="02010609060101010101" pitchFamily="49" charset="-122"/>
+                <a:cs typeface="Times New Roman" panose="02020603050405020304" pitchFamily="18" charset="0"/>
+              </a:rPr>
+              <a:t>学习平台相关管理：</a:t>
+            </a:r>
+            <a:endParaRPr lang="zh-CN" altLang="zh-CN" sz="1400" kern="100" dirty="0">
+              <a:latin typeface="楷体" panose="02010609060101010101" pitchFamily="49" charset="-122"/>
+              <a:ea typeface="楷体" panose="02010609060101010101" pitchFamily="49" charset="-122"/>
+              <a:cs typeface="Times New Roman" panose="02020603050405020304" pitchFamily="18" charset="0"/>
+            </a:endParaRPr>
+          </a:p>
+          <a:p>
+            <a:pPr marL="742950" lvl="1" indent="-285750" algn="just">
+              <a:spcAft>
+                <a:spcPts val="0"/>
+              </a:spcAft>
+              <a:buFont typeface="+mj-ea"/>
+              <a:buAutoNum type="circleNumDbPlain"/>
+            </a:pPr>
+            <a:r>
+              <a:rPr lang="zh-CN" altLang="zh-CN" sz="1400" kern="100" dirty="0">
+                <a:solidFill>
+                  <a:srgbClr val="000000"/>
+                </a:solidFill>
+                <a:latin typeface="楷体" panose="02010609060101010101" pitchFamily="49" charset="-122"/>
+                <a:ea typeface="楷体" panose="02010609060101010101" pitchFamily="49" charset="-122"/>
+                <a:cs typeface="Times New Roman" panose="02020603050405020304" pitchFamily="18" charset="0"/>
+              </a:rPr>
+              <a:t>学习视频上传及管理</a:t>
+            </a:r>
+            <a:r>
+              <a:rPr lang="en-US" altLang="zh-CN" sz="1400" kern="100" dirty="0">
+                <a:solidFill>
+                  <a:srgbClr val="000000"/>
+                </a:solidFill>
+                <a:latin typeface="楷体" panose="02010609060101010101" pitchFamily="49" charset="-122"/>
+                <a:ea typeface="楷体" panose="02010609060101010101" pitchFamily="49" charset="-122"/>
+                <a:cs typeface="Times New Roman" panose="02020603050405020304" pitchFamily="18" charset="0"/>
+              </a:rPr>
+              <a:t>(</a:t>
+            </a:r>
+            <a:r>
+              <a:rPr lang="zh-CN" altLang="zh-CN" sz="1400" kern="100" dirty="0">
+                <a:solidFill>
+                  <a:srgbClr val="000000"/>
+                </a:solidFill>
+                <a:latin typeface="楷体" panose="02010609060101010101" pitchFamily="49" charset="-122"/>
+                <a:ea typeface="楷体" panose="02010609060101010101" pitchFamily="49" charset="-122"/>
+                <a:cs typeface="Times New Roman" panose="02020603050405020304" pitchFamily="18" charset="0"/>
+              </a:rPr>
+              <a:t>增删改查</a:t>
+            </a:r>
+            <a:r>
+              <a:rPr lang="en-US" altLang="zh-CN" sz="1400" kern="100" dirty="0">
+                <a:solidFill>
+                  <a:srgbClr val="000000"/>
+                </a:solidFill>
+                <a:latin typeface="楷体" panose="02010609060101010101" pitchFamily="49" charset="-122"/>
+                <a:ea typeface="楷体" panose="02010609060101010101" pitchFamily="49" charset="-122"/>
+                <a:cs typeface="Times New Roman" panose="02020603050405020304" pitchFamily="18" charset="0"/>
+              </a:rPr>
+              <a:t>)</a:t>
+            </a:r>
+            <a:endParaRPr lang="zh-CN" altLang="zh-CN" sz="1400" kern="100" dirty="0">
+              <a:latin typeface="楷体" panose="02010609060101010101" pitchFamily="49" charset="-122"/>
+              <a:ea typeface="楷体" panose="02010609060101010101" pitchFamily="49" charset="-122"/>
+              <a:cs typeface="Times New Roman" panose="02020603050405020304" pitchFamily="18" charset="0"/>
+            </a:endParaRPr>
+          </a:p>
+          <a:p>
+            <a:pPr marL="742950" lvl="1" indent="-285750" algn="just">
+              <a:spcAft>
+                <a:spcPts val="0"/>
+              </a:spcAft>
+              <a:buFont typeface="+mj-ea"/>
+              <a:buAutoNum type="circleNumDbPlain"/>
+            </a:pPr>
+            <a:r>
+              <a:rPr lang="zh-CN" altLang="zh-CN" sz="1400" kern="100" dirty="0">
+                <a:solidFill>
+                  <a:srgbClr val="000000"/>
+                </a:solidFill>
+                <a:latin typeface="楷体" panose="02010609060101010101" pitchFamily="49" charset="-122"/>
+                <a:ea typeface="楷体" panose="02010609060101010101" pitchFamily="49" charset="-122"/>
+                <a:cs typeface="Times New Roman" panose="02020603050405020304" pitchFamily="18" charset="0"/>
+              </a:rPr>
+              <a:t>学习资料的上传及管理（增删改查）</a:t>
+            </a:r>
+            <a:endParaRPr lang="zh-CN" altLang="zh-CN" sz="1400" kern="100" dirty="0">
+              <a:latin typeface="楷体" panose="02010609060101010101" pitchFamily="49" charset="-122"/>
+              <a:ea typeface="楷体" panose="02010609060101010101" pitchFamily="49" charset="-122"/>
+              <a:cs typeface="Times New Roman" panose="02020603050405020304" pitchFamily="18" charset="0"/>
+            </a:endParaRPr>
+          </a:p>
+          <a:p>
+            <a:pPr marL="742950" lvl="1" indent="-285750" algn="just">
+              <a:spcAft>
+                <a:spcPts val="0"/>
+              </a:spcAft>
+              <a:buFont typeface="+mj-ea"/>
+              <a:buAutoNum type="circleNumDbPlain"/>
+            </a:pPr>
+            <a:r>
+              <a:rPr lang="zh-CN" altLang="zh-CN" sz="1400" kern="100" dirty="0">
+                <a:solidFill>
+                  <a:srgbClr val="000000"/>
+                </a:solidFill>
+                <a:latin typeface="楷体" panose="02010609060101010101" pitchFamily="49" charset="-122"/>
+                <a:ea typeface="楷体" panose="02010609060101010101" pitchFamily="49" charset="-122"/>
+                <a:cs typeface="Times New Roman" panose="02020603050405020304" pitchFamily="18" charset="0"/>
+              </a:rPr>
+              <a:t>通过</a:t>
+            </a:r>
+            <a:r>
+              <a:rPr lang="en-US" altLang="zh-CN" sz="1400" kern="100" dirty="0">
+                <a:solidFill>
+                  <a:srgbClr val="000000"/>
+                </a:solidFill>
+                <a:latin typeface="楷体" panose="02010609060101010101" pitchFamily="49" charset="-122"/>
+                <a:ea typeface="楷体" panose="02010609060101010101" pitchFamily="49" charset="-122"/>
+                <a:cs typeface="Times New Roman" panose="02020603050405020304" pitchFamily="18" charset="0"/>
+              </a:rPr>
+              <a:t>scratch</a:t>
+            </a:r>
+            <a:r>
+              <a:rPr lang="zh-CN" altLang="zh-CN" sz="1400" kern="100" dirty="0">
+                <a:solidFill>
+                  <a:srgbClr val="000000"/>
+                </a:solidFill>
+                <a:latin typeface="楷体" panose="02010609060101010101" pitchFamily="49" charset="-122"/>
+                <a:ea typeface="楷体" panose="02010609060101010101" pitchFamily="49" charset="-122"/>
+                <a:cs typeface="Times New Roman" panose="02020603050405020304" pitchFamily="18" charset="0"/>
+              </a:rPr>
+              <a:t>教程对学生的进行一个学习指导（每日直播）</a:t>
+            </a:r>
+            <a:endParaRPr lang="zh-CN" altLang="zh-CN" sz="1400" kern="100" dirty="0">
+              <a:latin typeface="楷体" panose="02010609060101010101" pitchFamily="49" charset="-122"/>
+              <a:ea typeface="楷体" panose="02010609060101010101" pitchFamily="49" charset="-122"/>
+              <a:cs typeface="Times New Roman" panose="02020603050405020304" pitchFamily="18" charset="0"/>
+            </a:endParaRPr>
+          </a:p>
+          <a:p>
+            <a:pPr marL="695325" indent="266700" algn="just">
+              <a:spcAft>
+                <a:spcPts val="0"/>
+              </a:spcAft>
+            </a:pPr>
+            <a:r>
+              <a:rPr lang="en-US" altLang="zh-CN" sz="1400" kern="100" dirty="0">
+                <a:solidFill>
+                  <a:srgbClr val="FF0000"/>
+                </a:solidFill>
+                <a:latin typeface="楷体" panose="02010609060101010101" pitchFamily="49" charset="-122"/>
+                <a:ea typeface="楷体" panose="02010609060101010101" pitchFamily="49" charset="-122"/>
+                <a:cs typeface="Times New Roman" panose="02020603050405020304" pitchFamily="18" charset="0"/>
+              </a:rPr>
+              <a:t> </a:t>
+            </a:r>
+            <a:endParaRPr lang="zh-CN" altLang="zh-CN" sz="1400" kern="100" dirty="0">
+              <a:latin typeface="楷体" panose="02010609060101010101" pitchFamily="49" charset="-122"/>
+              <a:ea typeface="楷体" panose="02010609060101010101" pitchFamily="49" charset="-122"/>
+              <a:cs typeface="Times New Roman" panose="02020603050405020304" pitchFamily="18" charset="0"/>
+            </a:endParaRPr>
+          </a:p>
+          <a:p>
+            <a:pPr algn="just">
+              <a:spcAft>
+                <a:spcPts val="0"/>
+              </a:spcAft>
+            </a:pPr>
+            <a:r>
+              <a:rPr lang="zh-CN" altLang="zh-CN" sz="1400" kern="100" dirty="0">
+                <a:solidFill>
+                  <a:srgbClr val="FF0000"/>
+                </a:solidFill>
+                <a:latin typeface="楷体" panose="02010609060101010101" pitchFamily="49" charset="-122"/>
+                <a:ea typeface="楷体" panose="02010609060101010101" pitchFamily="49" charset="-122"/>
+                <a:cs typeface="Times New Roman" panose="02020603050405020304" pitchFamily="18" charset="0"/>
+              </a:rPr>
+              <a:t>校企合作管理：</a:t>
+            </a:r>
+            <a:endParaRPr lang="zh-CN" altLang="zh-CN" sz="1400" kern="100" dirty="0">
+              <a:latin typeface="楷体" panose="02010609060101010101" pitchFamily="49" charset="-122"/>
+              <a:ea typeface="楷体" panose="02010609060101010101" pitchFamily="49" charset="-122"/>
+              <a:cs typeface="Times New Roman" panose="02020603050405020304" pitchFamily="18" charset="0"/>
+            </a:endParaRPr>
+          </a:p>
+          <a:p>
+            <a:pPr algn="just">
+              <a:spcAft>
+                <a:spcPts val="0"/>
+              </a:spcAft>
+            </a:pPr>
+            <a:r>
+              <a:rPr lang="zh-CN" altLang="zh-CN" sz="1400" kern="100" dirty="0">
+                <a:solidFill>
+                  <a:srgbClr val="000000"/>
+                </a:solidFill>
+                <a:latin typeface="楷体" panose="02010609060101010101" pitchFamily="49" charset="-122"/>
+                <a:ea typeface="楷体" panose="02010609060101010101" pitchFamily="49" charset="-122"/>
+                <a:cs typeface="Times New Roman" panose="02020603050405020304" pitchFamily="18" charset="0"/>
+              </a:rPr>
+              <a:t>学校申请：填写资料，上传资料，提交资料。</a:t>
+            </a:r>
+            <a:endParaRPr lang="zh-CN" altLang="zh-CN" sz="1400" kern="100" dirty="0">
+              <a:latin typeface="楷体" panose="02010609060101010101" pitchFamily="49" charset="-122"/>
+              <a:ea typeface="楷体" panose="02010609060101010101" pitchFamily="49" charset="-122"/>
+              <a:cs typeface="Times New Roman" panose="02020603050405020304" pitchFamily="18" charset="0"/>
+            </a:endParaRPr>
+          </a:p>
+          <a:p>
+            <a:pPr algn="just">
+              <a:spcAft>
+                <a:spcPts val="0"/>
+              </a:spcAft>
+            </a:pPr>
+            <a:r>
+              <a:rPr lang="zh-CN" altLang="zh-CN" sz="1400" kern="100" dirty="0">
+                <a:solidFill>
+                  <a:srgbClr val="000000"/>
+                </a:solidFill>
+                <a:latin typeface="楷体" panose="02010609060101010101" pitchFamily="49" charset="-122"/>
+                <a:ea typeface="楷体" panose="02010609060101010101" pitchFamily="49" charset="-122"/>
+                <a:cs typeface="Times New Roman" panose="02020603050405020304" pitchFamily="18" charset="0"/>
+              </a:rPr>
+              <a:t>企业审核：查看资料，验证资料的来源。</a:t>
+            </a:r>
+            <a:endParaRPr lang="zh-CN" altLang="zh-CN" sz="1400" kern="100" dirty="0">
+              <a:latin typeface="楷体" panose="02010609060101010101" pitchFamily="49" charset="-122"/>
+              <a:ea typeface="楷体" panose="02010609060101010101" pitchFamily="49" charset="-122"/>
+              <a:cs typeface="Times New Roman" panose="02020603050405020304" pitchFamily="18" charset="0"/>
+            </a:endParaRPr>
+          </a:p>
+          <a:p>
+            <a:pPr algn="just">
+              <a:spcAft>
+                <a:spcPts val="0"/>
+              </a:spcAft>
+            </a:pPr>
+            <a:r>
+              <a:rPr lang="zh-CN" altLang="zh-CN" sz="1400" kern="100" dirty="0">
+                <a:solidFill>
+                  <a:srgbClr val="000000"/>
+                </a:solidFill>
+                <a:latin typeface="楷体" panose="02010609060101010101" pitchFamily="49" charset="-122"/>
+                <a:ea typeface="楷体" panose="02010609060101010101" pitchFamily="49" charset="-122"/>
+                <a:cs typeface="Times New Roman" panose="02020603050405020304" pitchFamily="18" charset="0"/>
+              </a:rPr>
+              <a:t>企业回复：客服对学校进行回复，然后进行下一步的合作</a:t>
+            </a:r>
+            <a:endParaRPr lang="zh-CN" altLang="zh-CN" sz="1400" kern="100" dirty="0">
+              <a:latin typeface="楷体" panose="02010609060101010101" pitchFamily="49" charset="-122"/>
+              <a:ea typeface="楷体" panose="02010609060101010101" pitchFamily="49" charset="-122"/>
+              <a:cs typeface="Times New Roman" panose="02020603050405020304" pitchFamily="18" charset="0"/>
+            </a:endParaRPr>
+          </a:p>
+          <a:p>
+            <a:pPr algn="just">
+              <a:spcAft>
+                <a:spcPts val="0"/>
+              </a:spcAft>
+            </a:pPr>
+            <a:r>
+              <a:rPr lang="zh-CN" altLang="zh-CN" sz="1400" kern="100" dirty="0">
+                <a:solidFill>
+                  <a:srgbClr val="000000"/>
+                </a:solidFill>
+                <a:latin typeface="楷体" panose="02010609060101010101" pitchFamily="49" charset="-122"/>
+                <a:ea typeface="楷体" panose="02010609060101010101" pitchFamily="49" charset="-122"/>
+                <a:cs typeface="Times New Roman" panose="02020603050405020304" pitchFamily="18" charset="0"/>
+              </a:rPr>
+              <a:t>学校入驻：添加学校的相关信息，学校成功入驻。平台对学校的相关信息进行维护和管理。</a:t>
+            </a:r>
+            <a:endParaRPr lang="zh-CN" altLang="zh-CN" sz="1400" kern="100" dirty="0">
+              <a:latin typeface="楷体" panose="02010609060101010101" pitchFamily="49" charset="-122"/>
+              <a:ea typeface="楷体" panose="02010609060101010101" pitchFamily="49" charset="-122"/>
+              <a:cs typeface="Times New Roman" panose="02020603050405020304" pitchFamily="18" charset="0"/>
+            </a:endParaRPr>
+          </a:p>
+          <a:p>
+            <a:pPr algn="just">
+              <a:spcAft>
+                <a:spcPts val="0"/>
+              </a:spcAft>
+            </a:pPr>
+            <a:r>
+              <a:rPr lang="zh-CN" altLang="zh-CN" sz="1400" kern="100" dirty="0">
+                <a:solidFill>
+                  <a:srgbClr val="000000"/>
+                </a:solidFill>
+                <a:latin typeface="楷体" panose="02010609060101010101" pitchFamily="49" charset="-122"/>
+                <a:ea typeface="楷体" panose="02010609060101010101" pitchFamily="49" charset="-122"/>
+                <a:cs typeface="Times New Roman" panose="02020603050405020304" pitchFamily="18" charset="0"/>
+              </a:rPr>
+              <a:t>提供相关资源：通过学校，</a:t>
+            </a:r>
+            <a:r>
+              <a:rPr lang="zh-CN" altLang="zh-CN" sz="1400" kern="100" dirty="0">
+                <a:solidFill>
+                  <a:srgbClr val="FF0000"/>
+                </a:solidFill>
+                <a:latin typeface="楷体" panose="02010609060101010101" pitchFamily="49" charset="-122"/>
+                <a:ea typeface="楷体" panose="02010609060101010101" pitchFamily="49" charset="-122"/>
+                <a:cs typeface="Times New Roman" panose="02020603050405020304" pitchFamily="18" charset="0"/>
+              </a:rPr>
+              <a:t>派人或者在学校的附近建立一个站点</a:t>
+            </a:r>
+            <a:r>
+              <a:rPr lang="zh-CN" altLang="zh-CN" sz="1400" kern="100" dirty="0">
+                <a:solidFill>
+                  <a:srgbClr val="000000"/>
+                </a:solidFill>
+                <a:latin typeface="楷体" panose="02010609060101010101" pitchFamily="49" charset="-122"/>
+                <a:ea typeface="楷体" panose="02010609060101010101" pitchFamily="49" charset="-122"/>
+                <a:cs typeface="Times New Roman" panose="02020603050405020304" pitchFamily="18" charset="0"/>
+              </a:rPr>
+              <a:t>对学校学生进行相关课程的教授以及提供教师的培训。</a:t>
+            </a:r>
+            <a:endParaRPr lang="zh-CN" altLang="zh-CN" sz="1400" kern="100" dirty="0">
+              <a:latin typeface="楷体" panose="02010609060101010101" pitchFamily="49" charset="-122"/>
+              <a:ea typeface="楷体" panose="02010609060101010101" pitchFamily="49" charset="-122"/>
+              <a:cs typeface="Times New Roman" panose="02020603050405020304" pitchFamily="18" charset="0"/>
+            </a:endParaRPr>
+          </a:p>
+          <a:p>
+            <a:pPr algn="just">
+              <a:spcAft>
+                <a:spcPts val="0"/>
+              </a:spcAft>
+            </a:pPr>
+            <a:r>
+              <a:rPr lang="zh-CN" altLang="zh-CN" sz="1400" kern="100" dirty="0">
+                <a:solidFill>
+                  <a:srgbClr val="000000"/>
+                </a:solidFill>
+                <a:latin typeface="楷体" panose="02010609060101010101" pitchFamily="49" charset="-122"/>
+                <a:ea typeface="楷体" panose="02010609060101010101" pitchFamily="49" charset="-122"/>
+                <a:cs typeface="Times New Roman" panose="02020603050405020304" pitchFamily="18" charset="0"/>
+              </a:rPr>
+              <a:t>学校反馈机制：校方可以通过我们的教授情况对我们企业做一个评价以及修改意见。</a:t>
+            </a:r>
+            <a:endParaRPr lang="zh-CN" altLang="zh-CN" sz="1400" kern="100" dirty="0">
+              <a:latin typeface="楷体" panose="02010609060101010101" pitchFamily="49" charset="-122"/>
+              <a:ea typeface="楷体" panose="02010609060101010101" pitchFamily="49" charset="-122"/>
+              <a:cs typeface="Times New Roman" panose="02020603050405020304" pitchFamily="18" charset="0"/>
+            </a:endParaRPr>
+          </a:p>
+        </p:txBody>
+      </p:sp>
+      <p:sp>
+        <p:nvSpPr>
+          <p:cNvPr id="9" name="矩形 8"/>
+          <p:cNvSpPr/>
+          <p:nvPr/>
+        </p:nvSpPr>
+        <p:spPr>
+          <a:xfrm>
+            <a:off x="205489" y="1048487"/>
+            <a:ext cx="3142549" cy="3108543"/>
+          </a:xfrm>
+          <a:prstGeom prst="rect">
+            <a:avLst/>
+          </a:prstGeom>
+        </p:spPr>
+        <p:txBody>
+          <a:bodyPr wrap="square">
+            <a:spAutoFit/>
+          </a:bodyPr>
+          <a:lstStyle/>
+          <a:p>
+            <a:pPr algn="just">
+              <a:spcAft>
+                <a:spcPts val="0"/>
+              </a:spcAft>
+            </a:pPr>
+            <a:r>
+              <a:rPr lang="zh-CN" altLang="zh-CN" sz="1400" kern="100" dirty="0">
+                <a:solidFill>
+                  <a:srgbClr val="FF0000"/>
+                </a:solidFill>
+                <a:latin typeface="楷体" panose="02010609060101010101" pitchFamily="49" charset="-122"/>
+                <a:ea typeface="楷体" panose="02010609060101010101" pitchFamily="49" charset="-122"/>
+                <a:cs typeface="Times New Roman" panose="02020603050405020304" pitchFamily="18" charset="0"/>
+              </a:rPr>
+              <a:t>商家入驻管理：</a:t>
+            </a:r>
+            <a:endParaRPr lang="zh-CN" altLang="zh-CN" sz="1400" kern="100" dirty="0">
+              <a:latin typeface="楷体" panose="02010609060101010101" pitchFamily="49" charset="-122"/>
+              <a:ea typeface="楷体" panose="02010609060101010101" pitchFamily="49" charset="-122"/>
+              <a:cs typeface="Times New Roman" panose="02020603050405020304" pitchFamily="18" charset="0"/>
+            </a:endParaRPr>
+          </a:p>
+          <a:p>
+            <a:pPr algn="just">
+              <a:spcAft>
+                <a:spcPts val="0"/>
+              </a:spcAft>
+            </a:pPr>
+            <a:r>
+              <a:rPr lang="en-US" altLang="zh-CN" sz="1400" kern="100" dirty="0">
+                <a:solidFill>
+                  <a:srgbClr val="000000"/>
+                </a:solidFill>
+                <a:latin typeface="楷体" panose="02010609060101010101" pitchFamily="49" charset="-122"/>
+                <a:ea typeface="楷体" panose="02010609060101010101" pitchFamily="49" charset="-122"/>
+                <a:cs typeface="Times New Roman" panose="02020603050405020304" pitchFamily="18" charset="0"/>
+              </a:rPr>
+              <a:t>  </a:t>
+            </a:r>
+            <a:r>
+              <a:rPr lang="zh-CN" altLang="zh-CN" sz="1400" kern="100" dirty="0">
+                <a:solidFill>
+                  <a:srgbClr val="000000"/>
+                </a:solidFill>
+                <a:latin typeface="楷体" panose="02010609060101010101" pitchFamily="49" charset="-122"/>
+                <a:ea typeface="楷体" panose="02010609060101010101" pitchFamily="49" charset="-122"/>
+                <a:cs typeface="Times New Roman" panose="02020603050405020304" pitchFamily="18" charset="0"/>
+              </a:rPr>
+              <a:t>培训中心申请：填写资料，上传资料，提交资料。</a:t>
+            </a:r>
+            <a:endParaRPr lang="zh-CN" altLang="zh-CN" sz="1400" kern="100" dirty="0">
+              <a:latin typeface="楷体" panose="02010609060101010101" pitchFamily="49" charset="-122"/>
+              <a:ea typeface="楷体" panose="02010609060101010101" pitchFamily="49" charset="-122"/>
+              <a:cs typeface="Times New Roman" panose="02020603050405020304" pitchFamily="18" charset="0"/>
+            </a:endParaRPr>
+          </a:p>
+          <a:p>
+            <a:pPr algn="just">
+              <a:spcAft>
+                <a:spcPts val="0"/>
+              </a:spcAft>
+            </a:pPr>
+            <a:r>
+              <a:rPr lang="en-US" altLang="zh-CN" sz="1400" kern="100" dirty="0">
+                <a:solidFill>
+                  <a:srgbClr val="000000"/>
+                </a:solidFill>
+                <a:latin typeface="楷体" panose="02010609060101010101" pitchFamily="49" charset="-122"/>
+                <a:ea typeface="楷体" panose="02010609060101010101" pitchFamily="49" charset="-122"/>
+                <a:cs typeface="Times New Roman" panose="02020603050405020304" pitchFamily="18" charset="0"/>
+              </a:rPr>
+              <a:t>  </a:t>
+            </a:r>
+            <a:r>
+              <a:rPr lang="zh-CN" altLang="zh-CN" sz="1400" kern="100" dirty="0">
+                <a:solidFill>
+                  <a:srgbClr val="000000"/>
+                </a:solidFill>
+                <a:latin typeface="楷体" panose="02010609060101010101" pitchFamily="49" charset="-122"/>
+                <a:ea typeface="楷体" panose="02010609060101010101" pitchFamily="49" charset="-122"/>
+                <a:cs typeface="Times New Roman" panose="02020603050405020304" pitchFamily="18" charset="0"/>
+              </a:rPr>
+              <a:t>企业审核：查看资料，验证资料的来源。</a:t>
+            </a:r>
+            <a:endParaRPr lang="zh-CN" altLang="zh-CN" sz="1400" kern="100" dirty="0">
+              <a:latin typeface="楷体" panose="02010609060101010101" pitchFamily="49" charset="-122"/>
+              <a:ea typeface="楷体" panose="02010609060101010101" pitchFamily="49" charset="-122"/>
+              <a:cs typeface="Times New Roman" panose="02020603050405020304" pitchFamily="18" charset="0"/>
+            </a:endParaRPr>
+          </a:p>
+          <a:p>
+            <a:pPr algn="just">
+              <a:spcAft>
+                <a:spcPts val="0"/>
+              </a:spcAft>
+            </a:pPr>
+            <a:r>
+              <a:rPr lang="en-US" altLang="zh-CN" sz="1400" kern="100" dirty="0">
+                <a:solidFill>
+                  <a:srgbClr val="000000"/>
+                </a:solidFill>
+                <a:latin typeface="楷体" panose="02010609060101010101" pitchFamily="49" charset="-122"/>
+                <a:ea typeface="楷体" panose="02010609060101010101" pitchFamily="49" charset="-122"/>
+                <a:cs typeface="Times New Roman" panose="02020603050405020304" pitchFamily="18" charset="0"/>
+              </a:rPr>
+              <a:t>  </a:t>
+            </a:r>
+            <a:r>
+              <a:rPr lang="zh-CN" altLang="zh-CN" sz="1400" kern="100" dirty="0">
+                <a:solidFill>
+                  <a:srgbClr val="000000"/>
+                </a:solidFill>
+                <a:latin typeface="楷体" panose="02010609060101010101" pitchFamily="49" charset="-122"/>
+                <a:ea typeface="楷体" panose="02010609060101010101" pitchFamily="49" charset="-122"/>
+                <a:cs typeface="Times New Roman" panose="02020603050405020304" pitchFamily="18" charset="0"/>
+              </a:rPr>
+              <a:t>培训中心入驻商城：对培训中心的信息以及店铺进行管理</a:t>
+            </a:r>
+            <a:endParaRPr lang="zh-CN" altLang="zh-CN" sz="1400" kern="100" dirty="0">
+              <a:latin typeface="楷体" panose="02010609060101010101" pitchFamily="49" charset="-122"/>
+              <a:ea typeface="楷体" panose="02010609060101010101" pitchFamily="49" charset="-122"/>
+              <a:cs typeface="Times New Roman" panose="02020603050405020304" pitchFamily="18" charset="0"/>
+            </a:endParaRPr>
+          </a:p>
+          <a:p>
+            <a:pPr marL="133350" indent="-133350" algn="just">
+              <a:spcAft>
+                <a:spcPts val="0"/>
+              </a:spcAft>
+            </a:pPr>
+            <a:r>
+              <a:rPr lang="en-US" altLang="zh-CN" sz="1400" kern="100" dirty="0">
+                <a:solidFill>
+                  <a:srgbClr val="000000"/>
+                </a:solidFill>
+                <a:latin typeface="楷体" panose="02010609060101010101" pitchFamily="49" charset="-122"/>
+                <a:ea typeface="楷体" panose="02010609060101010101" pitchFamily="49" charset="-122"/>
+                <a:cs typeface="Times New Roman" panose="02020603050405020304" pitchFamily="18" charset="0"/>
+              </a:rPr>
+              <a:t>  </a:t>
+            </a:r>
+            <a:r>
+              <a:rPr lang="zh-CN" altLang="zh-CN" sz="1400" kern="100" dirty="0">
+                <a:solidFill>
+                  <a:srgbClr val="000000"/>
+                </a:solidFill>
+                <a:latin typeface="楷体" panose="02010609060101010101" pitchFamily="49" charset="-122"/>
+                <a:ea typeface="楷体" panose="02010609060101010101" pitchFamily="49" charset="-122"/>
+                <a:cs typeface="Times New Roman" panose="02020603050405020304" pitchFamily="18" charset="0"/>
+              </a:rPr>
+              <a:t>派单机制：我们通过学校的具体情况，会给相关培训中心单子让他们接单然后连接商家与学校的合作。</a:t>
+            </a:r>
+            <a:endParaRPr lang="zh-CN" altLang="zh-CN" sz="1400" kern="100" dirty="0">
+              <a:latin typeface="楷体" panose="02010609060101010101" pitchFamily="49" charset="-122"/>
+              <a:ea typeface="楷体" panose="02010609060101010101" pitchFamily="49" charset="-122"/>
+              <a:cs typeface="Times New Roman" panose="02020603050405020304" pitchFamily="18" charset="0"/>
+            </a:endParaRPr>
+          </a:p>
+          <a:p>
+            <a:pPr marL="133350" indent="-133350" algn="just">
+              <a:spcAft>
+                <a:spcPts val="0"/>
+              </a:spcAft>
+            </a:pPr>
+            <a:r>
+              <a:rPr lang="en-US" altLang="zh-CN" sz="1400" kern="100" dirty="0">
+                <a:solidFill>
+                  <a:srgbClr val="000000"/>
+                </a:solidFill>
+                <a:latin typeface="楷体" panose="02010609060101010101" pitchFamily="49" charset="-122"/>
+                <a:ea typeface="楷体" panose="02010609060101010101" pitchFamily="49" charset="-122"/>
+                <a:cs typeface="Times New Roman" panose="02020603050405020304" pitchFamily="18" charset="0"/>
+              </a:rPr>
+              <a:t>  </a:t>
+            </a:r>
+            <a:r>
+              <a:rPr lang="zh-CN" altLang="zh-CN" sz="1400" kern="100" dirty="0">
+                <a:solidFill>
+                  <a:srgbClr val="000000"/>
+                </a:solidFill>
+                <a:latin typeface="楷体" panose="02010609060101010101" pitchFamily="49" charset="-122"/>
+                <a:ea typeface="楷体" panose="02010609060101010101" pitchFamily="49" charset="-122"/>
+                <a:cs typeface="Times New Roman" panose="02020603050405020304" pitchFamily="18" charset="0"/>
+              </a:rPr>
+              <a:t>商家反馈：及时反馈与学校的合作情况。</a:t>
+            </a:r>
+            <a:endParaRPr lang="zh-CN" altLang="zh-CN" sz="1400" kern="100" dirty="0">
+              <a:latin typeface="楷体" panose="02010609060101010101" pitchFamily="49" charset="-122"/>
+              <a:ea typeface="楷体" panose="02010609060101010101" pitchFamily="49" charset="-122"/>
+              <a:cs typeface="Times New Roman" panose="02020603050405020304" pitchFamily="18" charset="0"/>
+            </a:endParaRPr>
+          </a:p>
+          <a:p>
+            <a:pPr marL="133350" indent="-133350" algn="just">
+              <a:spcAft>
+                <a:spcPts val="0"/>
+              </a:spcAft>
+            </a:pPr>
+            <a:r>
+              <a:rPr lang="en-US" altLang="zh-CN" sz="1400" kern="100" dirty="0">
+                <a:solidFill>
+                  <a:srgbClr val="000000"/>
+                </a:solidFill>
+                <a:latin typeface="楷体" panose="02010609060101010101" pitchFamily="49" charset="-122"/>
+                <a:ea typeface="楷体" panose="02010609060101010101" pitchFamily="49" charset="-122"/>
+                <a:cs typeface="Times New Roman" panose="02020603050405020304" pitchFamily="18" charset="0"/>
+              </a:rPr>
+              <a:t>  </a:t>
+            </a:r>
+            <a:r>
+              <a:rPr lang="zh-CN" altLang="zh-CN" sz="1400" kern="100" dirty="0">
+                <a:solidFill>
+                  <a:srgbClr val="000000"/>
+                </a:solidFill>
+                <a:latin typeface="楷体" panose="02010609060101010101" pitchFamily="49" charset="-122"/>
+                <a:ea typeface="楷体" panose="02010609060101010101" pitchFamily="49" charset="-122"/>
+                <a:cs typeface="Times New Roman" panose="02020603050405020304" pitchFamily="18" charset="0"/>
+              </a:rPr>
+              <a:t>评分机制：对商家的信用，教学情况等进行一个综合评分。</a:t>
+            </a:r>
+            <a:endParaRPr lang="zh-CN" altLang="zh-CN" sz="1400" kern="100" dirty="0">
+              <a:latin typeface="楷体" panose="02010609060101010101" pitchFamily="49" charset="-122"/>
+              <a:ea typeface="楷体" panose="02010609060101010101" pitchFamily="49" charset="-122"/>
+              <a:cs typeface="Times New Roman" panose="02020603050405020304" pitchFamily="18" charset="0"/>
+            </a:endParaRPr>
+          </a:p>
+        </p:txBody>
+      </p:sp>
+      <p:pic>
+        <p:nvPicPr>
+          <p:cNvPr id="10" name="图片 9"/>
+          <p:cNvPicPr>
+            <a:picLocks noChangeAspect="1"/>
+          </p:cNvPicPr>
+          <p:nvPr/>
+        </p:nvPicPr>
+        <p:blipFill>
+          <a:blip r:embed="rId4">
+            <a:extLst>
+              <a:ext uri="{28A0092B-C50C-407E-A947-70E740481C1C}">
+                <a14:useLocalDpi xmlns:a14="http://schemas.microsoft.com/office/drawing/2010/main" val="0"/>
+              </a:ext>
+            </a:extLst>
+          </a:blip>
+          <a:stretch>
+            <a:fillRect/>
+          </a:stretch>
+        </p:blipFill>
+        <p:spPr>
+          <a:xfrm>
+            <a:off x="301259" y="158003"/>
+            <a:ext cx="290411" cy="290411"/>
+          </a:xfrm>
+          <a:prstGeom prst="rect">
+            <a:avLst/>
+          </a:prstGeom>
+        </p:spPr>
+      </p:pic>
+      <p:cxnSp>
+        <p:nvCxnSpPr>
+          <p:cNvPr id="12" name="直接连接符 11"/>
+          <p:cNvCxnSpPr/>
+          <p:nvPr/>
+        </p:nvCxnSpPr>
+        <p:spPr>
+          <a:xfrm>
+            <a:off x="11995150" y="6240463"/>
+            <a:ext cx="0" cy="293687"/>
+          </a:xfrm>
+          <a:prstGeom prst="line">
+            <a:avLst/>
+          </a:prstGeom>
+        </p:spPr>
+        <p:style>
+          <a:lnRef idx="1">
+            <a:schemeClr val="accent1"/>
+          </a:lnRef>
+          <a:fillRef idx="0">
+            <a:schemeClr val="accent1"/>
+          </a:fillRef>
+          <a:effectRef idx="0">
+            <a:schemeClr val="accent1"/>
+          </a:effectRef>
+          <a:fontRef idx="minor">
+            <a:schemeClr val="tx1"/>
+          </a:fontRef>
+        </p:style>
+      </p:cxnSp>
+    </p:spTree>
+    <p:extLst>
+      <p:ext uri="{BB962C8B-B14F-4D97-AF65-F5344CB8AC3E}">
+        <p14:creationId xmlns:p14="http://schemas.microsoft.com/office/powerpoint/2010/main" val="3573050385"/>
+      </p:ext>
+    </p:extLst>
+  </p:cSld>
+  <p:clrMapOvr>
+    <a:masterClrMapping/>
+  </p:clrMapOvr>
+  <p:timing>
+    <p:tnLst>
+      <p:par>
+        <p:cTn id="1" dur="indefinite" restart="never" nodeType="tmRoot">
+          <p:childTnLst>
+            <p:seq concurrent="1" nextAc="seek">
+              <p:cTn id="2" dur="indefinite" nodeType="mainSeq">
+                <p:childTnLst>
+                  <p:par>
+                    <p:cTn id="3" fill="hold">
+                      <p:stCondLst>
+                        <p:cond delay="indefinite"/>
+                        <p:cond evt="onBegin" delay="0">
+                          <p:tn val="2"/>
+                        </p:cond>
+                      </p:stCondLst>
+                      <p:childTnLst>
+                        <p:par>
+                          <p:cTn id="4" fill="hold">
+                            <p:stCondLst>
+                              <p:cond delay="0"/>
+                            </p:stCondLst>
+                            <p:childTnLst>
+                              <p:par>
+                                <p:cTn id="5" presetID="10" presetClass="entr" presetSubtype="0" fill="hold" nodeType="afterEffect">
+                                  <p:stCondLst>
+                                    <p:cond delay="0"/>
+                                  </p:stCondLst>
+                                  <p:childTnLst>
+                                    <p:set>
+                                      <p:cBhvr>
+                                        <p:cTn id="6" dur="1" fill="hold">
+                                          <p:stCondLst>
+                                            <p:cond delay="0"/>
+                                          </p:stCondLst>
+                                        </p:cTn>
+                                        <p:tgtEl>
+                                          <p:spTgt spid="4"/>
+                                        </p:tgtEl>
+                                        <p:attrNameLst>
+                                          <p:attrName>style.visibility</p:attrName>
+                                        </p:attrNameLst>
+                                      </p:cBhvr>
+                                      <p:to>
+                                        <p:strVal val="visible"/>
+                                      </p:to>
+                                    </p:set>
+                                    <p:animEffect transition="in" filter="fade">
+                                      <p:cBhvr>
+                                        <p:cTn id="7" dur="500"/>
+                                        <p:tgtEl>
+                                          <p:spTgt spid="4"/>
+                                        </p:tgtEl>
+                                      </p:cBhvr>
+                                    </p:animEffect>
+                                  </p:childTnLst>
+                                </p:cTn>
+                              </p:par>
+                            </p:childTnLst>
+                          </p:cTn>
+                        </p:par>
+                        <p:par>
+                          <p:cTn id="8" fill="hold">
+                            <p:stCondLst>
+                              <p:cond delay="500"/>
+                            </p:stCondLst>
+                            <p:childTnLst>
+                              <p:par>
+                                <p:cTn id="9" presetID="42" presetClass="entr" presetSubtype="0" fill="hold" grpId="0" nodeType="afterEffect">
+                                  <p:stCondLst>
+                                    <p:cond delay="0"/>
+                                  </p:stCondLst>
+                                  <p:childTnLst>
+                                    <p:set>
+                                      <p:cBhvr>
+                                        <p:cTn id="10" dur="1" fill="hold">
+                                          <p:stCondLst>
+                                            <p:cond delay="0"/>
+                                          </p:stCondLst>
+                                        </p:cTn>
+                                        <p:tgtEl>
+                                          <p:spTgt spid="2"/>
+                                        </p:tgtEl>
+                                        <p:attrNameLst>
+                                          <p:attrName>style.visibility</p:attrName>
+                                        </p:attrNameLst>
+                                      </p:cBhvr>
+                                      <p:to>
+                                        <p:strVal val="visible"/>
+                                      </p:to>
+                                    </p:set>
+                                    <p:animEffect transition="in" filter="fade">
+                                      <p:cBhvr>
+                                        <p:cTn id="11" dur="1000"/>
+                                        <p:tgtEl>
+                                          <p:spTgt spid="2"/>
+                                        </p:tgtEl>
+                                      </p:cBhvr>
+                                    </p:animEffect>
+                                    <p:anim calcmode="lin" valueType="num">
+                                      <p:cBhvr>
+                                        <p:cTn id="12" dur="1000" fill="hold"/>
+                                        <p:tgtEl>
+                                          <p:spTgt spid="2"/>
+                                        </p:tgtEl>
+                                        <p:attrNameLst>
+                                          <p:attrName>ppt_x</p:attrName>
+                                        </p:attrNameLst>
+                                      </p:cBhvr>
+                                      <p:tavLst>
+                                        <p:tav tm="0">
+                                          <p:val>
+                                            <p:strVal val="#ppt_x"/>
+                                          </p:val>
+                                        </p:tav>
+                                        <p:tav tm="100000">
+                                          <p:val>
+                                            <p:strVal val="#ppt_x"/>
+                                          </p:val>
+                                        </p:tav>
+                                      </p:tavLst>
+                                    </p:anim>
+                                    <p:anim calcmode="lin" valueType="num">
+                                      <p:cBhvr>
+                                        <p:cTn id="13" dur="1000" fill="hold"/>
+                                        <p:tgtEl>
+                                          <p:spTgt spid="2"/>
+                                        </p:tgtEl>
+                                        <p:attrNameLst>
+                                          <p:attrName>ppt_y</p:attrName>
+                                        </p:attrNameLst>
+                                      </p:cBhvr>
+                                      <p:tavLst>
+                                        <p:tav tm="0">
+                                          <p:val>
+                                            <p:strVal val="#ppt_y+.1"/>
+                                          </p:val>
+                                        </p:tav>
+                                        <p:tav tm="100000">
+                                          <p:val>
+                                            <p:strVal val="#ppt_y"/>
+                                          </p:val>
+                                        </p:tav>
+                                      </p:tavLst>
+                                    </p:anim>
+                                  </p:childTnLst>
+                                </p:cTn>
+                              </p:par>
+                            </p:childTnLst>
+                          </p:cTn>
+                        </p:par>
+                        <p:par>
+                          <p:cTn id="14" fill="hold">
+                            <p:stCondLst>
+                              <p:cond delay="1500"/>
+                            </p:stCondLst>
+                            <p:childTnLst>
+                              <p:par>
+                                <p:cTn id="15" presetID="22" presetClass="exit" presetSubtype="4" fill="hold" grpId="1" nodeType="afterEffect">
+                                  <p:stCondLst>
+                                    <p:cond delay="4000"/>
+                                  </p:stCondLst>
+                                  <p:childTnLst>
+                                    <p:animEffect transition="out" filter="wipe(down)">
+                                      <p:cBhvr>
+                                        <p:cTn id="16" dur="500"/>
+                                        <p:tgtEl>
+                                          <p:spTgt spid="2"/>
+                                        </p:tgtEl>
+                                      </p:cBhvr>
+                                    </p:animEffect>
+                                    <p:set>
+                                      <p:cBhvr>
+                                        <p:cTn id="17" dur="1" fill="hold">
+                                          <p:stCondLst>
+                                            <p:cond delay="499"/>
+                                          </p:stCondLst>
+                                        </p:cTn>
+                                        <p:tgtEl>
+                                          <p:spTgt spid="2"/>
+                                        </p:tgtEl>
+                                        <p:attrNameLst>
+                                          <p:attrName>style.visibility</p:attrName>
+                                        </p:attrNameLst>
+                                      </p:cBhvr>
+                                      <p:to>
+                                        <p:strVal val="hidden"/>
+                                      </p:to>
+                                    </p:set>
+                                  </p:childTnLst>
+                                </p:cTn>
+                              </p:par>
+                            </p:childTnLst>
+                          </p:cTn>
+                        </p:par>
+                        <p:par>
+                          <p:cTn id="18" fill="hold">
+                            <p:stCondLst>
+                              <p:cond delay="6000"/>
+                            </p:stCondLst>
+                            <p:childTnLst>
+                              <p:par>
+                                <p:cTn id="19" presetID="10" presetClass="entr" presetSubtype="0" fill="hold" grpId="0" nodeType="afterEffect">
+                                  <p:stCondLst>
+                                    <p:cond delay="500"/>
+                                  </p:stCondLst>
+                                  <p:childTnLst>
+                                    <p:set>
+                                      <p:cBhvr>
+                                        <p:cTn id="20" dur="1" fill="hold">
+                                          <p:stCondLst>
+                                            <p:cond delay="0"/>
+                                          </p:stCondLst>
+                                        </p:cTn>
+                                        <p:tgtEl>
+                                          <p:spTgt spid="8"/>
+                                        </p:tgtEl>
+                                        <p:attrNameLst>
+                                          <p:attrName>style.visibility</p:attrName>
+                                        </p:attrNameLst>
+                                      </p:cBhvr>
+                                      <p:to>
+                                        <p:strVal val="visible"/>
+                                      </p:to>
+                                    </p:set>
+                                    <p:animEffect transition="in" filter="fade">
+                                      <p:cBhvr>
+                                        <p:cTn id="21" dur="500"/>
+                                        <p:tgtEl>
+                                          <p:spTgt spid="8"/>
+                                        </p:tgtEl>
+                                      </p:cBhvr>
+                                    </p:animEffect>
+                                  </p:childTnLst>
+                                </p:cTn>
+                              </p:par>
+                            </p:childTnLst>
+                          </p:cTn>
+                        </p:par>
+                        <p:par>
+                          <p:cTn id="22" fill="hold">
+                            <p:stCondLst>
+                              <p:cond delay="7000"/>
+                            </p:stCondLst>
+                            <p:childTnLst>
+                              <p:par>
+                                <p:cTn id="23" presetID="22" presetClass="exit" presetSubtype="4" fill="hold" grpId="1" nodeType="afterEffect">
+                                  <p:stCondLst>
+                                    <p:cond delay="10000"/>
+                                  </p:stCondLst>
+                                  <p:childTnLst>
+                                    <p:animEffect transition="out" filter="wipe(down)">
+                                      <p:cBhvr>
+                                        <p:cTn id="24" dur="500"/>
+                                        <p:tgtEl>
+                                          <p:spTgt spid="8"/>
+                                        </p:tgtEl>
+                                      </p:cBhvr>
+                                    </p:animEffect>
+                                    <p:set>
+                                      <p:cBhvr>
+                                        <p:cTn id="25" dur="1" fill="hold">
+                                          <p:stCondLst>
+                                            <p:cond delay="499"/>
+                                          </p:stCondLst>
+                                        </p:cTn>
+                                        <p:tgtEl>
+                                          <p:spTgt spid="8"/>
+                                        </p:tgtEl>
+                                        <p:attrNameLst>
+                                          <p:attrName>style.visibility</p:attrName>
+                                        </p:attrNameLst>
+                                      </p:cBhvr>
+                                      <p:to>
+                                        <p:strVal val="hidden"/>
+                                      </p:to>
+                                    </p:set>
+                                  </p:childTnLst>
+                                </p:cTn>
+                              </p:par>
+                            </p:childTnLst>
+                          </p:cTn>
+                        </p:par>
+                        <p:par>
+                          <p:cTn id="26" fill="hold">
+                            <p:stCondLst>
+                              <p:cond delay="17500"/>
+                            </p:stCondLst>
+                            <p:childTnLst>
+                              <p:par>
+                                <p:cTn id="27" presetID="10" presetClass="entr" presetSubtype="0" fill="hold" grpId="0" nodeType="afterEffect">
+                                  <p:stCondLst>
+                                    <p:cond delay="500"/>
+                                  </p:stCondLst>
+                                  <p:childTnLst>
+                                    <p:set>
+                                      <p:cBhvr>
+                                        <p:cTn id="28" dur="1" fill="hold">
+                                          <p:stCondLst>
+                                            <p:cond delay="0"/>
+                                          </p:stCondLst>
+                                        </p:cTn>
+                                        <p:tgtEl>
+                                          <p:spTgt spid="9"/>
+                                        </p:tgtEl>
+                                        <p:attrNameLst>
+                                          <p:attrName>style.visibility</p:attrName>
+                                        </p:attrNameLst>
+                                      </p:cBhvr>
+                                      <p:to>
+                                        <p:strVal val="visible"/>
+                                      </p:to>
+                                    </p:set>
+                                    <p:animEffect transition="in" filter="fade">
+                                      <p:cBhvr>
+                                        <p:cTn id="29" dur="500"/>
+                                        <p:tgtEl>
+                                          <p:spTgt spid="9"/>
+                                        </p:tgtEl>
+                                      </p:cBhvr>
+                                    </p:animEffect>
+                                  </p:childTnLst>
+                                </p:cTn>
+                              </p:par>
+                            </p:childTnLst>
+                          </p:cTn>
+                        </p:par>
+                        <p:par>
+                          <p:cTn id="30" fill="hold">
+                            <p:stCondLst>
+                              <p:cond delay="18500"/>
+                            </p:stCondLst>
+                            <p:childTnLst>
+                              <p:par>
+                                <p:cTn id="31" presetID="22" presetClass="exit" presetSubtype="4" fill="hold" grpId="1" nodeType="afterEffect">
+                                  <p:stCondLst>
+                                    <p:cond delay="5000"/>
+                                  </p:stCondLst>
+                                  <p:childTnLst>
+                                    <p:animEffect transition="out" filter="wipe(down)">
+                                      <p:cBhvr>
+                                        <p:cTn id="32" dur="500"/>
+                                        <p:tgtEl>
+                                          <p:spTgt spid="9"/>
+                                        </p:tgtEl>
+                                      </p:cBhvr>
+                                    </p:animEffect>
+                                    <p:set>
+                                      <p:cBhvr>
+                                        <p:cTn id="33" dur="1" fill="hold">
+                                          <p:stCondLst>
+                                            <p:cond delay="499"/>
+                                          </p:stCondLst>
+                                        </p:cTn>
+                                        <p:tgtEl>
+                                          <p:spTgt spid="9"/>
+                                        </p:tgtEl>
+                                        <p:attrNameLst>
+                                          <p:attrName>style.visibility</p:attrName>
+                                        </p:attrNameLst>
+                                      </p:cBhvr>
+                                      <p:to>
+                                        <p:strVal val="hidden"/>
+                                      </p:to>
+                                    </p:set>
+                                  </p:childTnLst>
+                                </p:cTn>
+                              </p:par>
+                            </p:childTnLst>
+                          </p:cTn>
+                        </p:par>
+                        <p:par>
+                          <p:cTn id="34" fill="hold">
+                            <p:stCondLst>
+                              <p:cond delay="24000"/>
+                            </p:stCondLst>
+                            <p:childTnLst>
+                              <p:par>
+                                <p:cTn id="35" presetID="22" presetClass="entr" presetSubtype="4" fill="hold" nodeType="afterEffect">
+                                  <p:stCondLst>
+                                    <p:cond delay="500"/>
+                                  </p:stCondLst>
+                                  <p:childTnLst>
+                                    <p:set>
+                                      <p:cBhvr>
+                                        <p:cTn id="36" dur="1" fill="hold">
+                                          <p:stCondLst>
+                                            <p:cond delay="0"/>
+                                          </p:stCondLst>
+                                        </p:cTn>
+                                        <p:tgtEl>
+                                          <p:spTgt spid="12"/>
+                                        </p:tgtEl>
+                                        <p:attrNameLst>
+                                          <p:attrName>style.visibility</p:attrName>
+                                        </p:attrNameLst>
+                                      </p:cBhvr>
+                                      <p:to>
+                                        <p:strVal val="visible"/>
+                                      </p:to>
+                                    </p:set>
+                                    <p:animEffect transition="in" filter="wipe(down)">
+                                      <p:cBhvr>
+                                        <p:cTn id="37" dur="500"/>
+                                        <p:tgtEl>
+                                          <p:spTgt spid="12"/>
+                                        </p:tgtEl>
+                                      </p:cBhvr>
+                                    </p:animEffect>
+                                  </p:childTnLst>
+                                </p:cTn>
+                              </p:par>
+                            </p:childTnLst>
+                          </p:cTn>
+                        </p:par>
+                      </p:childTnLst>
+                    </p:cTn>
+                  </p:par>
+                </p:childTnLst>
+              </p:cTn>
+              <p:prevCondLst>
+                <p:cond evt="onPrev" delay="0">
+                  <p:tgtEl>
+                    <p:sldTgt/>
+                  </p:tgtEl>
+                </p:cond>
+              </p:prevCondLst>
+              <p:nextCondLst>
+                <p:cond evt="onNext" delay="0">
+                  <p:tgtEl>
+                    <p:sldTgt/>
+                  </p:tgtEl>
+                </p:cond>
+              </p:nextCondLst>
+            </p:seq>
+          </p:childTnLst>
+        </p:cTn>
+      </p:par>
+    </p:tnLst>
+    <p:bldLst>
+      <p:bldP spid="2" grpId="0"/>
+      <p:bldP spid="2" grpId="1"/>
+      <p:bldP spid="8" grpId="0"/>
+      <p:bldP spid="8" grpId="1"/>
+      <p:bldP spid="9" grpId="0"/>
+      <p:bldP spid="9" grpId="1"/>
+    </p:bldLst>
+  </p:timing>
+</p:sld>
+</file>
+
+<file path=ppt/slides/slide11.xml><?xml version="1.0" encoding="utf-8"?>
+<p:sld xmlns:a="http://schemas.openxmlformats.org/drawingml/2006/main" xmlns:r="http://schemas.openxmlformats.org/officeDocument/2006/relationships" xmlns:p="http://schemas.openxmlformats.org/presentationml/2006/main">
+  <p:cSld>
     <p:bg bwMode="auto">
       <p:bgPr>
         <a:blipFill dpi="0" rotWithShape="1">
@@ -6416,7 +8204,7 @@
         <p:spPr>
           <a:xfrm>
             <a:off x="433993" y="1429619"/>
-            <a:ext cx="4221134" cy="1600438"/>
+            <a:ext cx="4221134" cy="954107"/>
           </a:xfrm>
           <a:prstGeom prst="rect">
             <a:avLst/>
@@ -6440,73 +8228,42 @@
                 <a:latin typeface="楷体" panose="02010609060101010101" pitchFamily="49" charset="-122"/>
                 <a:ea typeface="楷体" panose="02010609060101010101" pitchFamily="49" charset="-122"/>
               </a:rPr>
-              <a:t>学校</a:t>
+              <a:t>申请学校合作，经过企业审核，企业与</a:t>
             </a:r>
             <a:r>
               <a:rPr lang="zh-CN" altLang="en-US" sz="1400" dirty="0">
                 <a:latin typeface="楷体" panose="02010609060101010101" pitchFamily="49" charset="-122"/>
                 <a:ea typeface="楷体" panose="02010609060101010101" pitchFamily="49" charset="-122"/>
               </a:rPr>
-              <a:t>申请合作，企业审核是否与该学校合作，</a:t>
-            </a:r>
-          </a:p>
-          <a:p>
+              <a:t>培训中心联系</a:t>
+            </a:r>
+            <a:r>
+              <a:rPr lang="zh-CN" altLang="en-US" sz="1400" dirty="0" smtClean="0">
+                <a:latin typeface="楷体" panose="02010609060101010101" pitchFamily="49" charset="-122"/>
+                <a:ea typeface="楷体" panose="02010609060101010101" pitchFamily="49" charset="-122"/>
+              </a:rPr>
+              <a:t>，根据学校具体情况需求，在学校周边设立培训中心，学校</a:t>
+            </a:r>
             <a:r>
               <a:rPr lang="zh-CN" altLang="en-US" sz="1400" dirty="0">
                 <a:latin typeface="楷体" panose="02010609060101010101" pitchFamily="49" charset="-122"/>
                 <a:ea typeface="楷体" panose="02010609060101010101" pitchFamily="49" charset="-122"/>
               </a:rPr>
-              <a:t>不合作则直接回绝，合作就与培训中心联系，</a:t>
-            </a:r>
-          </a:p>
-          <a:p>
+              <a:t>对培训中心</a:t>
+            </a:r>
+            <a:r>
+              <a:rPr lang="zh-CN" altLang="en-US" sz="1400" dirty="0" smtClean="0">
+                <a:latin typeface="楷体" panose="02010609060101010101" pitchFamily="49" charset="-122"/>
+                <a:ea typeface="楷体" panose="02010609060101010101" pitchFamily="49" charset="-122"/>
+              </a:rPr>
+              <a:t>的教育</a:t>
+            </a:r>
             <a:r>
               <a:rPr lang="zh-CN" altLang="en-US" sz="1400" dirty="0">
                 <a:latin typeface="楷体" panose="02010609060101010101" pitchFamily="49" charset="-122"/>
                 <a:ea typeface="楷体" panose="02010609060101010101" pitchFamily="49" charset="-122"/>
               </a:rPr>
-              <a:t>是否愿意在该学校周边入驻店铺开展教育学习，</a:t>
-            </a:r>
-          </a:p>
-          <a:p>
-            <a:r>
-              <a:rPr lang="zh-CN" altLang="en-US" sz="1400" dirty="0">
-                <a:latin typeface="楷体" panose="02010609060101010101" pitchFamily="49" charset="-122"/>
-                <a:ea typeface="楷体" panose="02010609060101010101" pitchFamily="49" charset="-122"/>
-              </a:rPr>
-              <a:t>培训中心考虑是否可以</a:t>
-            </a:r>
-            <a:r>
-              <a:rPr lang="zh-CN" altLang="en-US" sz="1400" dirty="0" smtClean="0">
-                <a:latin typeface="楷体" panose="02010609060101010101" pitchFamily="49" charset="-122"/>
-                <a:ea typeface="楷体" panose="02010609060101010101" pitchFamily="49" charset="-122"/>
-              </a:rPr>
-              <a:t>，如果不可以就回绝</a:t>
-            </a:r>
-            <a:r>
-              <a:rPr lang="zh-CN" altLang="en-US" sz="1400" dirty="0">
-                <a:latin typeface="楷体" panose="02010609060101010101" pitchFamily="49" charset="-122"/>
-                <a:ea typeface="楷体" panose="02010609060101010101" pitchFamily="49" charset="-122"/>
-              </a:rPr>
-              <a:t>企业，企业</a:t>
-            </a:r>
-          </a:p>
-          <a:p>
-            <a:r>
-              <a:rPr lang="zh-CN" altLang="en-US" sz="1400" dirty="0">
-                <a:latin typeface="楷体" panose="02010609060101010101" pitchFamily="49" charset="-122"/>
-                <a:ea typeface="楷体" panose="02010609060101010101" pitchFamily="49" charset="-122"/>
-              </a:rPr>
-              <a:t>联系其他中心，可以则入驻，学校对培训中心的</a:t>
-            </a:r>
-          </a:p>
-          <a:p>
-            <a:r>
-              <a:rPr lang="zh-CN" altLang="en-US" sz="1400" dirty="0">
-                <a:latin typeface="楷体" panose="02010609060101010101" pitchFamily="49" charset="-122"/>
-                <a:ea typeface="楷体" panose="02010609060101010101" pitchFamily="49" charset="-122"/>
-              </a:rPr>
-              <a:t>教育做出评价，培训中心对学校评价做出反馈。</a:t>
+              <a:t>做出评价，培训中心对学校评价做出反馈。</a:t>
             </a:r>
           </a:p>
         </p:txBody>
@@ -6632,239 +8389,24 @@
                                   </p:childTnLst>
                                 </p:cTn>
                               </p:par>
+                            </p:childTnLst>
+                          </p:cTn>
+                        </p:par>
+                        <p:par>
+                          <p:cTn id="12" fill="hold">
+                            <p:stCondLst>
+                              <p:cond delay="1000"/>
+                            </p:stCondLst>
+                            <p:childTnLst>
                               <p:par>
-                                <p:cTn id="12" presetID="22" presetClass="entr" presetSubtype="4" fill="hold" nodeType="withEffect">
+                                <p:cTn id="13" presetID="22" presetClass="entr" presetSubtype="4" fill="hold" nodeType="afterEffect">
                                   <p:stCondLst>
                                     <p:cond delay="0"/>
                                   </p:stCondLst>
                                   <p:childTnLst>
                                     <p:set>
                                       <p:cBhvr>
-                                        <p:cTn id="13" dur="1" fill="hold">
-                                          <p:stCondLst>
-                                            <p:cond delay="0"/>
-                                          </p:stCondLst>
-                                        </p:cTn>
-                                        <p:tgtEl>
-                                          <p:spTgt spid="4">
-                                            <p:txEl>
-                                              <p:pRg st="1" end="1"/>
-                                            </p:txEl>
-                                          </p:spTgt>
-                                        </p:tgtEl>
-                                        <p:attrNameLst>
-                                          <p:attrName>style.visibility</p:attrName>
-                                        </p:attrNameLst>
-                                      </p:cBhvr>
-                                      <p:to>
-                                        <p:strVal val="visible"/>
-                                      </p:to>
-                                    </p:set>
-                                    <p:animEffect transition="in" filter="wipe(down)">
-                                      <p:cBhvr>
-                                        <p:cTn id="14" dur="500"/>
-                                        <p:tgtEl>
-                                          <p:spTgt spid="4">
-                                            <p:txEl>
-                                              <p:pRg st="1" end="1"/>
-                                            </p:txEl>
-                                          </p:spTgt>
-                                        </p:tgtEl>
-                                      </p:cBhvr>
-                                    </p:animEffect>
-                                  </p:childTnLst>
-                                </p:cTn>
-                              </p:par>
-                              <p:par>
-                                <p:cTn id="15" presetID="22" presetClass="entr" presetSubtype="4" fill="hold" nodeType="withEffect">
-                                  <p:stCondLst>
-                                    <p:cond delay="0"/>
-                                  </p:stCondLst>
-                                  <p:childTnLst>
-                                    <p:set>
-                                      <p:cBhvr>
-                                        <p:cTn id="16" dur="1" fill="hold">
-                                          <p:stCondLst>
-                                            <p:cond delay="0"/>
-                                          </p:stCondLst>
-                                        </p:cTn>
-                                        <p:tgtEl>
-                                          <p:spTgt spid="4">
-                                            <p:txEl>
-                                              <p:pRg st="2" end="2"/>
-                                            </p:txEl>
-                                          </p:spTgt>
-                                        </p:tgtEl>
-                                        <p:attrNameLst>
-                                          <p:attrName>style.visibility</p:attrName>
-                                        </p:attrNameLst>
-                                      </p:cBhvr>
-                                      <p:to>
-                                        <p:strVal val="visible"/>
-                                      </p:to>
-                                    </p:set>
-                                    <p:animEffect transition="in" filter="wipe(down)">
-                                      <p:cBhvr>
-                                        <p:cTn id="17" dur="500"/>
-                                        <p:tgtEl>
-                                          <p:spTgt spid="4">
-                                            <p:txEl>
-                                              <p:pRg st="2" end="2"/>
-                                            </p:txEl>
-                                          </p:spTgt>
-                                        </p:tgtEl>
-                                      </p:cBhvr>
-                                    </p:animEffect>
-                                  </p:childTnLst>
-                                </p:cTn>
-                              </p:par>
-                              <p:par>
-                                <p:cTn id="18" presetID="22" presetClass="entr" presetSubtype="4" fill="hold" nodeType="withEffect">
-                                  <p:stCondLst>
-                                    <p:cond delay="0"/>
-                                  </p:stCondLst>
-                                  <p:childTnLst>
-                                    <p:set>
-                                      <p:cBhvr>
-                                        <p:cTn id="19" dur="1" fill="hold">
-                                          <p:stCondLst>
-                                            <p:cond delay="0"/>
-                                          </p:stCondLst>
-                                        </p:cTn>
-                                        <p:tgtEl>
-                                          <p:spTgt spid="4">
-                                            <p:txEl>
-                                              <p:pRg st="3" end="3"/>
-                                            </p:txEl>
-                                          </p:spTgt>
-                                        </p:tgtEl>
-                                        <p:attrNameLst>
-                                          <p:attrName>style.visibility</p:attrName>
-                                        </p:attrNameLst>
-                                      </p:cBhvr>
-                                      <p:to>
-                                        <p:strVal val="visible"/>
-                                      </p:to>
-                                    </p:set>
-                                    <p:animEffect transition="in" filter="wipe(down)">
-                                      <p:cBhvr>
-                                        <p:cTn id="20" dur="500"/>
-                                        <p:tgtEl>
-                                          <p:spTgt spid="4">
-                                            <p:txEl>
-                                              <p:pRg st="3" end="3"/>
-                                            </p:txEl>
-                                          </p:spTgt>
-                                        </p:tgtEl>
-                                      </p:cBhvr>
-                                    </p:animEffect>
-                                  </p:childTnLst>
-                                </p:cTn>
-                              </p:par>
-                              <p:par>
-                                <p:cTn id="21" presetID="22" presetClass="entr" presetSubtype="4" fill="hold" nodeType="withEffect">
-                                  <p:stCondLst>
-                                    <p:cond delay="0"/>
-                                  </p:stCondLst>
-                                  <p:childTnLst>
-                                    <p:set>
-                                      <p:cBhvr>
-                                        <p:cTn id="22" dur="1" fill="hold">
-                                          <p:stCondLst>
-                                            <p:cond delay="0"/>
-                                          </p:stCondLst>
-                                        </p:cTn>
-                                        <p:tgtEl>
-                                          <p:spTgt spid="4">
-                                            <p:txEl>
-                                              <p:pRg st="4" end="4"/>
-                                            </p:txEl>
-                                          </p:spTgt>
-                                        </p:tgtEl>
-                                        <p:attrNameLst>
-                                          <p:attrName>style.visibility</p:attrName>
-                                        </p:attrNameLst>
-                                      </p:cBhvr>
-                                      <p:to>
-                                        <p:strVal val="visible"/>
-                                      </p:to>
-                                    </p:set>
-                                    <p:animEffect transition="in" filter="wipe(down)">
-                                      <p:cBhvr>
-                                        <p:cTn id="23" dur="500"/>
-                                        <p:tgtEl>
-                                          <p:spTgt spid="4">
-                                            <p:txEl>
-                                              <p:pRg st="4" end="4"/>
-                                            </p:txEl>
-                                          </p:spTgt>
-                                        </p:tgtEl>
-                                      </p:cBhvr>
-                                    </p:animEffect>
-                                  </p:childTnLst>
-                                </p:cTn>
-                              </p:par>
-                              <p:par>
-                                <p:cTn id="24" presetID="22" presetClass="entr" presetSubtype="4" fill="hold" nodeType="withEffect">
-                                  <p:stCondLst>
-                                    <p:cond delay="0"/>
-                                  </p:stCondLst>
-                                  <p:childTnLst>
-                                    <p:set>
-                                      <p:cBhvr>
-                                        <p:cTn id="25" dur="1" fill="hold">
-                                          <p:stCondLst>
-                                            <p:cond delay="0"/>
-                                          </p:stCondLst>
-                                        </p:cTn>
-                                        <p:tgtEl>
-                                          <p:spTgt spid="4">
-                                            <p:txEl>
-                                              <p:pRg st="5" end="5"/>
-                                            </p:txEl>
-                                          </p:spTgt>
-                                        </p:tgtEl>
-                                        <p:attrNameLst>
-                                          <p:attrName>style.visibility</p:attrName>
-                                        </p:attrNameLst>
-                                      </p:cBhvr>
-                                      <p:to>
-                                        <p:strVal val="visible"/>
-                                      </p:to>
-                                    </p:set>
-                                    <p:animEffect transition="in" filter="wipe(down)">
-                                      <p:cBhvr>
-                                        <p:cTn id="26" dur="500"/>
-                                        <p:tgtEl>
-                                          <p:spTgt spid="4">
-                                            <p:txEl>
-                                              <p:pRg st="5" end="5"/>
-                                            </p:txEl>
-                                          </p:spTgt>
-                                        </p:tgtEl>
-                                      </p:cBhvr>
-                                    </p:animEffect>
-                                  </p:childTnLst>
-                                </p:cTn>
-                              </p:par>
-                            </p:childTnLst>
-                          </p:cTn>
-                        </p:par>
-                        <p:par>
-                          <p:cTn id="27" fill="hold">
-                            <p:stCondLst>
-                              <p:cond delay="1000"/>
-                            </p:stCondLst>
-                            <p:childTnLst>
-                              <p:par>
-                                <p:cTn id="28" presetID="22" presetClass="entr" presetSubtype="4" fill="hold" nodeType="afterEffect">
-                                  <p:stCondLst>
-                                    <p:cond delay="0"/>
-                                  </p:stCondLst>
-                                  <p:childTnLst>
-                                    <p:set>
-                                      <p:cBhvr>
-                                        <p:cTn id="29" dur="1" fill="hold">
+                                        <p:cTn id="14" dur="1" fill="hold">
                                           <p:stCondLst>
                                             <p:cond delay="0"/>
                                           </p:stCondLst>
@@ -6882,7 +8424,7 @@
                                     </p:set>
                                     <p:animEffect transition="in" filter="wipe(down)">
                                       <p:cBhvr>
-                                        <p:cTn id="30" dur="500"/>
+                                        <p:cTn id="15" dur="500"/>
                                         <p:tgtEl>
                                           <p:spTgt spid="2"/>
                                         </p:tgtEl>
@@ -6922,7 +8464,7 @@
 </p:sld>
 </file>
 
-<file path=ppt/slides/slide11.xml><?xml version="1.0" encoding="utf-8"?>
+<file path=ppt/slides/slide12.xml><?xml version="1.0" encoding="utf-8"?>
 <p:sld xmlns:a="http://schemas.openxmlformats.org/drawingml/2006/main" xmlns:r="http://schemas.openxmlformats.org/officeDocument/2006/relationships" xmlns:p="http://schemas.openxmlformats.org/presentationml/2006/main">
   <p:cSld>
     <p:spTree>
@@ -7961,7 +9503,7 @@
 </p:sld>
 </file>
 
-<file path=ppt/slides/slide12.xml><?xml version="1.0" encoding="utf-8"?>
+<file path=ppt/slides/slide13.xml><?xml version="1.0" encoding="utf-8"?>
 <p:sld xmlns:a="http://schemas.openxmlformats.org/drawingml/2006/main" xmlns:r="http://schemas.openxmlformats.org/officeDocument/2006/relationships" xmlns:p="http://schemas.openxmlformats.org/presentationml/2006/main">
   <p:cSld>
     <p:bg bwMode="auto">
@@ -10602,7 +12144,7 @@
 </p:sld>
 </file>
 
-<file path=ppt/slides/slide13.xml><?xml version="1.0" encoding="utf-8"?>
+<file path=ppt/slides/slide14.xml><?xml version="1.0" encoding="utf-8"?>
 <p:sld xmlns:a="http://schemas.openxmlformats.org/drawingml/2006/main" xmlns:r="http://schemas.openxmlformats.org/officeDocument/2006/relationships" xmlns:p="http://schemas.openxmlformats.org/presentationml/2006/main">
   <p:cSld>
     <p:spTree>
@@ -17708,6 +19250,504 @@
 <file path=ppt/slides/slide4.xml><?xml version="1.0" encoding="utf-8"?>
 <p:sld xmlns:a="http://schemas.openxmlformats.org/drawingml/2006/main" xmlns:r="http://schemas.openxmlformats.org/officeDocument/2006/relationships" xmlns:p="http://schemas.openxmlformats.org/presentationml/2006/main">
   <p:cSld>
+    <p:spTree>
+      <p:nvGrpSpPr>
+        <p:cNvPr id="1" name=""/>
+        <p:cNvGrpSpPr/>
+        <p:nvPr/>
+      </p:nvGrpSpPr>
+      <p:grpSpPr>
+        <a:xfrm>
+          <a:off x="0" y="0"/>
+          <a:ext cx="0" cy="0"/>
+          <a:chOff x="0" y="0"/>
+          <a:chExt cx="0" cy="0"/>
+        </a:xfrm>
+      </p:grpSpPr>
+      <p:sp>
+        <p:nvSpPr>
+          <p:cNvPr id="2" name="内容占位符 3"/>
+          <p:cNvSpPr/>
+          <p:nvPr/>
+        </p:nvSpPr>
+        <p:spPr>
+          <a:xfrm>
+            <a:off x="730250" y="1531938"/>
+            <a:ext cx="4943475" cy="3243262"/>
+          </a:xfrm>
+          <a:prstGeom prst="rect">
+            <a:avLst/>
+          </a:prstGeom>
+          <a:noFill/>
+          <a:ln w="9525">
+            <a:noFill/>
+          </a:ln>
+        </p:spPr>
+        <p:txBody>
+          <a:bodyPr/>
+          <a:lstStyle>
+            <a:lvl1pPr marL="228600" indent="-228600" algn="l" defTabSz="914400" rtl="0" eaLnBrk="1" latinLnBrk="0" hangingPunct="1">
+              <a:lnSpc>
+                <a:spcPct val="90000"/>
+              </a:lnSpc>
+              <a:spcBef>
+                <a:spcPts val="1000"/>
+              </a:spcBef>
+              <a:buFont typeface="Arial" panose="020B0604020202020204" pitchFamily="34" charset="0"/>
+              <a:buChar char="•"/>
+              <a:defRPr sz="2800" kern="1200">
+                <a:solidFill>
+                  <a:schemeClr val="tx1"/>
+                </a:solidFill>
+                <a:latin typeface="+mn-lt"/>
+                <a:ea typeface="+mn-ea"/>
+                <a:cs typeface="+mn-cs"/>
+              </a:defRPr>
+            </a:lvl1pPr>
+            <a:lvl2pPr marL="685800" indent="-228600" algn="l" defTabSz="914400" rtl="0" eaLnBrk="1" latinLnBrk="0" hangingPunct="1">
+              <a:lnSpc>
+                <a:spcPct val="90000"/>
+              </a:lnSpc>
+              <a:spcBef>
+                <a:spcPts val="500"/>
+              </a:spcBef>
+              <a:buFont typeface="Arial" panose="020B0604020202020204" pitchFamily="34" charset="0"/>
+              <a:buChar char="•"/>
+              <a:defRPr sz="2400" kern="1200">
+                <a:solidFill>
+                  <a:schemeClr val="tx1"/>
+                </a:solidFill>
+                <a:latin typeface="+mn-lt"/>
+                <a:ea typeface="+mn-ea"/>
+                <a:cs typeface="+mn-cs"/>
+              </a:defRPr>
+            </a:lvl2pPr>
+            <a:lvl3pPr marL="1143000" indent="-228600" algn="l" defTabSz="914400" rtl="0" eaLnBrk="1" latinLnBrk="0" hangingPunct="1">
+              <a:lnSpc>
+                <a:spcPct val="90000"/>
+              </a:lnSpc>
+              <a:spcBef>
+                <a:spcPts val="500"/>
+              </a:spcBef>
+              <a:buFont typeface="Arial" panose="020B0604020202020204" pitchFamily="34" charset="0"/>
+              <a:buChar char="•"/>
+              <a:defRPr sz="2000" kern="1200">
+                <a:solidFill>
+                  <a:schemeClr val="tx1"/>
+                </a:solidFill>
+                <a:latin typeface="+mn-lt"/>
+                <a:ea typeface="+mn-ea"/>
+                <a:cs typeface="+mn-cs"/>
+              </a:defRPr>
+            </a:lvl3pPr>
+            <a:lvl4pPr marL="1600200" indent="-228600" algn="l" defTabSz="914400" rtl="0" eaLnBrk="1" latinLnBrk="0" hangingPunct="1">
+              <a:lnSpc>
+                <a:spcPct val="90000"/>
+              </a:lnSpc>
+              <a:spcBef>
+                <a:spcPts val="500"/>
+              </a:spcBef>
+              <a:buFont typeface="Arial" panose="020B0604020202020204" pitchFamily="34" charset="0"/>
+              <a:buChar char="•"/>
+              <a:defRPr sz="1800" kern="1200">
+                <a:solidFill>
+                  <a:schemeClr val="tx1"/>
+                </a:solidFill>
+                <a:latin typeface="+mn-lt"/>
+                <a:ea typeface="+mn-ea"/>
+                <a:cs typeface="+mn-cs"/>
+              </a:defRPr>
+            </a:lvl4pPr>
+            <a:lvl5pPr marL="2057400" indent="-228600" algn="l" defTabSz="914400" rtl="0" eaLnBrk="1" latinLnBrk="0" hangingPunct="1">
+              <a:lnSpc>
+                <a:spcPct val="90000"/>
+              </a:lnSpc>
+              <a:spcBef>
+                <a:spcPts val="500"/>
+              </a:spcBef>
+              <a:buFont typeface="Arial" panose="020B0604020202020204" pitchFamily="34" charset="0"/>
+              <a:buChar char="•"/>
+              <a:defRPr sz="1800" kern="1200">
+                <a:solidFill>
+                  <a:schemeClr val="tx1"/>
+                </a:solidFill>
+                <a:latin typeface="+mn-lt"/>
+                <a:ea typeface="+mn-ea"/>
+                <a:cs typeface="+mn-cs"/>
+              </a:defRPr>
+            </a:lvl5pPr>
+            <a:lvl6pPr marL="2514600" indent="-228600" algn="l" defTabSz="914400" rtl="0" eaLnBrk="1" latinLnBrk="0" hangingPunct="1">
+              <a:lnSpc>
+                <a:spcPct val="90000"/>
+              </a:lnSpc>
+              <a:spcBef>
+                <a:spcPts val="500"/>
+              </a:spcBef>
+              <a:buFont typeface="Arial" panose="020B0604020202020204" pitchFamily="34" charset="0"/>
+              <a:buChar char="•"/>
+              <a:defRPr sz="1800" kern="1200">
+                <a:solidFill>
+                  <a:schemeClr val="tx1"/>
+                </a:solidFill>
+                <a:latin typeface="+mn-lt"/>
+                <a:ea typeface="+mn-ea"/>
+                <a:cs typeface="+mn-cs"/>
+              </a:defRPr>
+            </a:lvl6pPr>
+            <a:lvl7pPr marL="2971800" indent="-228600" algn="l" defTabSz="914400" rtl="0" eaLnBrk="1" latinLnBrk="0" hangingPunct="1">
+              <a:lnSpc>
+                <a:spcPct val="90000"/>
+              </a:lnSpc>
+              <a:spcBef>
+                <a:spcPts val="500"/>
+              </a:spcBef>
+              <a:buFont typeface="Arial" panose="020B0604020202020204" pitchFamily="34" charset="0"/>
+              <a:buChar char="•"/>
+              <a:defRPr sz="1800" kern="1200">
+                <a:solidFill>
+                  <a:schemeClr val="tx1"/>
+                </a:solidFill>
+                <a:latin typeface="+mn-lt"/>
+                <a:ea typeface="+mn-ea"/>
+                <a:cs typeface="+mn-cs"/>
+              </a:defRPr>
+            </a:lvl7pPr>
+            <a:lvl8pPr marL="3429000" indent="-228600" algn="l" defTabSz="914400" rtl="0" eaLnBrk="1" latinLnBrk="0" hangingPunct="1">
+              <a:lnSpc>
+                <a:spcPct val="90000"/>
+              </a:lnSpc>
+              <a:spcBef>
+                <a:spcPts val="500"/>
+              </a:spcBef>
+              <a:buFont typeface="Arial" panose="020B0604020202020204" pitchFamily="34" charset="0"/>
+              <a:buChar char="•"/>
+              <a:defRPr sz="1800" kern="1200">
+                <a:solidFill>
+                  <a:schemeClr val="tx1"/>
+                </a:solidFill>
+                <a:latin typeface="+mn-lt"/>
+                <a:ea typeface="+mn-ea"/>
+                <a:cs typeface="+mn-cs"/>
+              </a:defRPr>
+            </a:lvl8pPr>
+            <a:lvl9pPr marL="3886200" indent="-228600" algn="l" defTabSz="914400" rtl="0" eaLnBrk="1" latinLnBrk="0" hangingPunct="1">
+              <a:lnSpc>
+                <a:spcPct val="90000"/>
+              </a:lnSpc>
+              <a:spcBef>
+                <a:spcPts val="500"/>
+              </a:spcBef>
+              <a:buFont typeface="Arial" panose="020B0604020202020204" pitchFamily="34" charset="0"/>
+              <a:buChar char="•"/>
+              <a:defRPr sz="1800" kern="1200">
+                <a:solidFill>
+                  <a:schemeClr val="tx1"/>
+                </a:solidFill>
+                <a:latin typeface="+mn-lt"/>
+                <a:ea typeface="+mn-ea"/>
+                <a:cs typeface="+mn-cs"/>
+              </a:defRPr>
+            </a:lvl9pPr>
+          </a:lstStyle>
+          <a:p>
+            <a:pPr marL="0" indent="0">
+              <a:buFont typeface="Arial" panose="020B0604020202020204" pitchFamily="34" charset="0"/>
+              <a:buNone/>
+              <a:defRPr/>
+            </a:pPr>
+            <a:endParaRPr lang="zh-CN" altLang="en-US" sz="1400" b="1" noProof="1">
+              <a:solidFill>
+                <a:schemeClr val="bg2">
+                  <a:lumMod val="25000"/>
+                </a:schemeClr>
+              </a:solidFill>
+              <a:latin typeface="楷体" panose="02010609060101010101" charset="-122"/>
+              <a:ea typeface="楷体" panose="02010609060101010101" charset="-122"/>
+            </a:endParaRPr>
+          </a:p>
+          <a:p>
+            <a:pPr>
+              <a:defRPr/>
+            </a:pPr>
+            <a:r>
+              <a:rPr lang="zh-CN" altLang="zh-CN" sz="1400" dirty="0">
+                <a:solidFill>
+                  <a:schemeClr val="bg2">
+                    <a:lumMod val="25000"/>
+                  </a:schemeClr>
+                </a:solidFill>
+                <a:latin typeface="楷体" panose="02010609060101010101" pitchFamily="49" charset="-122"/>
+                <a:ea typeface="楷体" panose="02010609060101010101" pitchFamily="49" charset="-122"/>
+              </a:rPr>
+              <a:t>以校企合作为主，通过学校方面的宣传，让学生和家长对编程的重要性有所体会。在学校中，我们可以给予学校相关的资源比如教师、学习资料等等，其次我们会利用学校的教师资源（比如计算机教师），我们会对他们进行统一的培训。通过他们来对学生进行编程教育</a:t>
+            </a:r>
+            <a:endParaRPr lang="en-US" altLang="zh-CN" sz="1400" dirty="0">
+              <a:solidFill>
+                <a:schemeClr val="bg2">
+                  <a:lumMod val="25000"/>
+                </a:schemeClr>
+              </a:solidFill>
+              <a:latin typeface="楷体" panose="02010609060101010101" pitchFamily="49" charset="-122"/>
+              <a:ea typeface="楷体" panose="02010609060101010101" pitchFamily="49" charset="-122"/>
+            </a:endParaRPr>
+          </a:p>
+          <a:p>
+            <a:pPr>
+              <a:defRPr/>
+            </a:pPr>
+            <a:r>
+              <a:rPr lang="zh-CN" altLang="zh-CN" sz="1400" dirty="0">
+                <a:solidFill>
+                  <a:schemeClr val="bg2">
+                    <a:lumMod val="25000"/>
+                  </a:schemeClr>
+                </a:solidFill>
+                <a:latin typeface="楷体" panose="02010609060101010101" pitchFamily="49" charset="-122"/>
+                <a:ea typeface="楷体" panose="02010609060101010101" pitchFamily="49" charset="-122"/>
+              </a:rPr>
+              <a:t>（这个想法</a:t>
+            </a:r>
+            <a:r>
+              <a:rPr lang="en-US" altLang="zh-CN" sz="1400" dirty="0">
+                <a:solidFill>
+                  <a:schemeClr val="bg2">
+                    <a:lumMod val="25000"/>
+                  </a:schemeClr>
+                </a:solidFill>
+                <a:latin typeface="楷体" panose="02010609060101010101" pitchFamily="49" charset="-122"/>
+                <a:ea typeface="楷体" panose="02010609060101010101" pitchFamily="49" charset="-122"/>
+              </a:rPr>
+              <a:t>:</a:t>
+            </a:r>
+            <a:r>
+              <a:rPr lang="zh-CN" altLang="zh-CN" sz="1400" dirty="0">
+                <a:solidFill>
+                  <a:schemeClr val="bg2">
+                    <a:lumMod val="25000"/>
+                  </a:schemeClr>
+                </a:solidFill>
+                <a:latin typeface="楷体" panose="02010609060101010101" pitchFamily="49" charset="-122"/>
+                <a:ea typeface="楷体" panose="02010609060101010101" pitchFamily="49" charset="-122"/>
+              </a:rPr>
+              <a:t>第一个原因担心公司刚开始的教师资源不充足，第二个原因是他们本身从事的是教育行业，第三个原因是在公司后期我们可以通过服务的方式来盈利，第四个原因我们可以将我们的品牌，口碑打出去）。</a:t>
+            </a:r>
+            <a:r>
+              <a:rPr lang="zh-CN" altLang="en-US" sz="1400" noProof="1">
+                <a:solidFill>
+                  <a:schemeClr val="bg2">
+                    <a:lumMod val="25000"/>
+                  </a:schemeClr>
+                </a:solidFill>
+                <a:latin typeface="楷体" panose="02010609060101010101" charset="-122"/>
+                <a:ea typeface="楷体" panose="02010609060101010101" charset="-122"/>
+              </a:rPr>
+              <a:t>      </a:t>
+            </a:r>
+            <a:endParaRPr lang="en-US" altLang="zh-CN" sz="1400" noProof="1">
+              <a:solidFill>
+                <a:schemeClr val="bg2">
+                  <a:lumMod val="25000"/>
+                </a:schemeClr>
+              </a:solidFill>
+              <a:latin typeface="楷体" panose="02010609060101010101" charset="-122"/>
+              <a:ea typeface="楷体" panose="02010609060101010101" charset="-122"/>
+            </a:endParaRPr>
+          </a:p>
+          <a:p>
+            <a:pPr>
+              <a:defRPr/>
+            </a:pPr>
+            <a:r>
+              <a:rPr lang="zh-CN" altLang="en-US" sz="1400" noProof="1">
+                <a:solidFill>
+                  <a:schemeClr val="bg2">
+                    <a:lumMod val="25000"/>
+                  </a:schemeClr>
+                </a:solidFill>
+                <a:latin typeface="楷体" panose="02010609060101010101" charset="-122"/>
+                <a:ea typeface="楷体" panose="02010609060101010101" charset="-122"/>
+              </a:rPr>
+              <a:t>业务模式如右图所示。</a:t>
+            </a:r>
+          </a:p>
+          <a:p>
+            <a:pPr>
+              <a:defRPr/>
+            </a:pPr>
+            <a:r>
+              <a:rPr lang="zh-CN" altLang="zh-CN" sz="1400" kern="100" dirty="0">
+                <a:solidFill>
+                  <a:schemeClr val="bg2">
+                    <a:lumMod val="25000"/>
+                  </a:schemeClr>
+                </a:solidFill>
+                <a:latin typeface="楷体" panose="02010609060101010101" pitchFamily="49" charset="-122"/>
+                <a:ea typeface="楷体" panose="02010609060101010101" pitchFamily="49" charset="-122"/>
+                <a:cs typeface="楷体" panose="02010609060101010101" pitchFamily="49" charset="-122"/>
+              </a:rPr>
+              <a:t>系统有独立进行数据库表结构的设计，以及</a:t>
+            </a:r>
+            <a:r>
+              <a:rPr lang="en-US" altLang="zh-CN" sz="1400" kern="100" dirty="0">
+                <a:solidFill>
+                  <a:schemeClr val="bg2">
+                    <a:lumMod val="25000"/>
+                  </a:schemeClr>
+                </a:solidFill>
+                <a:latin typeface="楷体" panose="02010609060101010101" pitchFamily="49" charset="-122"/>
+                <a:ea typeface="楷体" panose="02010609060101010101" pitchFamily="49" charset="-122"/>
+                <a:cs typeface="楷体" panose="02010609060101010101" pitchFamily="49" charset="-122"/>
+              </a:rPr>
+              <a:t> DAO </a:t>
+            </a:r>
+            <a:r>
+              <a:rPr lang="zh-CN" altLang="zh-CN" sz="1400" kern="100" dirty="0">
+                <a:solidFill>
+                  <a:schemeClr val="bg2">
+                    <a:lumMod val="25000"/>
+                  </a:schemeClr>
+                </a:solidFill>
+                <a:latin typeface="楷体" panose="02010609060101010101" pitchFamily="49" charset="-122"/>
+                <a:ea typeface="楷体" panose="02010609060101010101" pitchFamily="49" charset="-122"/>
+                <a:cs typeface="楷体" panose="02010609060101010101" pitchFamily="49" charset="-122"/>
+              </a:rPr>
+              <a:t>层和业务逻辑的实现。项目的核心工作都是围绕</a:t>
+            </a:r>
+            <a:r>
+              <a:rPr lang="zh-CN" altLang="en-US" sz="1400" kern="100" dirty="0">
+                <a:solidFill>
+                  <a:schemeClr val="bg2">
+                    <a:lumMod val="25000"/>
+                  </a:schemeClr>
+                </a:solidFill>
+                <a:latin typeface="楷体" panose="02010609060101010101" pitchFamily="49" charset="-122"/>
+                <a:ea typeface="楷体" panose="02010609060101010101" pitchFamily="49" charset="-122"/>
+                <a:cs typeface="楷体" panose="02010609060101010101" pitchFamily="49" charset="-122"/>
+              </a:rPr>
+              <a:t>校企合作</a:t>
+            </a:r>
+            <a:r>
+              <a:rPr lang="zh-CN" altLang="zh-CN" sz="1400" kern="100" dirty="0">
+                <a:solidFill>
+                  <a:schemeClr val="bg2">
+                    <a:lumMod val="25000"/>
+                  </a:schemeClr>
+                </a:solidFill>
+                <a:latin typeface="楷体" panose="02010609060101010101" pitchFamily="49" charset="-122"/>
+                <a:ea typeface="楷体" panose="02010609060101010101" pitchFamily="49" charset="-122"/>
+                <a:cs typeface="楷体" panose="02010609060101010101" pitchFamily="49" charset="-122"/>
+              </a:rPr>
+              <a:t>管理展开的。</a:t>
+            </a:r>
+            <a:endParaRPr lang="zh-CN" altLang="en-US" sz="1400" dirty="0">
+              <a:solidFill>
+                <a:schemeClr val="bg2">
+                  <a:lumMod val="25000"/>
+                </a:schemeClr>
+              </a:solidFill>
+              <a:latin typeface="楷体" panose="02010609060101010101" pitchFamily="49" charset="-122"/>
+              <a:ea typeface="楷体" panose="02010609060101010101" pitchFamily="49" charset="-122"/>
+            </a:endParaRPr>
+          </a:p>
+          <a:p>
+            <a:pPr>
+              <a:defRPr/>
+            </a:pPr>
+            <a:endParaRPr lang="zh-CN" altLang="en-US" sz="1400" noProof="1">
+              <a:solidFill>
+                <a:schemeClr val="bg2">
+                  <a:lumMod val="25000"/>
+                </a:schemeClr>
+              </a:solidFill>
+              <a:latin typeface="微软雅黑" panose="020B0503020204020204" pitchFamily="34" charset="-122"/>
+              <a:ea typeface="微软雅黑" panose="020B0503020204020204" pitchFamily="34" charset="-122"/>
+            </a:endParaRPr>
+          </a:p>
+        </p:txBody>
+      </p:sp>
+      <p:pic>
+        <p:nvPicPr>
+          <p:cNvPr id="3" name="图片 2"/>
+          <p:cNvPicPr>
+            <a:picLocks noChangeAspect="1"/>
+          </p:cNvPicPr>
+          <p:nvPr/>
+        </p:nvPicPr>
+        <p:blipFill>
+          <a:blip r:embed="rId2">
+            <a:extLst>
+              <a:ext uri="{28A0092B-C50C-407E-A947-70E740481C1C}">
+                <a14:useLocalDpi xmlns:a14="http://schemas.microsoft.com/office/drawing/2010/main" val="0"/>
+              </a:ext>
+            </a:extLst>
+          </a:blip>
+          <a:stretch>
+            <a:fillRect/>
+          </a:stretch>
+        </p:blipFill>
+        <p:spPr>
+          <a:xfrm>
+            <a:off x="5831921" y="1871390"/>
+            <a:ext cx="6362700" cy="3324225"/>
+          </a:xfrm>
+          <a:prstGeom prst="rect">
+            <a:avLst/>
+          </a:prstGeom>
+        </p:spPr>
+      </p:pic>
+      <p:pic>
+        <p:nvPicPr>
+          <p:cNvPr id="4" name="图片 3"/>
+          <p:cNvPicPr>
+            <a:picLocks noChangeAspect="1"/>
+          </p:cNvPicPr>
+          <p:nvPr/>
+        </p:nvPicPr>
+        <p:blipFill>
+          <a:blip r:embed="rId3">
+            <a:extLst>
+              <a:ext uri="{28A0092B-C50C-407E-A947-70E740481C1C}">
+                <a14:useLocalDpi xmlns:a14="http://schemas.microsoft.com/office/drawing/2010/main" val="0"/>
+              </a:ext>
+            </a:extLst>
+          </a:blip>
+          <a:stretch>
+            <a:fillRect/>
+          </a:stretch>
+        </p:blipFill>
+        <p:spPr>
+          <a:xfrm>
+            <a:off x="5831921" y="1531938"/>
+            <a:ext cx="6360079" cy="4529464"/>
+          </a:xfrm>
+          <a:prstGeom prst="rect">
+            <a:avLst/>
+          </a:prstGeom>
+        </p:spPr>
+      </p:pic>
+    </p:spTree>
+    <p:extLst>
+      <p:ext uri="{BB962C8B-B14F-4D97-AF65-F5344CB8AC3E}">
+        <p14:creationId xmlns:p14="http://schemas.microsoft.com/office/powerpoint/2010/main" val="3039486714"/>
+      </p:ext>
+    </p:extLst>
+  </p:cSld>
+  <p:clrMapOvr>
+    <a:masterClrMapping/>
+  </p:clrMapOvr>
+  <p:timing>
+    <p:tnLst>
+      <p:par>
+        <p:cTn id="1" dur="indefinite" restart="never" nodeType="tmRoot"/>
+      </p:par>
+    </p:tnLst>
+  </p:timing>
+</p:sld>
+</file>
+
+<file path=ppt/slides/slide5.xml><?xml version="1.0" encoding="utf-8"?>
+<p:sld xmlns:a="http://schemas.openxmlformats.org/drawingml/2006/main" xmlns:r="http://schemas.openxmlformats.org/officeDocument/2006/relationships" xmlns:p="http://schemas.openxmlformats.org/presentationml/2006/main">
+  <p:cSld>
     <p:bg bwMode="auto">
       <p:bgPr>
         <a:blipFill dpi="0" rotWithShape="1">
@@ -18438,263 +20478,14 @@
   <p:timing>
     <p:tnLst>
       <p:par>
-        <p:cTn id="1" dur="indefinite" restart="never" nodeType="tmRoot">
-          <p:childTnLst>
-            <p:seq concurrent="1" nextAc="seek">
-              <p:cTn id="2" dur="indefinite" nodeType="mainSeq">
-                <p:childTnLst>
-                  <p:par>
-                    <p:cTn id="3" fill="hold" nodeType="clickPar">
-                      <p:stCondLst>
-                        <p:cond delay="indefinite"/>
-                        <p:cond evt="onBegin" delay="0">
-                          <p:tn val="2"/>
-                        </p:cond>
-                      </p:stCondLst>
-                      <p:childTnLst>
-                        <p:par>
-                          <p:cTn id="4" fill="hold" nodeType="withGroup">
-                            <p:stCondLst>
-                              <p:cond delay="0"/>
-                            </p:stCondLst>
-                            <p:childTnLst>
-                              <p:par>
-                                <p:cTn id="5" presetID="10" presetClass="entr" presetSubtype="0" fill="hold" nodeType="afterEffect">
-                                  <p:stCondLst>
-                                    <p:cond delay="1000"/>
-                                  </p:stCondLst>
-                                  <p:childTnLst>
-                                    <p:set>
-                                      <p:cBhvr>
-                                        <p:cTn id="6" dur="1" fill="hold">
-                                          <p:stCondLst>
-                                            <p:cond delay="0"/>
-                                          </p:stCondLst>
-                                        </p:cTn>
-                                        <p:tgtEl>
-                                          <p:spTgt spid="11"/>
-                                        </p:tgtEl>
-                                        <p:attrNameLst>
-                                          <p:attrName>style.visibility</p:attrName>
-                                        </p:attrNameLst>
-                                      </p:cBhvr>
-                                      <p:to>
-                                        <p:strVal val="visible"/>
-                                      </p:to>
-                                    </p:set>
-                                    <p:animEffect transition="in" filter="fade">
-                                      <p:cBhvr>
-                                        <p:cTn id="7" dur="500"/>
-                                        <p:tgtEl>
-                                          <p:spTgt spid="11"/>
-                                        </p:tgtEl>
-                                      </p:cBhvr>
-                                    </p:animEffect>
-                                  </p:childTnLst>
-                                </p:cTn>
-                              </p:par>
-                              <p:par>
-                                <p:cTn id="8" presetID="22" presetClass="entr" presetSubtype="4" fill="hold" grpId="0" nodeType="withEffect">
-                                  <p:stCondLst>
-                                    <p:cond delay="0"/>
-                                  </p:stCondLst>
-                                  <p:childTnLst>
-                                    <p:set>
-                                      <p:cBhvr>
-                                        <p:cTn id="9" dur="1" fill="hold">
-                                          <p:stCondLst>
-                                            <p:cond delay="0"/>
-                                          </p:stCondLst>
-                                        </p:cTn>
-                                        <p:tgtEl>
-                                          <p:spTgt spid="7"/>
-                                        </p:tgtEl>
-                                        <p:attrNameLst>
-                                          <p:attrName>style.visibility</p:attrName>
-                                        </p:attrNameLst>
-                                      </p:cBhvr>
-                                      <p:to>
-                                        <p:strVal val="visible"/>
-                                      </p:to>
-                                    </p:set>
-                                    <p:animEffect transition="in" filter="wipe(down)">
-                                      <p:cBhvr>
-                                        <p:cTn id="10" dur="2000"/>
-                                        <p:tgtEl>
-                                          <p:spTgt spid="7"/>
-                                        </p:tgtEl>
-                                      </p:cBhvr>
-                                    </p:animEffect>
-                                  </p:childTnLst>
-                                </p:cTn>
-                              </p:par>
-                            </p:childTnLst>
-                          </p:cTn>
-                        </p:par>
-                        <p:par>
-                          <p:cTn id="11" fill="hold">
-                            <p:stCondLst>
-                              <p:cond delay="2000"/>
-                            </p:stCondLst>
-                            <p:childTnLst>
-                              <p:par>
-                                <p:cTn id="12" presetID="8" presetClass="exit" presetSubtype="32" fill="hold" nodeType="afterEffect">
-                                  <p:stCondLst>
-                                    <p:cond delay="2500"/>
-                                  </p:stCondLst>
-                                  <p:childTnLst>
-                                    <p:animEffect transition="out" filter="diamond(out)">
-                                      <p:cBhvr>
-                                        <p:cTn id="13" dur="2000"/>
-                                        <p:tgtEl>
-                                          <p:spTgt spid="11"/>
-                                        </p:tgtEl>
-                                      </p:cBhvr>
-                                    </p:animEffect>
-                                    <p:set>
-                                      <p:cBhvr>
-                                        <p:cTn id="14" dur="1" fill="hold">
-                                          <p:stCondLst>
-                                            <p:cond delay="1999"/>
-                                          </p:stCondLst>
-                                        </p:cTn>
-                                        <p:tgtEl>
-                                          <p:spTgt spid="11"/>
-                                        </p:tgtEl>
-                                        <p:attrNameLst>
-                                          <p:attrName>style.visibility</p:attrName>
-                                        </p:attrNameLst>
-                                      </p:cBhvr>
-                                      <p:to>
-                                        <p:strVal val="hidden"/>
-                                      </p:to>
-                                    </p:set>
-                                  </p:childTnLst>
-                                </p:cTn>
-                              </p:par>
-                            </p:childTnLst>
-                          </p:cTn>
-                        </p:par>
-                        <p:par>
-                          <p:cTn id="15" fill="hold">
-                            <p:stCondLst>
-                              <p:cond delay="6500"/>
-                            </p:stCondLst>
-                            <p:childTnLst>
-                              <p:par>
-                                <p:cTn id="16" presetID="10" presetClass="entr" presetSubtype="0" fill="hold" nodeType="afterEffect">
-                                  <p:stCondLst>
-                                    <p:cond delay="500"/>
-                                  </p:stCondLst>
-                                  <p:childTnLst>
-                                    <p:set>
-                                      <p:cBhvr>
-                                        <p:cTn id="17" dur="1" fill="hold">
-                                          <p:stCondLst>
-                                            <p:cond delay="0"/>
-                                          </p:stCondLst>
-                                        </p:cTn>
-                                        <p:tgtEl>
-                                          <p:spTgt spid="3"/>
-                                        </p:tgtEl>
-                                        <p:attrNameLst>
-                                          <p:attrName>style.visibility</p:attrName>
-                                        </p:attrNameLst>
-                                      </p:cBhvr>
-                                      <p:to>
-                                        <p:strVal val="visible"/>
-                                      </p:to>
-                                    </p:set>
-                                    <p:animEffect transition="in" filter="fade">
-                                      <p:cBhvr>
-                                        <p:cTn id="18" dur="500"/>
-                                        <p:tgtEl>
-                                          <p:spTgt spid="3"/>
-                                        </p:tgtEl>
-                                      </p:cBhvr>
-                                    </p:animEffect>
-                                  </p:childTnLst>
-                                </p:cTn>
-                              </p:par>
-                            </p:childTnLst>
-                          </p:cTn>
-                        </p:par>
-                        <p:par>
-                          <p:cTn id="19" fill="hold">
-                            <p:stCondLst>
-                              <p:cond delay="7500"/>
-                            </p:stCondLst>
-                            <p:childTnLst>
-                              <p:par>
-                                <p:cTn id="20" presetID="22" presetClass="entr" presetSubtype="4" fill="hold" nodeType="afterEffect">
-                                  <p:stCondLst>
-                                    <p:cond delay="2000"/>
-                                  </p:stCondLst>
-                                  <p:childTnLst>
-                                    <p:set>
-                                      <p:cBhvr>
-                                        <p:cTn id="21" dur="1" fill="hold">
-                                          <p:stCondLst>
-                                            <p:cond delay="0"/>
-                                          </p:stCondLst>
-                                        </p:cTn>
-                                        <p:tgtEl>
-                                          <p:spTgt spid="2"/>
-                                        </p:tgtEl>
-                                        <p:attrNameLst>
-                                          <p:attrName>style.visibility</p:attrName>
-                                        </p:attrNameLst>
-                                      </p:cBhvr>
-                                      <p:to>
-                                        <p:strVal val="visible"/>
-                                      </p:to>
-                                    </p:set>
-                                    <p:animEffect transition="in" filter="wipe(down)">
-                                      <p:cBhvr>
-                                        <p:cTn id="22" dur="500"/>
-                                        <p:tgtEl>
-                                          <p:spTgt spid="2"/>
-                                        </p:tgtEl>
-                                      </p:cBhvr>
-                                    </p:animEffect>
-                                  </p:childTnLst>
-                                </p:cTn>
-                              </p:par>
-                            </p:childTnLst>
-                          </p:cTn>
-                        </p:par>
-                      </p:childTnLst>
-                    </p:cTn>
-                  </p:par>
-                </p:childTnLst>
-              </p:cTn>
-              <p:prevCondLst>
-                <p:cond evt="onPrev" delay="0">
-                  <p:tgtEl>
-                    <p:sldTgt/>
-                  </p:tgtEl>
-                </p:cond>
-              </p:prevCondLst>
-              <p:nextCondLst>
-                <p:cond evt="onNext" delay="0">
-                  <p:tgtEl>
-                    <p:sldTgt/>
-                  </p:tgtEl>
-                </p:cond>
-              </p:nextCondLst>
-            </p:seq>
-          </p:childTnLst>
-        </p:cTn>
+        <p:cTn id="1" dur="indefinite" restart="never" nodeType="tmRoot"/>
       </p:par>
     </p:tnLst>
-    <p:bldLst>
-      <p:bldP spid="7" grpId="0"/>
-    </p:bldLst>
   </p:timing>
 </p:sld>
 </file>
 
-<file path=ppt/slides/slide5.xml><?xml version="1.0" encoding="utf-8"?>
+<file path=ppt/slides/slide6.xml><?xml version="1.0" encoding="utf-8"?>
 <p:sld xmlns:a="http://schemas.openxmlformats.org/drawingml/2006/main" xmlns:r="http://schemas.openxmlformats.org/officeDocument/2006/relationships" xmlns:p="http://schemas.openxmlformats.org/presentationml/2006/main">
   <p:cSld>
     <p:spTree>
@@ -20575,7 +22366,7 @@
 </p:sld>
 </file>
 
-<file path=ppt/slides/slide6.xml><?xml version="1.0" encoding="utf-8"?>
+<file path=ppt/slides/slide7.xml><?xml version="1.0" encoding="utf-8"?>
 <p:sld xmlns:a="http://schemas.openxmlformats.org/drawingml/2006/main" xmlns:r="http://schemas.openxmlformats.org/officeDocument/2006/relationships" xmlns:p="http://schemas.openxmlformats.org/presentationml/2006/main">
   <p:cSld>
     <p:bg bwMode="auto">
@@ -22429,7 +24220,7 @@
 </p:sld>
 </file>
 
-<file path=ppt/slides/slide7.xml><?xml version="1.0" encoding="utf-8"?>
+<file path=ppt/slides/slide8.xml><?xml version="1.0" encoding="utf-8"?>
 <p:sld xmlns:a="http://schemas.openxmlformats.org/drawingml/2006/main" xmlns:r="http://schemas.openxmlformats.org/officeDocument/2006/relationships" xmlns:p="http://schemas.openxmlformats.org/presentationml/2006/main">
   <p:cSld>
     <p:bg bwMode="auto">
@@ -24283,7 +26074,7 @@
 </p:sld>
 </file>
 
-<file path=ppt/slides/slide8.xml><?xml version="1.0" encoding="utf-8"?>
+<file path=ppt/slides/slide9.xml><?xml version="1.0" encoding="utf-8"?>
 <p:sld xmlns:a="http://schemas.openxmlformats.org/drawingml/2006/main" xmlns:r="http://schemas.openxmlformats.org/officeDocument/2006/relationships" xmlns:p="http://schemas.openxmlformats.org/presentationml/2006/main">
   <p:cSld>
     <p:spTree>
@@ -25406,1793 +27197,6 @@
     <p:bldLst>
       <p:bldP spid="11" grpId="0"/>
       <p:bldP spid="8" grpId="0"/>
-    </p:bldLst>
-  </p:timing>
-</p:sld>
-</file>
-
-<file path=ppt/slides/slide9.xml><?xml version="1.0" encoding="utf-8"?>
-<p:sld xmlns:a="http://schemas.openxmlformats.org/drawingml/2006/main" xmlns:r="http://schemas.openxmlformats.org/officeDocument/2006/relationships" xmlns:p="http://schemas.openxmlformats.org/presentationml/2006/main">
-  <p:cSld>
-    <p:bg>
-      <p:bgPr>
-        <a:blipFill dpi="0" rotWithShape="1">
-          <a:blip r:embed="rId2">
-            <a:lum/>
-          </a:blip>
-          <a:srcRect/>
-          <a:stretch>
-            <a:fillRect/>
-          </a:stretch>
-        </a:blipFill>
-        <a:effectLst/>
-      </p:bgPr>
-    </p:bg>
-    <p:spTree>
-      <p:nvGrpSpPr>
-        <p:cNvPr id="1" name=""/>
-        <p:cNvGrpSpPr/>
-        <p:nvPr/>
-      </p:nvGrpSpPr>
-      <p:grpSpPr>
-        <a:xfrm>
-          <a:off x="0" y="0"/>
-          <a:ext cx="0" cy="0"/>
-          <a:chOff x="0" y="0"/>
-          <a:chExt cx="0" cy="0"/>
-        </a:xfrm>
-      </p:grpSpPr>
-      <p:pic>
-        <p:nvPicPr>
-          <p:cNvPr id="4" name="图片 3"/>
-          <p:cNvPicPr>
-            <a:picLocks noChangeAspect="1"/>
-          </p:cNvPicPr>
-          <p:nvPr/>
-        </p:nvPicPr>
-        <p:blipFill>
-          <a:blip r:embed="rId3">
-            <a:extLst>
-              <a:ext uri="{28A0092B-C50C-407E-A947-70E740481C1C}">
-                <a14:useLocalDpi xmlns:a14="http://schemas.microsoft.com/office/drawing/2010/main" val="0"/>
-              </a:ext>
-            </a:extLst>
-          </a:blip>
-          <a:stretch>
-            <a:fillRect/>
-          </a:stretch>
-        </p:blipFill>
-        <p:spPr>
-          <a:xfrm>
-            <a:off x="3617710" y="94130"/>
-            <a:ext cx="8547396" cy="6696635"/>
-          </a:xfrm>
-          <a:prstGeom prst="rect">
-            <a:avLst/>
-          </a:prstGeom>
-        </p:spPr>
-      </p:pic>
-      <p:sp>
-        <p:nvSpPr>
-          <p:cNvPr id="6" name="标题 20"/>
-          <p:cNvSpPr>
-            <a:spLocks noGrp="1" noChangeArrowheads="1"/>
-          </p:cNvSpPr>
-          <p:nvPr/>
-        </p:nvSpPr>
-        <p:spPr bwMode="auto">
-          <a:xfrm>
-            <a:off x="606425" y="171450"/>
-            <a:ext cx="2741613" cy="276225"/>
-          </a:xfrm>
-          <a:prstGeom prst="rect">
-            <a:avLst/>
-          </a:prstGeom>
-          <a:noFill/>
-          <a:ln>
-            <a:noFill/>
-          </a:ln>
-          <a:extLst>
-            <a:ext uri="{909E8E84-426E-40DD-AFC4-6F175D3DCCD1}">
-              <a14:hiddenFill xmlns:a14="http://schemas.microsoft.com/office/drawing/2010/main">
-                <a:solidFill>
-                  <a:srgbClr val="FFFFFF"/>
-                </a:solidFill>
-              </a14:hiddenFill>
-            </a:ext>
-            <a:ext uri="{91240B29-F687-4F45-9708-019B960494DF}">
-              <a14:hiddenLine xmlns:a14="http://schemas.microsoft.com/office/drawing/2010/main" w="9525">
-                <a:solidFill>
-                  <a:srgbClr val="000000"/>
-                </a:solidFill>
-                <a:miter lim="800000"/>
-                <a:headEnd/>
-                <a:tailEnd/>
-              </a14:hiddenLine>
-            </a:ext>
-          </a:extLst>
-        </p:spPr>
-        <p:txBody>
-          <a:bodyPr anchor="ctr"/>
-          <a:lstStyle>
-            <a:lvl1pPr>
-              <a:defRPr>
-                <a:solidFill>
-                  <a:schemeClr val="tx1"/>
-                </a:solidFill>
-                <a:latin typeface="Calibri" panose="020F0502020204030204" pitchFamily="34" charset="0"/>
-                <a:ea typeface="宋体" panose="02010600030101010101" pitchFamily="2" charset="-122"/>
-              </a:defRPr>
-            </a:lvl1pPr>
-            <a:lvl2pPr>
-              <a:defRPr>
-                <a:solidFill>
-                  <a:schemeClr val="tx1"/>
-                </a:solidFill>
-                <a:latin typeface="Calibri" panose="020F0502020204030204" pitchFamily="34" charset="0"/>
-                <a:ea typeface="宋体" panose="02010600030101010101" pitchFamily="2" charset="-122"/>
-              </a:defRPr>
-            </a:lvl2pPr>
-            <a:lvl3pPr>
-              <a:defRPr>
-                <a:solidFill>
-                  <a:schemeClr val="tx1"/>
-                </a:solidFill>
-                <a:latin typeface="Calibri" panose="020F0502020204030204" pitchFamily="34" charset="0"/>
-                <a:ea typeface="宋体" panose="02010600030101010101" pitchFamily="2" charset="-122"/>
-              </a:defRPr>
-            </a:lvl3pPr>
-            <a:lvl4pPr>
-              <a:defRPr>
-                <a:solidFill>
-                  <a:schemeClr val="tx1"/>
-                </a:solidFill>
-                <a:latin typeface="Calibri" panose="020F0502020204030204" pitchFamily="34" charset="0"/>
-                <a:ea typeface="宋体" panose="02010600030101010101" pitchFamily="2" charset="-122"/>
-              </a:defRPr>
-            </a:lvl4pPr>
-            <a:lvl5pPr>
-              <a:defRPr>
-                <a:solidFill>
-                  <a:schemeClr val="tx1"/>
-                </a:solidFill>
-                <a:latin typeface="Calibri" panose="020F0502020204030204" pitchFamily="34" charset="0"/>
-                <a:ea typeface="宋体" panose="02010600030101010101" pitchFamily="2" charset="-122"/>
-              </a:defRPr>
-            </a:lvl5pPr>
-            <a:lvl6pPr fontAlgn="base">
-              <a:spcBef>
-                <a:spcPct val="0"/>
-              </a:spcBef>
-              <a:spcAft>
-                <a:spcPct val="0"/>
-              </a:spcAft>
-              <a:buFont typeface="Arial" panose="020B0604020202020204" pitchFamily="34" charset="0"/>
-              <a:defRPr>
-                <a:solidFill>
-                  <a:schemeClr val="tx1"/>
-                </a:solidFill>
-                <a:latin typeface="Calibri" panose="020F0502020204030204" pitchFamily="34" charset="0"/>
-                <a:ea typeface="宋体" panose="02010600030101010101" pitchFamily="2" charset="-122"/>
-              </a:defRPr>
-            </a:lvl6pPr>
-            <a:lvl7pPr fontAlgn="base">
-              <a:spcBef>
-                <a:spcPct val="0"/>
-              </a:spcBef>
-              <a:spcAft>
-                <a:spcPct val="0"/>
-              </a:spcAft>
-              <a:buFont typeface="Arial" panose="020B0604020202020204" pitchFamily="34" charset="0"/>
-              <a:defRPr>
-                <a:solidFill>
-                  <a:schemeClr val="tx1"/>
-                </a:solidFill>
-                <a:latin typeface="Calibri" panose="020F0502020204030204" pitchFamily="34" charset="0"/>
-                <a:ea typeface="宋体" panose="02010600030101010101" pitchFamily="2" charset="-122"/>
-              </a:defRPr>
-            </a:lvl7pPr>
-            <a:lvl8pPr fontAlgn="base">
-              <a:spcBef>
-                <a:spcPct val="0"/>
-              </a:spcBef>
-              <a:spcAft>
-                <a:spcPct val="0"/>
-              </a:spcAft>
-              <a:buFont typeface="Arial" panose="020B0604020202020204" pitchFamily="34" charset="0"/>
-              <a:defRPr>
-                <a:solidFill>
-                  <a:schemeClr val="tx1"/>
-                </a:solidFill>
-                <a:latin typeface="Calibri" panose="020F0502020204030204" pitchFamily="34" charset="0"/>
-                <a:ea typeface="宋体" panose="02010600030101010101" pitchFamily="2" charset="-122"/>
-              </a:defRPr>
-            </a:lvl8pPr>
-            <a:lvl9pPr fontAlgn="base">
-              <a:spcBef>
-                <a:spcPct val="0"/>
-              </a:spcBef>
-              <a:spcAft>
-                <a:spcPct val="0"/>
-              </a:spcAft>
-              <a:buFont typeface="Arial" panose="020B0604020202020204" pitchFamily="34" charset="0"/>
-              <a:defRPr>
-                <a:solidFill>
-                  <a:schemeClr val="tx1"/>
-                </a:solidFill>
-                <a:latin typeface="Calibri" panose="020F0502020204030204" pitchFamily="34" charset="0"/>
-                <a:ea typeface="宋体" panose="02010600030101010101" pitchFamily="2" charset="-122"/>
-              </a:defRPr>
-            </a:lvl9pPr>
-          </a:lstStyle>
-          <a:p>
-            <a:r>
-              <a:rPr lang="en-US" altLang="zh-CN" sz="2000" dirty="0" smtClean="0">
-                <a:solidFill>
-                  <a:schemeClr val="bg1"/>
-                </a:solidFill>
-                <a:latin typeface="微软雅黑" panose="020B0503020204020204" pitchFamily="34" charset="-122"/>
-                <a:ea typeface="微软雅黑" panose="020B0503020204020204" pitchFamily="34" charset="-122"/>
-              </a:rPr>
-              <a:t>E-R</a:t>
-            </a:r>
-            <a:r>
-              <a:rPr lang="zh-CN" altLang="en-US" sz="2000" dirty="0" smtClean="0">
-                <a:solidFill>
-                  <a:schemeClr val="bg1"/>
-                </a:solidFill>
-                <a:latin typeface="微软雅黑" panose="020B0503020204020204" pitchFamily="34" charset="-122"/>
-                <a:ea typeface="微软雅黑" panose="020B0503020204020204" pitchFamily="34" charset="-122"/>
-              </a:rPr>
-              <a:t>模式</a:t>
-            </a:r>
-            <a:endParaRPr lang="zh-CN" altLang="en-US" sz="2000" dirty="0">
-              <a:solidFill>
-                <a:schemeClr val="bg1"/>
-              </a:solidFill>
-              <a:latin typeface="微软雅黑" panose="020B0503020204020204" pitchFamily="34" charset="-122"/>
-              <a:ea typeface="微软雅黑" panose="020B0503020204020204" pitchFamily="34" charset="-122"/>
-            </a:endParaRPr>
-          </a:p>
-        </p:txBody>
-      </p:sp>
-      <p:sp>
-        <p:nvSpPr>
-          <p:cNvPr id="2" name="矩形 1"/>
-          <p:cNvSpPr/>
-          <p:nvPr/>
-        </p:nvSpPr>
-        <p:spPr>
-          <a:xfrm>
-            <a:off x="151841" y="1048487"/>
-            <a:ext cx="3196197" cy="3323987"/>
-          </a:xfrm>
-          <a:prstGeom prst="rect">
-            <a:avLst/>
-          </a:prstGeom>
-        </p:spPr>
-        <p:txBody>
-          <a:bodyPr wrap="square">
-            <a:spAutoFit/>
-          </a:bodyPr>
-          <a:lstStyle/>
-          <a:p>
-            <a:pPr algn="just">
-              <a:spcAft>
-                <a:spcPts val="0"/>
-              </a:spcAft>
-            </a:pPr>
-            <a:r>
-              <a:rPr lang="zh-CN" altLang="zh-CN" sz="1400" kern="100" dirty="0">
-                <a:solidFill>
-                  <a:srgbClr val="FF0000"/>
-                </a:solidFill>
-                <a:latin typeface="楷体" panose="02010609060101010101" pitchFamily="49" charset="-122"/>
-                <a:ea typeface="楷体" panose="02010609060101010101" pitchFamily="49" charset="-122"/>
-                <a:cs typeface="Times New Roman" panose="02020603050405020304" pitchFamily="18" charset="0"/>
-              </a:rPr>
-              <a:t>用户管理</a:t>
-            </a:r>
-            <a:r>
-              <a:rPr lang="zh-CN" altLang="zh-CN" sz="1400" kern="100" dirty="0">
-                <a:solidFill>
-                  <a:srgbClr val="000000"/>
-                </a:solidFill>
-                <a:latin typeface="楷体" panose="02010609060101010101" pitchFamily="49" charset="-122"/>
-                <a:ea typeface="楷体" panose="02010609060101010101" pitchFamily="49" charset="-122"/>
-                <a:cs typeface="Times New Roman" panose="02020603050405020304" pitchFamily="18" charset="0"/>
-              </a:rPr>
-              <a:t>：</a:t>
-            </a:r>
-            <a:endParaRPr lang="zh-CN" altLang="zh-CN" sz="1400" kern="100" dirty="0">
-              <a:latin typeface="楷体" panose="02010609060101010101" pitchFamily="49" charset="-122"/>
-              <a:ea typeface="楷体" panose="02010609060101010101" pitchFamily="49" charset="-122"/>
-              <a:cs typeface="Times New Roman" panose="02020603050405020304" pitchFamily="18" charset="0"/>
-            </a:endParaRPr>
-          </a:p>
-          <a:p>
-            <a:pPr algn="just">
-              <a:spcAft>
-                <a:spcPts val="0"/>
-              </a:spcAft>
-            </a:pPr>
-            <a:r>
-              <a:rPr lang="zh-CN" altLang="zh-CN" sz="1400" kern="100" dirty="0">
-                <a:solidFill>
-                  <a:srgbClr val="000000"/>
-                </a:solidFill>
-                <a:latin typeface="楷体" panose="02010609060101010101" pitchFamily="49" charset="-122"/>
-                <a:ea typeface="楷体" panose="02010609060101010101" pitchFamily="49" charset="-122"/>
-                <a:cs typeface="Times New Roman" panose="02020603050405020304" pitchFamily="18" charset="0"/>
-              </a:rPr>
-              <a:t>普通用户：学生可以通过</a:t>
-            </a:r>
-            <a:r>
-              <a:rPr lang="zh-CN" altLang="zh-CN" sz="1400" kern="100" dirty="0">
-                <a:solidFill>
-                  <a:srgbClr val="FF0000"/>
-                </a:solidFill>
-                <a:latin typeface="楷体" panose="02010609060101010101" pitchFamily="49" charset="-122"/>
-                <a:ea typeface="楷体" panose="02010609060101010101" pitchFamily="49" charset="-122"/>
-                <a:cs typeface="Times New Roman" panose="02020603050405020304" pitchFamily="18" charset="0"/>
-              </a:rPr>
-              <a:t>家长的手机号</a:t>
-            </a:r>
-            <a:r>
-              <a:rPr lang="zh-CN" altLang="zh-CN" sz="1400" kern="100" dirty="0">
-                <a:solidFill>
-                  <a:srgbClr val="000000"/>
-                </a:solidFill>
-                <a:latin typeface="楷体" panose="02010609060101010101" pitchFamily="49" charset="-122"/>
-                <a:ea typeface="楷体" panose="02010609060101010101" pitchFamily="49" charset="-122"/>
-                <a:cs typeface="Times New Roman" panose="02020603050405020304" pitchFamily="18" charset="0"/>
-              </a:rPr>
-              <a:t>进行注册然后登陆，在我们的平台上进行学习。也可以通过</a:t>
-            </a:r>
-            <a:r>
-              <a:rPr lang="zh-CN" altLang="zh-CN" sz="1400" kern="100" dirty="0">
-                <a:solidFill>
-                  <a:srgbClr val="FF0000"/>
-                </a:solidFill>
-                <a:latin typeface="楷体" panose="02010609060101010101" pitchFamily="49" charset="-122"/>
-                <a:ea typeface="楷体" panose="02010609060101010101" pitchFamily="49" charset="-122"/>
-                <a:cs typeface="Times New Roman" panose="02020603050405020304" pitchFamily="18" charset="0"/>
-              </a:rPr>
-              <a:t>第三方登录</a:t>
-            </a:r>
-            <a:r>
-              <a:rPr lang="zh-CN" altLang="zh-CN" sz="1400" kern="100" dirty="0">
-                <a:solidFill>
-                  <a:srgbClr val="000000"/>
-                </a:solidFill>
-                <a:latin typeface="楷体" panose="02010609060101010101" pitchFamily="49" charset="-122"/>
-                <a:ea typeface="楷体" panose="02010609060101010101" pitchFamily="49" charset="-122"/>
-                <a:cs typeface="Times New Roman" panose="02020603050405020304" pitchFamily="18" charset="0"/>
-              </a:rPr>
-              <a:t>进而</a:t>
-            </a:r>
-            <a:r>
-              <a:rPr lang="zh-CN" altLang="zh-CN" sz="1400" kern="100" dirty="0">
-                <a:solidFill>
-                  <a:srgbClr val="FF0000"/>
-                </a:solidFill>
-                <a:latin typeface="楷体" panose="02010609060101010101" pitchFamily="49" charset="-122"/>
-                <a:ea typeface="楷体" panose="02010609060101010101" pitchFamily="49" charset="-122"/>
-                <a:cs typeface="Times New Roman" panose="02020603050405020304" pitchFamily="18" charset="0"/>
-              </a:rPr>
-              <a:t>绑定相关的资料</a:t>
-            </a:r>
-            <a:r>
-              <a:rPr lang="zh-CN" altLang="zh-CN" sz="1400" kern="100" dirty="0">
-                <a:solidFill>
-                  <a:srgbClr val="000000"/>
-                </a:solidFill>
-                <a:latin typeface="楷体" panose="02010609060101010101" pitchFamily="49" charset="-122"/>
-                <a:ea typeface="楷体" panose="02010609060101010101" pitchFamily="49" charset="-122"/>
-                <a:cs typeface="Times New Roman" panose="02020603050405020304" pitchFamily="18" charset="0"/>
-              </a:rPr>
-              <a:t>。</a:t>
-            </a:r>
-            <a:endParaRPr lang="zh-CN" altLang="zh-CN" sz="1400" kern="100" dirty="0">
-              <a:latin typeface="楷体" panose="02010609060101010101" pitchFamily="49" charset="-122"/>
-              <a:ea typeface="楷体" panose="02010609060101010101" pitchFamily="49" charset="-122"/>
-              <a:cs typeface="Times New Roman" panose="02020603050405020304" pitchFamily="18" charset="0"/>
-            </a:endParaRPr>
-          </a:p>
-          <a:p>
-            <a:pPr algn="just">
-              <a:spcAft>
-                <a:spcPts val="0"/>
-              </a:spcAft>
-            </a:pPr>
-            <a:r>
-              <a:rPr lang="en-US" altLang="zh-CN" sz="1400" kern="100" dirty="0">
-                <a:solidFill>
-                  <a:srgbClr val="000000"/>
-                </a:solidFill>
-                <a:latin typeface="楷体" panose="02010609060101010101" pitchFamily="49" charset="-122"/>
-                <a:ea typeface="楷体" panose="02010609060101010101" pitchFamily="49" charset="-122"/>
-                <a:cs typeface="Times New Roman" panose="02020603050405020304" pitchFamily="18" charset="0"/>
-              </a:rPr>
-              <a:t> </a:t>
-            </a:r>
-            <a:endParaRPr lang="zh-CN" altLang="zh-CN" sz="1400" kern="100" dirty="0">
-              <a:latin typeface="楷体" panose="02010609060101010101" pitchFamily="49" charset="-122"/>
-              <a:ea typeface="楷体" panose="02010609060101010101" pitchFamily="49" charset="-122"/>
-              <a:cs typeface="Times New Roman" panose="02020603050405020304" pitchFamily="18" charset="0"/>
-            </a:endParaRPr>
-          </a:p>
-          <a:p>
-            <a:pPr algn="just">
-              <a:spcAft>
-                <a:spcPts val="0"/>
-              </a:spcAft>
-            </a:pPr>
-            <a:r>
-              <a:rPr lang="zh-CN" altLang="zh-CN" sz="1400" kern="100" dirty="0">
-                <a:solidFill>
-                  <a:srgbClr val="000000"/>
-                </a:solidFill>
-                <a:latin typeface="楷体" panose="02010609060101010101" pitchFamily="49" charset="-122"/>
-                <a:ea typeface="楷体" panose="02010609060101010101" pitchFamily="49" charset="-122"/>
-                <a:cs typeface="Times New Roman" panose="02020603050405020304" pitchFamily="18" charset="0"/>
-              </a:rPr>
-              <a:t>学校用户：可以使用</a:t>
-            </a:r>
-            <a:r>
-              <a:rPr lang="zh-CN" altLang="zh-CN" sz="1400" kern="100" dirty="0">
-                <a:solidFill>
-                  <a:srgbClr val="FF0000"/>
-                </a:solidFill>
-                <a:latin typeface="楷体" panose="02010609060101010101" pitchFamily="49" charset="-122"/>
-                <a:ea typeface="楷体" panose="02010609060101010101" pitchFamily="49" charset="-122"/>
-                <a:cs typeface="Times New Roman" panose="02020603050405020304" pitchFamily="18" charset="0"/>
-              </a:rPr>
-              <a:t>学校的特定的</a:t>
-            </a:r>
-            <a:r>
-              <a:rPr lang="en-US" altLang="zh-CN" sz="1400" kern="100" dirty="0">
-                <a:solidFill>
-                  <a:srgbClr val="FF0000"/>
-                </a:solidFill>
-                <a:latin typeface="楷体" panose="02010609060101010101" pitchFamily="49" charset="-122"/>
-                <a:ea typeface="楷体" panose="02010609060101010101" pitchFamily="49" charset="-122"/>
-                <a:cs typeface="Times New Roman" panose="02020603050405020304" pitchFamily="18" charset="0"/>
-              </a:rPr>
-              <a:t>ID</a:t>
-            </a:r>
-            <a:r>
-              <a:rPr lang="zh-CN" altLang="zh-CN" sz="1400" kern="100" dirty="0">
-                <a:solidFill>
-                  <a:srgbClr val="000000"/>
-                </a:solidFill>
-                <a:latin typeface="楷体" panose="02010609060101010101" pitchFamily="49" charset="-122"/>
-                <a:ea typeface="楷体" panose="02010609060101010101" pitchFamily="49" charset="-122"/>
-                <a:cs typeface="Times New Roman" panose="02020603050405020304" pitchFamily="18" charset="0"/>
-              </a:rPr>
-              <a:t>来注册，我们根据这个特定的</a:t>
-            </a:r>
-            <a:r>
-              <a:rPr lang="en-US" altLang="zh-CN" sz="1400" kern="100" dirty="0">
-                <a:solidFill>
-                  <a:srgbClr val="000000"/>
-                </a:solidFill>
-                <a:latin typeface="楷体" panose="02010609060101010101" pitchFamily="49" charset="-122"/>
-                <a:ea typeface="楷体" panose="02010609060101010101" pitchFamily="49" charset="-122"/>
-                <a:cs typeface="Times New Roman" panose="02020603050405020304" pitchFamily="18" charset="0"/>
-              </a:rPr>
-              <a:t>ID</a:t>
-            </a:r>
-            <a:r>
-              <a:rPr lang="zh-CN" altLang="zh-CN" sz="1400" kern="100" dirty="0">
-                <a:solidFill>
-                  <a:srgbClr val="000000"/>
-                </a:solidFill>
-                <a:latin typeface="楷体" panose="02010609060101010101" pitchFamily="49" charset="-122"/>
-                <a:ea typeface="楷体" panose="02010609060101010101" pitchFamily="49" charset="-122"/>
-                <a:cs typeface="Times New Roman" panose="02020603050405020304" pitchFamily="18" charset="0"/>
-              </a:rPr>
-              <a:t>来区分学校，这个特定</a:t>
-            </a:r>
-            <a:r>
-              <a:rPr lang="en-US" altLang="zh-CN" sz="1400" kern="100" dirty="0">
-                <a:solidFill>
-                  <a:srgbClr val="000000"/>
-                </a:solidFill>
-                <a:latin typeface="楷体" panose="02010609060101010101" pitchFamily="49" charset="-122"/>
-                <a:ea typeface="楷体" panose="02010609060101010101" pitchFamily="49" charset="-122"/>
-                <a:cs typeface="Times New Roman" panose="02020603050405020304" pitchFamily="18" charset="0"/>
-              </a:rPr>
-              <a:t>ID</a:t>
-            </a:r>
-            <a:r>
-              <a:rPr lang="zh-CN" altLang="zh-CN" sz="1400" kern="100" dirty="0">
-                <a:solidFill>
-                  <a:srgbClr val="000000"/>
-                </a:solidFill>
-                <a:latin typeface="楷体" panose="02010609060101010101" pitchFamily="49" charset="-122"/>
-                <a:ea typeface="楷体" panose="02010609060101010101" pitchFamily="49" charset="-122"/>
-                <a:cs typeface="Times New Roman" panose="02020603050405020304" pitchFamily="18" charset="0"/>
-              </a:rPr>
-              <a:t>，我们会跟校企合作平台进行沟通。</a:t>
-            </a:r>
-            <a:endParaRPr lang="zh-CN" altLang="zh-CN" sz="1400" kern="100" dirty="0">
-              <a:latin typeface="楷体" panose="02010609060101010101" pitchFamily="49" charset="-122"/>
-              <a:ea typeface="楷体" panose="02010609060101010101" pitchFamily="49" charset="-122"/>
-              <a:cs typeface="Times New Roman" panose="02020603050405020304" pitchFamily="18" charset="0"/>
-            </a:endParaRPr>
-          </a:p>
-          <a:p>
-            <a:pPr algn="just">
-              <a:spcAft>
-                <a:spcPts val="0"/>
-              </a:spcAft>
-            </a:pPr>
-            <a:r>
-              <a:rPr lang="en-US" altLang="zh-CN" sz="1400" kern="100" dirty="0">
-                <a:solidFill>
-                  <a:srgbClr val="000000"/>
-                </a:solidFill>
-                <a:latin typeface="楷体" panose="02010609060101010101" pitchFamily="49" charset="-122"/>
-                <a:ea typeface="楷体" panose="02010609060101010101" pitchFamily="49" charset="-122"/>
-                <a:cs typeface="Times New Roman" panose="02020603050405020304" pitchFamily="18" charset="0"/>
-              </a:rPr>
-              <a:t> </a:t>
-            </a:r>
-            <a:endParaRPr lang="zh-CN" altLang="zh-CN" sz="1400" kern="100" dirty="0">
-              <a:latin typeface="楷体" panose="02010609060101010101" pitchFamily="49" charset="-122"/>
-              <a:ea typeface="楷体" panose="02010609060101010101" pitchFamily="49" charset="-122"/>
-              <a:cs typeface="Times New Roman" panose="02020603050405020304" pitchFamily="18" charset="0"/>
-            </a:endParaRPr>
-          </a:p>
-          <a:p>
-            <a:pPr algn="just">
-              <a:spcAft>
-                <a:spcPts val="0"/>
-              </a:spcAft>
-            </a:pPr>
-            <a:r>
-              <a:rPr lang="zh-CN" altLang="zh-CN" sz="1400" kern="100" dirty="0">
-                <a:solidFill>
-                  <a:srgbClr val="000000"/>
-                </a:solidFill>
-                <a:latin typeface="楷体" panose="02010609060101010101" pitchFamily="49" charset="-122"/>
-                <a:ea typeface="楷体" panose="02010609060101010101" pitchFamily="49" charset="-122"/>
-                <a:cs typeface="Times New Roman" panose="02020603050405020304" pitchFamily="18" charset="0"/>
-              </a:rPr>
-              <a:t>企业用户：可以使用</a:t>
-            </a:r>
-            <a:r>
-              <a:rPr lang="zh-CN" altLang="zh-CN" sz="1400" kern="100" dirty="0">
-                <a:solidFill>
-                  <a:srgbClr val="FF0000"/>
-                </a:solidFill>
-                <a:latin typeface="楷体" panose="02010609060101010101" pitchFamily="49" charset="-122"/>
-                <a:ea typeface="楷体" panose="02010609060101010101" pitchFamily="49" charset="-122"/>
-                <a:cs typeface="Times New Roman" panose="02020603050405020304" pitchFamily="18" charset="0"/>
-              </a:rPr>
-              <a:t>企业的特定的</a:t>
-            </a:r>
-            <a:r>
-              <a:rPr lang="en-US" altLang="zh-CN" sz="1400" kern="100" dirty="0">
-                <a:solidFill>
-                  <a:srgbClr val="FF0000"/>
-                </a:solidFill>
-                <a:latin typeface="楷体" panose="02010609060101010101" pitchFamily="49" charset="-122"/>
-                <a:ea typeface="楷体" panose="02010609060101010101" pitchFamily="49" charset="-122"/>
-                <a:cs typeface="Times New Roman" panose="02020603050405020304" pitchFamily="18" charset="0"/>
-              </a:rPr>
-              <a:t>ID</a:t>
-            </a:r>
-            <a:r>
-              <a:rPr lang="zh-CN" altLang="zh-CN" sz="1400" kern="100" dirty="0">
-                <a:solidFill>
-                  <a:srgbClr val="000000"/>
-                </a:solidFill>
-                <a:latin typeface="楷体" panose="02010609060101010101" pitchFamily="49" charset="-122"/>
-                <a:ea typeface="楷体" panose="02010609060101010101" pitchFamily="49" charset="-122"/>
-                <a:cs typeface="Times New Roman" panose="02020603050405020304" pitchFamily="18" charset="0"/>
-              </a:rPr>
-              <a:t>来注册，我们根据这个特定的</a:t>
-            </a:r>
-            <a:r>
-              <a:rPr lang="en-US" altLang="zh-CN" sz="1400" kern="100" dirty="0">
-                <a:solidFill>
-                  <a:srgbClr val="000000"/>
-                </a:solidFill>
-                <a:latin typeface="楷体" panose="02010609060101010101" pitchFamily="49" charset="-122"/>
-                <a:ea typeface="楷体" panose="02010609060101010101" pitchFamily="49" charset="-122"/>
-                <a:cs typeface="Times New Roman" panose="02020603050405020304" pitchFamily="18" charset="0"/>
-              </a:rPr>
-              <a:t>ID</a:t>
-            </a:r>
-            <a:r>
-              <a:rPr lang="zh-CN" altLang="zh-CN" sz="1400" kern="100" dirty="0">
-                <a:solidFill>
-                  <a:srgbClr val="000000"/>
-                </a:solidFill>
-                <a:latin typeface="楷体" panose="02010609060101010101" pitchFamily="49" charset="-122"/>
-                <a:ea typeface="楷体" panose="02010609060101010101" pitchFamily="49" charset="-122"/>
-                <a:cs typeface="Times New Roman" panose="02020603050405020304" pitchFamily="18" charset="0"/>
-              </a:rPr>
-              <a:t>来区分企业。这个特定</a:t>
-            </a:r>
-            <a:r>
-              <a:rPr lang="en-US" altLang="zh-CN" sz="1400" kern="100" dirty="0">
-                <a:solidFill>
-                  <a:srgbClr val="000000"/>
-                </a:solidFill>
-                <a:latin typeface="楷体" panose="02010609060101010101" pitchFamily="49" charset="-122"/>
-                <a:ea typeface="楷体" panose="02010609060101010101" pitchFamily="49" charset="-122"/>
-                <a:cs typeface="Times New Roman" panose="02020603050405020304" pitchFamily="18" charset="0"/>
-              </a:rPr>
-              <a:t>ID</a:t>
-            </a:r>
-            <a:r>
-              <a:rPr lang="zh-CN" altLang="zh-CN" sz="1400" kern="100" dirty="0">
-                <a:solidFill>
-                  <a:srgbClr val="000000"/>
-                </a:solidFill>
-                <a:latin typeface="楷体" panose="02010609060101010101" pitchFamily="49" charset="-122"/>
-                <a:ea typeface="楷体" panose="02010609060101010101" pitchFamily="49" charset="-122"/>
-                <a:cs typeface="Times New Roman" panose="02020603050405020304" pitchFamily="18" charset="0"/>
-              </a:rPr>
-              <a:t>，我们会跟商家合作平台进行沟通。</a:t>
-            </a:r>
-            <a:endParaRPr lang="zh-CN" altLang="zh-CN" sz="1400" kern="100" dirty="0">
-              <a:latin typeface="楷体" panose="02010609060101010101" pitchFamily="49" charset="-122"/>
-              <a:ea typeface="楷体" panose="02010609060101010101" pitchFamily="49" charset="-122"/>
-              <a:cs typeface="Times New Roman" panose="02020603050405020304" pitchFamily="18" charset="0"/>
-            </a:endParaRPr>
-          </a:p>
-        </p:txBody>
-      </p:sp>
-      <p:sp>
-        <p:nvSpPr>
-          <p:cNvPr id="8" name="矩形 7"/>
-          <p:cNvSpPr/>
-          <p:nvPr/>
-        </p:nvSpPr>
-        <p:spPr>
-          <a:xfrm>
-            <a:off x="205489" y="1048487"/>
-            <a:ext cx="3088900" cy="5693866"/>
-          </a:xfrm>
-          <a:prstGeom prst="rect">
-            <a:avLst/>
-          </a:prstGeom>
-        </p:spPr>
-        <p:txBody>
-          <a:bodyPr wrap="square">
-            <a:spAutoFit/>
-          </a:bodyPr>
-          <a:lstStyle/>
-          <a:p>
-            <a:pPr algn="just">
-              <a:spcAft>
-                <a:spcPts val="0"/>
-              </a:spcAft>
-            </a:pPr>
-            <a:r>
-              <a:rPr lang="zh-CN" altLang="zh-CN" sz="1400" kern="100" dirty="0">
-                <a:solidFill>
-                  <a:srgbClr val="FF0000"/>
-                </a:solidFill>
-                <a:latin typeface="楷体" panose="02010609060101010101" pitchFamily="49" charset="-122"/>
-                <a:ea typeface="楷体" panose="02010609060101010101" pitchFamily="49" charset="-122"/>
-                <a:cs typeface="Times New Roman" panose="02020603050405020304" pitchFamily="18" charset="0"/>
-              </a:rPr>
-              <a:t>学习平台相关管理：</a:t>
-            </a:r>
-            <a:endParaRPr lang="zh-CN" altLang="zh-CN" sz="1400" kern="100" dirty="0">
-              <a:latin typeface="楷体" panose="02010609060101010101" pitchFamily="49" charset="-122"/>
-              <a:ea typeface="楷体" panose="02010609060101010101" pitchFamily="49" charset="-122"/>
-              <a:cs typeface="Times New Roman" panose="02020603050405020304" pitchFamily="18" charset="0"/>
-            </a:endParaRPr>
-          </a:p>
-          <a:p>
-            <a:pPr marL="742950" lvl="1" indent="-285750" algn="just">
-              <a:spcAft>
-                <a:spcPts val="0"/>
-              </a:spcAft>
-              <a:buFont typeface="+mj-ea"/>
-              <a:buAutoNum type="circleNumDbPlain"/>
-            </a:pPr>
-            <a:r>
-              <a:rPr lang="zh-CN" altLang="zh-CN" sz="1400" kern="100" dirty="0">
-                <a:solidFill>
-                  <a:srgbClr val="000000"/>
-                </a:solidFill>
-                <a:latin typeface="楷体" panose="02010609060101010101" pitchFamily="49" charset="-122"/>
-                <a:ea typeface="楷体" panose="02010609060101010101" pitchFamily="49" charset="-122"/>
-                <a:cs typeface="Times New Roman" panose="02020603050405020304" pitchFamily="18" charset="0"/>
-              </a:rPr>
-              <a:t>学习视频上传及管理</a:t>
-            </a:r>
-            <a:r>
-              <a:rPr lang="en-US" altLang="zh-CN" sz="1400" kern="100" dirty="0">
-                <a:solidFill>
-                  <a:srgbClr val="000000"/>
-                </a:solidFill>
-                <a:latin typeface="楷体" panose="02010609060101010101" pitchFamily="49" charset="-122"/>
-                <a:ea typeface="楷体" panose="02010609060101010101" pitchFamily="49" charset="-122"/>
-                <a:cs typeface="Times New Roman" panose="02020603050405020304" pitchFamily="18" charset="0"/>
-              </a:rPr>
-              <a:t>(</a:t>
-            </a:r>
-            <a:r>
-              <a:rPr lang="zh-CN" altLang="zh-CN" sz="1400" kern="100" dirty="0">
-                <a:solidFill>
-                  <a:srgbClr val="000000"/>
-                </a:solidFill>
-                <a:latin typeface="楷体" panose="02010609060101010101" pitchFamily="49" charset="-122"/>
-                <a:ea typeface="楷体" panose="02010609060101010101" pitchFamily="49" charset="-122"/>
-                <a:cs typeface="Times New Roman" panose="02020603050405020304" pitchFamily="18" charset="0"/>
-              </a:rPr>
-              <a:t>增删改查</a:t>
-            </a:r>
-            <a:r>
-              <a:rPr lang="en-US" altLang="zh-CN" sz="1400" kern="100" dirty="0">
-                <a:solidFill>
-                  <a:srgbClr val="000000"/>
-                </a:solidFill>
-                <a:latin typeface="楷体" panose="02010609060101010101" pitchFamily="49" charset="-122"/>
-                <a:ea typeface="楷体" panose="02010609060101010101" pitchFamily="49" charset="-122"/>
-                <a:cs typeface="Times New Roman" panose="02020603050405020304" pitchFamily="18" charset="0"/>
-              </a:rPr>
-              <a:t>)</a:t>
-            </a:r>
-            <a:endParaRPr lang="zh-CN" altLang="zh-CN" sz="1400" kern="100" dirty="0">
-              <a:latin typeface="楷体" panose="02010609060101010101" pitchFamily="49" charset="-122"/>
-              <a:ea typeface="楷体" panose="02010609060101010101" pitchFamily="49" charset="-122"/>
-              <a:cs typeface="Times New Roman" panose="02020603050405020304" pitchFamily="18" charset="0"/>
-            </a:endParaRPr>
-          </a:p>
-          <a:p>
-            <a:pPr marL="742950" lvl="1" indent="-285750" algn="just">
-              <a:spcAft>
-                <a:spcPts val="0"/>
-              </a:spcAft>
-              <a:buFont typeface="+mj-ea"/>
-              <a:buAutoNum type="circleNumDbPlain"/>
-            </a:pPr>
-            <a:r>
-              <a:rPr lang="zh-CN" altLang="zh-CN" sz="1400" kern="100" dirty="0">
-                <a:solidFill>
-                  <a:srgbClr val="000000"/>
-                </a:solidFill>
-                <a:latin typeface="楷体" panose="02010609060101010101" pitchFamily="49" charset="-122"/>
-                <a:ea typeface="楷体" panose="02010609060101010101" pitchFamily="49" charset="-122"/>
-                <a:cs typeface="Times New Roman" panose="02020603050405020304" pitchFamily="18" charset="0"/>
-              </a:rPr>
-              <a:t>学习资料的上传及管理（增删改查）</a:t>
-            </a:r>
-            <a:endParaRPr lang="zh-CN" altLang="zh-CN" sz="1400" kern="100" dirty="0">
-              <a:latin typeface="楷体" panose="02010609060101010101" pitchFamily="49" charset="-122"/>
-              <a:ea typeface="楷体" panose="02010609060101010101" pitchFamily="49" charset="-122"/>
-              <a:cs typeface="Times New Roman" panose="02020603050405020304" pitchFamily="18" charset="0"/>
-            </a:endParaRPr>
-          </a:p>
-          <a:p>
-            <a:pPr marL="742950" lvl="1" indent="-285750" algn="just">
-              <a:spcAft>
-                <a:spcPts val="0"/>
-              </a:spcAft>
-              <a:buFont typeface="+mj-ea"/>
-              <a:buAutoNum type="circleNumDbPlain"/>
-            </a:pPr>
-            <a:r>
-              <a:rPr lang="zh-CN" altLang="zh-CN" sz="1400" kern="100" dirty="0">
-                <a:solidFill>
-                  <a:srgbClr val="000000"/>
-                </a:solidFill>
-                <a:latin typeface="楷体" panose="02010609060101010101" pitchFamily="49" charset="-122"/>
-                <a:ea typeface="楷体" panose="02010609060101010101" pitchFamily="49" charset="-122"/>
-                <a:cs typeface="Times New Roman" panose="02020603050405020304" pitchFamily="18" charset="0"/>
-              </a:rPr>
-              <a:t>通过</a:t>
-            </a:r>
-            <a:r>
-              <a:rPr lang="en-US" altLang="zh-CN" sz="1400" kern="100" dirty="0">
-                <a:solidFill>
-                  <a:srgbClr val="000000"/>
-                </a:solidFill>
-                <a:latin typeface="楷体" panose="02010609060101010101" pitchFamily="49" charset="-122"/>
-                <a:ea typeface="楷体" panose="02010609060101010101" pitchFamily="49" charset="-122"/>
-                <a:cs typeface="Times New Roman" panose="02020603050405020304" pitchFamily="18" charset="0"/>
-              </a:rPr>
-              <a:t>scratch</a:t>
-            </a:r>
-            <a:r>
-              <a:rPr lang="zh-CN" altLang="zh-CN" sz="1400" kern="100" dirty="0">
-                <a:solidFill>
-                  <a:srgbClr val="000000"/>
-                </a:solidFill>
-                <a:latin typeface="楷体" panose="02010609060101010101" pitchFamily="49" charset="-122"/>
-                <a:ea typeface="楷体" panose="02010609060101010101" pitchFamily="49" charset="-122"/>
-                <a:cs typeface="Times New Roman" panose="02020603050405020304" pitchFamily="18" charset="0"/>
-              </a:rPr>
-              <a:t>教程对学生的进行一个学习指导（每日直播）</a:t>
-            </a:r>
-            <a:endParaRPr lang="zh-CN" altLang="zh-CN" sz="1400" kern="100" dirty="0">
-              <a:latin typeface="楷体" panose="02010609060101010101" pitchFamily="49" charset="-122"/>
-              <a:ea typeface="楷体" panose="02010609060101010101" pitchFamily="49" charset="-122"/>
-              <a:cs typeface="Times New Roman" panose="02020603050405020304" pitchFamily="18" charset="0"/>
-            </a:endParaRPr>
-          </a:p>
-          <a:p>
-            <a:pPr marL="695325" indent="266700" algn="just">
-              <a:spcAft>
-                <a:spcPts val="0"/>
-              </a:spcAft>
-            </a:pPr>
-            <a:r>
-              <a:rPr lang="en-US" altLang="zh-CN" sz="1400" kern="100" dirty="0">
-                <a:solidFill>
-                  <a:srgbClr val="FF0000"/>
-                </a:solidFill>
-                <a:latin typeface="楷体" panose="02010609060101010101" pitchFamily="49" charset="-122"/>
-                <a:ea typeface="楷体" panose="02010609060101010101" pitchFamily="49" charset="-122"/>
-                <a:cs typeface="Times New Roman" panose="02020603050405020304" pitchFamily="18" charset="0"/>
-              </a:rPr>
-              <a:t> </a:t>
-            </a:r>
-            <a:endParaRPr lang="zh-CN" altLang="zh-CN" sz="1400" kern="100" dirty="0">
-              <a:latin typeface="楷体" panose="02010609060101010101" pitchFamily="49" charset="-122"/>
-              <a:ea typeface="楷体" panose="02010609060101010101" pitchFamily="49" charset="-122"/>
-              <a:cs typeface="Times New Roman" panose="02020603050405020304" pitchFamily="18" charset="0"/>
-            </a:endParaRPr>
-          </a:p>
-          <a:p>
-            <a:pPr algn="just">
-              <a:spcAft>
-                <a:spcPts val="0"/>
-              </a:spcAft>
-            </a:pPr>
-            <a:r>
-              <a:rPr lang="zh-CN" altLang="zh-CN" sz="1400" kern="100" dirty="0">
-                <a:solidFill>
-                  <a:srgbClr val="FF0000"/>
-                </a:solidFill>
-                <a:latin typeface="楷体" panose="02010609060101010101" pitchFamily="49" charset="-122"/>
-                <a:ea typeface="楷体" panose="02010609060101010101" pitchFamily="49" charset="-122"/>
-                <a:cs typeface="Times New Roman" panose="02020603050405020304" pitchFamily="18" charset="0"/>
-              </a:rPr>
-              <a:t>校企合作管理：</a:t>
-            </a:r>
-            <a:endParaRPr lang="zh-CN" altLang="zh-CN" sz="1400" kern="100" dirty="0">
-              <a:latin typeface="楷体" panose="02010609060101010101" pitchFamily="49" charset="-122"/>
-              <a:ea typeface="楷体" panose="02010609060101010101" pitchFamily="49" charset="-122"/>
-              <a:cs typeface="Times New Roman" panose="02020603050405020304" pitchFamily="18" charset="0"/>
-            </a:endParaRPr>
-          </a:p>
-          <a:p>
-            <a:pPr algn="just">
-              <a:spcAft>
-                <a:spcPts val="0"/>
-              </a:spcAft>
-            </a:pPr>
-            <a:r>
-              <a:rPr lang="zh-CN" altLang="zh-CN" sz="1400" kern="100" dirty="0">
-                <a:solidFill>
-                  <a:srgbClr val="000000"/>
-                </a:solidFill>
-                <a:latin typeface="楷体" panose="02010609060101010101" pitchFamily="49" charset="-122"/>
-                <a:ea typeface="楷体" panose="02010609060101010101" pitchFamily="49" charset="-122"/>
-                <a:cs typeface="Times New Roman" panose="02020603050405020304" pitchFamily="18" charset="0"/>
-              </a:rPr>
-              <a:t>学校申请：填写资料，上传资料，提交资料。</a:t>
-            </a:r>
-            <a:endParaRPr lang="zh-CN" altLang="zh-CN" sz="1400" kern="100" dirty="0">
-              <a:latin typeface="楷体" panose="02010609060101010101" pitchFamily="49" charset="-122"/>
-              <a:ea typeface="楷体" panose="02010609060101010101" pitchFamily="49" charset="-122"/>
-              <a:cs typeface="Times New Roman" panose="02020603050405020304" pitchFamily="18" charset="0"/>
-            </a:endParaRPr>
-          </a:p>
-          <a:p>
-            <a:pPr algn="just">
-              <a:spcAft>
-                <a:spcPts val="0"/>
-              </a:spcAft>
-            </a:pPr>
-            <a:r>
-              <a:rPr lang="zh-CN" altLang="zh-CN" sz="1400" kern="100" dirty="0">
-                <a:solidFill>
-                  <a:srgbClr val="000000"/>
-                </a:solidFill>
-                <a:latin typeface="楷体" panose="02010609060101010101" pitchFamily="49" charset="-122"/>
-                <a:ea typeface="楷体" panose="02010609060101010101" pitchFamily="49" charset="-122"/>
-                <a:cs typeface="Times New Roman" panose="02020603050405020304" pitchFamily="18" charset="0"/>
-              </a:rPr>
-              <a:t>企业审核：查看资料，验证资料的来源。</a:t>
-            </a:r>
-            <a:endParaRPr lang="zh-CN" altLang="zh-CN" sz="1400" kern="100" dirty="0">
-              <a:latin typeface="楷体" panose="02010609060101010101" pitchFamily="49" charset="-122"/>
-              <a:ea typeface="楷体" panose="02010609060101010101" pitchFamily="49" charset="-122"/>
-              <a:cs typeface="Times New Roman" panose="02020603050405020304" pitchFamily="18" charset="0"/>
-            </a:endParaRPr>
-          </a:p>
-          <a:p>
-            <a:pPr algn="just">
-              <a:spcAft>
-                <a:spcPts val="0"/>
-              </a:spcAft>
-            </a:pPr>
-            <a:r>
-              <a:rPr lang="zh-CN" altLang="zh-CN" sz="1400" kern="100" dirty="0">
-                <a:solidFill>
-                  <a:srgbClr val="000000"/>
-                </a:solidFill>
-                <a:latin typeface="楷体" panose="02010609060101010101" pitchFamily="49" charset="-122"/>
-                <a:ea typeface="楷体" panose="02010609060101010101" pitchFamily="49" charset="-122"/>
-                <a:cs typeface="Times New Roman" panose="02020603050405020304" pitchFamily="18" charset="0"/>
-              </a:rPr>
-              <a:t>企业回复：客服对学校进行回复，然后进行下一步的合作</a:t>
-            </a:r>
-            <a:endParaRPr lang="zh-CN" altLang="zh-CN" sz="1400" kern="100" dirty="0">
-              <a:latin typeface="楷体" panose="02010609060101010101" pitchFamily="49" charset="-122"/>
-              <a:ea typeface="楷体" panose="02010609060101010101" pitchFamily="49" charset="-122"/>
-              <a:cs typeface="Times New Roman" panose="02020603050405020304" pitchFamily="18" charset="0"/>
-            </a:endParaRPr>
-          </a:p>
-          <a:p>
-            <a:pPr algn="just">
-              <a:spcAft>
-                <a:spcPts val="0"/>
-              </a:spcAft>
-            </a:pPr>
-            <a:r>
-              <a:rPr lang="zh-CN" altLang="zh-CN" sz="1400" kern="100" dirty="0">
-                <a:solidFill>
-                  <a:srgbClr val="000000"/>
-                </a:solidFill>
-                <a:latin typeface="楷体" panose="02010609060101010101" pitchFamily="49" charset="-122"/>
-                <a:ea typeface="楷体" panose="02010609060101010101" pitchFamily="49" charset="-122"/>
-                <a:cs typeface="Times New Roman" panose="02020603050405020304" pitchFamily="18" charset="0"/>
-              </a:rPr>
-              <a:t>学校入驻：添加学校的相关信息，学校成功入驻。平台对学校的相关信息进行维护和管理。</a:t>
-            </a:r>
-            <a:endParaRPr lang="zh-CN" altLang="zh-CN" sz="1400" kern="100" dirty="0">
-              <a:latin typeface="楷体" panose="02010609060101010101" pitchFamily="49" charset="-122"/>
-              <a:ea typeface="楷体" panose="02010609060101010101" pitchFamily="49" charset="-122"/>
-              <a:cs typeface="Times New Roman" panose="02020603050405020304" pitchFamily="18" charset="0"/>
-            </a:endParaRPr>
-          </a:p>
-          <a:p>
-            <a:pPr algn="just">
-              <a:spcAft>
-                <a:spcPts val="0"/>
-              </a:spcAft>
-            </a:pPr>
-            <a:r>
-              <a:rPr lang="zh-CN" altLang="zh-CN" sz="1400" kern="100" dirty="0">
-                <a:solidFill>
-                  <a:srgbClr val="000000"/>
-                </a:solidFill>
-                <a:latin typeface="楷体" panose="02010609060101010101" pitchFamily="49" charset="-122"/>
-                <a:ea typeface="楷体" panose="02010609060101010101" pitchFamily="49" charset="-122"/>
-                <a:cs typeface="Times New Roman" panose="02020603050405020304" pitchFamily="18" charset="0"/>
-              </a:rPr>
-              <a:t>提供相关资源：通过学校，</a:t>
-            </a:r>
-            <a:r>
-              <a:rPr lang="zh-CN" altLang="zh-CN" sz="1400" kern="100" dirty="0">
-                <a:solidFill>
-                  <a:srgbClr val="FF0000"/>
-                </a:solidFill>
-                <a:latin typeface="楷体" panose="02010609060101010101" pitchFamily="49" charset="-122"/>
-                <a:ea typeface="楷体" panose="02010609060101010101" pitchFamily="49" charset="-122"/>
-                <a:cs typeface="Times New Roman" panose="02020603050405020304" pitchFamily="18" charset="0"/>
-              </a:rPr>
-              <a:t>派人或者在学校的附近建立一个站点</a:t>
-            </a:r>
-            <a:r>
-              <a:rPr lang="zh-CN" altLang="zh-CN" sz="1400" kern="100" dirty="0">
-                <a:solidFill>
-                  <a:srgbClr val="000000"/>
-                </a:solidFill>
-                <a:latin typeface="楷体" panose="02010609060101010101" pitchFamily="49" charset="-122"/>
-                <a:ea typeface="楷体" panose="02010609060101010101" pitchFamily="49" charset="-122"/>
-                <a:cs typeface="Times New Roman" panose="02020603050405020304" pitchFamily="18" charset="0"/>
-              </a:rPr>
-              <a:t>对学校学生进行相关课程的教授以及提供教师的培训。</a:t>
-            </a:r>
-            <a:endParaRPr lang="zh-CN" altLang="zh-CN" sz="1400" kern="100" dirty="0">
-              <a:latin typeface="楷体" panose="02010609060101010101" pitchFamily="49" charset="-122"/>
-              <a:ea typeface="楷体" panose="02010609060101010101" pitchFamily="49" charset="-122"/>
-              <a:cs typeface="Times New Roman" panose="02020603050405020304" pitchFamily="18" charset="0"/>
-            </a:endParaRPr>
-          </a:p>
-          <a:p>
-            <a:pPr algn="just">
-              <a:spcAft>
-                <a:spcPts val="0"/>
-              </a:spcAft>
-            </a:pPr>
-            <a:r>
-              <a:rPr lang="zh-CN" altLang="zh-CN" sz="1400" kern="100" dirty="0">
-                <a:solidFill>
-                  <a:srgbClr val="000000"/>
-                </a:solidFill>
-                <a:latin typeface="楷体" panose="02010609060101010101" pitchFamily="49" charset="-122"/>
-                <a:ea typeface="楷体" panose="02010609060101010101" pitchFamily="49" charset="-122"/>
-                <a:cs typeface="Times New Roman" panose="02020603050405020304" pitchFamily="18" charset="0"/>
-              </a:rPr>
-              <a:t>学校反馈机制：校方可以通过我们的教授情况对我们企业做一个评价以及修改意见。</a:t>
-            </a:r>
-            <a:endParaRPr lang="zh-CN" altLang="zh-CN" sz="1400" kern="100" dirty="0">
-              <a:latin typeface="楷体" panose="02010609060101010101" pitchFamily="49" charset="-122"/>
-              <a:ea typeface="楷体" panose="02010609060101010101" pitchFamily="49" charset="-122"/>
-              <a:cs typeface="Times New Roman" panose="02020603050405020304" pitchFamily="18" charset="0"/>
-            </a:endParaRPr>
-          </a:p>
-        </p:txBody>
-      </p:sp>
-      <p:sp>
-        <p:nvSpPr>
-          <p:cNvPr id="9" name="矩形 8"/>
-          <p:cNvSpPr/>
-          <p:nvPr/>
-        </p:nvSpPr>
-        <p:spPr>
-          <a:xfrm>
-            <a:off x="205489" y="1048487"/>
-            <a:ext cx="3142549" cy="3108543"/>
-          </a:xfrm>
-          <a:prstGeom prst="rect">
-            <a:avLst/>
-          </a:prstGeom>
-        </p:spPr>
-        <p:txBody>
-          <a:bodyPr wrap="square">
-            <a:spAutoFit/>
-          </a:bodyPr>
-          <a:lstStyle/>
-          <a:p>
-            <a:pPr algn="just">
-              <a:spcAft>
-                <a:spcPts val="0"/>
-              </a:spcAft>
-            </a:pPr>
-            <a:r>
-              <a:rPr lang="zh-CN" altLang="zh-CN" sz="1400" kern="100" dirty="0">
-                <a:solidFill>
-                  <a:srgbClr val="FF0000"/>
-                </a:solidFill>
-                <a:latin typeface="楷体" panose="02010609060101010101" pitchFamily="49" charset="-122"/>
-                <a:ea typeface="楷体" panose="02010609060101010101" pitchFamily="49" charset="-122"/>
-                <a:cs typeface="Times New Roman" panose="02020603050405020304" pitchFamily="18" charset="0"/>
-              </a:rPr>
-              <a:t>商家入驻管理：</a:t>
-            </a:r>
-            <a:endParaRPr lang="zh-CN" altLang="zh-CN" sz="1400" kern="100" dirty="0">
-              <a:latin typeface="楷体" panose="02010609060101010101" pitchFamily="49" charset="-122"/>
-              <a:ea typeface="楷体" panose="02010609060101010101" pitchFamily="49" charset="-122"/>
-              <a:cs typeface="Times New Roman" panose="02020603050405020304" pitchFamily="18" charset="0"/>
-            </a:endParaRPr>
-          </a:p>
-          <a:p>
-            <a:pPr algn="just">
-              <a:spcAft>
-                <a:spcPts val="0"/>
-              </a:spcAft>
-            </a:pPr>
-            <a:r>
-              <a:rPr lang="en-US" altLang="zh-CN" sz="1400" kern="100" dirty="0">
-                <a:solidFill>
-                  <a:srgbClr val="000000"/>
-                </a:solidFill>
-                <a:latin typeface="楷体" panose="02010609060101010101" pitchFamily="49" charset="-122"/>
-                <a:ea typeface="楷体" panose="02010609060101010101" pitchFamily="49" charset="-122"/>
-                <a:cs typeface="Times New Roman" panose="02020603050405020304" pitchFamily="18" charset="0"/>
-              </a:rPr>
-              <a:t>  </a:t>
-            </a:r>
-            <a:r>
-              <a:rPr lang="zh-CN" altLang="zh-CN" sz="1400" kern="100" dirty="0">
-                <a:solidFill>
-                  <a:srgbClr val="000000"/>
-                </a:solidFill>
-                <a:latin typeface="楷体" panose="02010609060101010101" pitchFamily="49" charset="-122"/>
-                <a:ea typeface="楷体" panose="02010609060101010101" pitchFamily="49" charset="-122"/>
-                <a:cs typeface="Times New Roman" panose="02020603050405020304" pitchFamily="18" charset="0"/>
-              </a:rPr>
-              <a:t>培训中心申请：填写资料，上传资料，提交资料。</a:t>
-            </a:r>
-            <a:endParaRPr lang="zh-CN" altLang="zh-CN" sz="1400" kern="100" dirty="0">
-              <a:latin typeface="楷体" panose="02010609060101010101" pitchFamily="49" charset="-122"/>
-              <a:ea typeface="楷体" panose="02010609060101010101" pitchFamily="49" charset="-122"/>
-              <a:cs typeface="Times New Roman" panose="02020603050405020304" pitchFamily="18" charset="0"/>
-            </a:endParaRPr>
-          </a:p>
-          <a:p>
-            <a:pPr algn="just">
-              <a:spcAft>
-                <a:spcPts val="0"/>
-              </a:spcAft>
-            </a:pPr>
-            <a:r>
-              <a:rPr lang="en-US" altLang="zh-CN" sz="1400" kern="100" dirty="0">
-                <a:solidFill>
-                  <a:srgbClr val="000000"/>
-                </a:solidFill>
-                <a:latin typeface="楷体" panose="02010609060101010101" pitchFamily="49" charset="-122"/>
-                <a:ea typeface="楷体" panose="02010609060101010101" pitchFamily="49" charset="-122"/>
-                <a:cs typeface="Times New Roman" panose="02020603050405020304" pitchFamily="18" charset="0"/>
-              </a:rPr>
-              <a:t>  </a:t>
-            </a:r>
-            <a:r>
-              <a:rPr lang="zh-CN" altLang="zh-CN" sz="1400" kern="100" dirty="0">
-                <a:solidFill>
-                  <a:srgbClr val="000000"/>
-                </a:solidFill>
-                <a:latin typeface="楷体" panose="02010609060101010101" pitchFamily="49" charset="-122"/>
-                <a:ea typeface="楷体" panose="02010609060101010101" pitchFamily="49" charset="-122"/>
-                <a:cs typeface="Times New Roman" panose="02020603050405020304" pitchFamily="18" charset="0"/>
-              </a:rPr>
-              <a:t>企业审核：查看资料，验证资料的来源。</a:t>
-            </a:r>
-            <a:endParaRPr lang="zh-CN" altLang="zh-CN" sz="1400" kern="100" dirty="0">
-              <a:latin typeface="楷体" panose="02010609060101010101" pitchFamily="49" charset="-122"/>
-              <a:ea typeface="楷体" panose="02010609060101010101" pitchFamily="49" charset="-122"/>
-              <a:cs typeface="Times New Roman" panose="02020603050405020304" pitchFamily="18" charset="0"/>
-            </a:endParaRPr>
-          </a:p>
-          <a:p>
-            <a:pPr algn="just">
-              <a:spcAft>
-                <a:spcPts val="0"/>
-              </a:spcAft>
-            </a:pPr>
-            <a:r>
-              <a:rPr lang="en-US" altLang="zh-CN" sz="1400" kern="100" dirty="0">
-                <a:solidFill>
-                  <a:srgbClr val="000000"/>
-                </a:solidFill>
-                <a:latin typeface="楷体" panose="02010609060101010101" pitchFamily="49" charset="-122"/>
-                <a:ea typeface="楷体" panose="02010609060101010101" pitchFamily="49" charset="-122"/>
-                <a:cs typeface="Times New Roman" panose="02020603050405020304" pitchFamily="18" charset="0"/>
-              </a:rPr>
-              <a:t>  </a:t>
-            </a:r>
-            <a:r>
-              <a:rPr lang="zh-CN" altLang="zh-CN" sz="1400" kern="100" dirty="0">
-                <a:solidFill>
-                  <a:srgbClr val="000000"/>
-                </a:solidFill>
-                <a:latin typeface="楷体" panose="02010609060101010101" pitchFamily="49" charset="-122"/>
-                <a:ea typeface="楷体" panose="02010609060101010101" pitchFamily="49" charset="-122"/>
-                <a:cs typeface="Times New Roman" panose="02020603050405020304" pitchFamily="18" charset="0"/>
-              </a:rPr>
-              <a:t>培训中心入驻商城：对培训中心的信息以及店铺进行管理</a:t>
-            </a:r>
-            <a:endParaRPr lang="zh-CN" altLang="zh-CN" sz="1400" kern="100" dirty="0">
-              <a:latin typeface="楷体" panose="02010609060101010101" pitchFamily="49" charset="-122"/>
-              <a:ea typeface="楷体" panose="02010609060101010101" pitchFamily="49" charset="-122"/>
-              <a:cs typeface="Times New Roman" panose="02020603050405020304" pitchFamily="18" charset="0"/>
-            </a:endParaRPr>
-          </a:p>
-          <a:p>
-            <a:pPr marL="133350" indent="-133350" algn="just">
-              <a:spcAft>
-                <a:spcPts val="0"/>
-              </a:spcAft>
-            </a:pPr>
-            <a:r>
-              <a:rPr lang="en-US" altLang="zh-CN" sz="1400" kern="100" dirty="0">
-                <a:solidFill>
-                  <a:srgbClr val="000000"/>
-                </a:solidFill>
-                <a:latin typeface="楷体" panose="02010609060101010101" pitchFamily="49" charset="-122"/>
-                <a:ea typeface="楷体" panose="02010609060101010101" pitchFamily="49" charset="-122"/>
-                <a:cs typeface="Times New Roman" panose="02020603050405020304" pitchFamily="18" charset="0"/>
-              </a:rPr>
-              <a:t>  </a:t>
-            </a:r>
-            <a:r>
-              <a:rPr lang="zh-CN" altLang="zh-CN" sz="1400" kern="100" dirty="0">
-                <a:solidFill>
-                  <a:srgbClr val="000000"/>
-                </a:solidFill>
-                <a:latin typeface="楷体" panose="02010609060101010101" pitchFamily="49" charset="-122"/>
-                <a:ea typeface="楷体" panose="02010609060101010101" pitchFamily="49" charset="-122"/>
-                <a:cs typeface="Times New Roman" panose="02020603050405020304" pitchFamily="18" charset="0"/>
-              </a:rPr>
-              <a:t>派单机制：我们通过学校的具体情况，会给相关培训中心单子让他们接单然后连接商家与学校的合作。</a:t>
-            </a:r>
-            <a:endParaRPr lang="zh-CN" altLang="zh-CN" sz="1400" kern="100" dirty="0">
-              <a:latin typeface="楷体" panose="02010609060101010101" pitchFamily="49" charset="-122"/>
-              <a:ea typeface="楷体" panose="02010609060101010101" pitchFamily="49" charset="-122"/>
-              <a:cs typeface="Times New Roman" panose="02020603050405020304" pitchFamily="18" charset="0"/>
-            </a:endParaRPr>
-          </a:p>
-          <a:p>
-            <a:pPr marL="133350" indent="-133350" algn="just">
-              <a:spcAft>
-                <a:spcPts val="0"/>
-              </a:spcAft>
-            </a:pPr>
-            <a:r>
-              <a:rPr lang="en-US" altLang="zh-CN" sz="1400" kern="100" dirty="0">
-                <a:solidFill>
-                  <a:srgbClr val="000000"/>
-                </a:solidFill>
-                <a:latin typeface="楷体" panose="02010609060101010101" pitchFamily="49" charset="-122"/>
-                <a:ea typeface="楷体" panose="02010609060101010101" pitchFamily="49" charset="-122"/>
-                <a:cs typeface="Times New Roman" panose="02020603050405020304" pitchFamily="18" charset="0"/>
-              </a:rPr>
-              <a:t>  </a:t>
-            </a:r>
-            <a:r>
-              <a:rPr lang="zh-CN" altLang="zh-CN" sz="1400" kern="100" dirty="0">
-                <a:solidFill>
-                  <a:srgbClr val="000000"/>
-                </a:solidFill>
-                <a:latin typeface="楷体" panose="02010609060101010101" pitchFamily="49" charset="-122"/>
-                <a:ea typeface="楷体" panose="02010609060101010101" pitchFamily="49" charset="-122"/>
-                <a:cs typeface="Times New Roman" panose="02020603050405020304" pitchFamily="18" charset="0"/>
-              </a:rPr>
-              <a:t>商家反馈：及时反馈与学校的合作情况。</a:t>
-            </a:r>
-            <a:endParaRPr lang="zh-CN" altLang="zh-CN" sz="1400" kern="100" dirty="0">
-              <a:latin typeface="楷体" panose="02010609060101010101" pitchFamily="49" charset="-122"/>
-              <a:ea typeface="楷体" panose="02010609060101010101" pitchFamily="49" charset="-122"/>
-              <a:cs typeface="Times New Roman" panose="02020603050405020304" pitchFamily="18" charset="0"/>
-            </a:endParaRPr>
-          </a:p>
-          <a:p>
-            <a:pPr marL="133350" indent="-133350" algn="just">
-              <a:spcAft>
-                <a:spcPts val="0"/>
-              </a:spcAft>
-            </a:pPr>
-            <a:r>
-              <a:rPr lang="en-US" altLang="zh-CN" sz="1400" kern="100" dirty="0">
-                <a:solidFill>
-                  <a:srgbClr val="000000"/>
-                </a:solidFill>
-                <a:latin typeface="楷体" panose="02010609060101010101" pitchFamily="49" charset="-122"/>
-                <a:ea typeface="楷体" panose="02010609060101010101" pitchFamily="49" charset="-122"/>
-                <a:cs typeface="Times New Roman" panose="02020603050405020304" pitchFamily="18" charset="0"/>
-              </a:rPr>
-              <a:t>  </a:t>
-            </a:r>
-            <a:r>
-              <a:rPr lang="zh-CN" altLang="zh-CN" sz="1400" kern="100" dirty="0">
-                <a:solidFill>
-                  <a:srgbClr val="000000"/>
-                </a:solidFill>
-                <a:latin typeface="楷体" panose="02010609060101010101" pitchFamily="49" charset="-122"/>
-                <a:ea typeface="楷体" panose="02010609060101010101" pitchFamily="49" charset="-122"/>
-                <a:cs typeface="Times New Roman" panose="02020603050405020304" pitchFamily="18" charset="0"/>
-              </a:rPr>
-              <a:t>评分机制：对商家的信用，教学情况等进行一个综合评分。</a:t>
-            </a:r>
-            <a:endParaRPr lang="zh-CN" altLang="zh-CN" sz="1400" kern="100" dirty="0">
-              <a:latin typeface="楷体" panose="02010609060101010101" pitchFamily="49" charset="-122"/>
-              <a:ea typeface="楷体" panose="02010609060101010101" pitchFamily="49" charset="-122"/>
-              <a:cs typeface="Times New Roman" panose="02020603050405020304" pitchFamily="18" charset="0"/>
-            </a:endParaRPr>
-          </a:p>
-        </p:txBody>
-      </p:sp>
-      <p:pic>
-        <p:nvPicPr>
-          <p:cNvPr id="10" name="图片 9"/>
-          <p:cNvPicPr>
-            <a:picLocks noChangeAspect="1"/>
-          </p:cNvPicPr>
-          <p:nvPr/>
-        </p:nvPicPr>
-        <p:blipFill>
-          <a:blip r:embed="rId4">
-            <a:extLst>
-              <a:ext uri="{28A0092B-C50C-407E-A947-70E740481C1C}">
-                <a14:useLocalDpi xmlns:a14="http://schemas.microsoft.com/office/drawing/2010/main" val="0"/>
-              </a:ext>
-            </a:extLst>
-          </a:blip>
-          <a:stretch>
-            <a:fillRect/>
-          </a:stretch>
-        </p:blipFill>
-        <p:spPr>
-          <a:xfrm>
-            <a:off x="301259" y="158003"/>
-            <a:ext cx="290411" cy="290411"/>
-          </a:xfrm>
-          <a:prstGeom prst="rect">
-            <a:avLst/>
-          </a:prstGeom>
-        </p:spPr>
-      </p:pic>
-      <p:cxnSp>
-        <p:nvCxnSpPr>
-          <p:cNvPr id="12" name="直接连接符 11"/>
-          <p:cNvCxnSpPr/>
-          <p:nvPr/>
-        </p:nvCxnSpPr>
-        <p:spPr>
-          <a:xfrm>
-            <a:off x="11995150" y="6240463"/>
-            <a:ext cx="0" cy="293687"/>
-          </a:xfrm>
-          <a:prstGeom prst="line">
-            <a:avLst/>
-          </a:prstGeom>
-        </p:spPr>
-        <p:style>
-          <a:lnRef idx="1">
-            <a:schemeClr val="accent1"/>
-          </a:lnRef>
-          <a:fillRef idx="0">
-            <a:schemeClr val="accent1"/>
-          </a:fillRef>
-          <a:effectRef idx="0">
-            <a:schemeClr val="accent1"/>
-          </a:effectRef>
-          <a:fontRef idx="minor">
-            <a:schemeClr val="tx1"/>
-          </a:fontRef>
-        </p:style>
-      </p:cxnSp>
-    </p:spTree>
-    <p:extLst>
-      <p:ext uri="{BB962C8B-B14F-4D97-AF65-F5344CB8AC3E}">
-        <p14:creationId xmlns:p14="http://schemas.microsoft.com/office/powerpoint/2010/main" val="3573050385"/>
-      </p:ext>
-    </p:extLst>
-  </p:cSld>
-  <p:clrMapOvr>
-    <a:masterClrMapping/>
-  </p:clrMapOvr>
-  <p:timing>
-    <p:tnLst>
-      <p:par>
-        <p:cTn id="1" dur="indefinite" restart="never" nodeType="tmRoot">
-          <p:childTnLst>
-            <p:seq concurrent="1" nextAc="seek">
-              <p:cTn id="2" dur="indefinite" nodeType="mainSeq">
-                <p:childTnLst>
-                  <p:par>
-                    <p:cTn id="3" fill="hold">
-                      <p:stCondLst>
-                        <p:cond delay="indefinite"/>
-                        <p:cond evt="onBegin" delay="0">
-                          <p:tn val="2"/>
-                        </p:cond>
-                      </p:stCondLst>
-                      <p:childTnLst>
-                        <p:par>
-                          <p:cTn id="4" fill="hold">
-                            <p:stCondLst>
-                              <p:cond delay="0"/>
-                            </p:stCondLst>
-                            <p:childTnLst>
-                              <p:par>
-                                <p:cTn id="5" presetID="10" presetClass="entr" presetSubtype="0" fill="hold" nodeType="afterEffect">
-                                  <p:stCondLst>
-                                    <p:cond delay="0"/>
-                                  </p:stCondLst>
-                                  <p:childTnLst>
-                                    <p:set>
-                                      <p:cBhvr>
-                                        <p:cTn id="6" dur="1" fill="hold">
-                                          <p:stCondLst>
-                                            <p:cond delay="0"/>
-                                          </p:stCondLst>
-                                        </p:cTn>
-                                        <p:tgtEl>
-                                          <p:spTgt spid="4"/>
-                                        </p:tgtEl>
-                                        <p:attrNameLst>
-                                          <p:attrName>style.visibility</p:attrName>
-                                        </p:attrNameLst>
-                                      </p:cBhvr>
-                                      <p:to>
-                                        <p:strVal val="visible"/>
-                                      </p:to>
-                                    </p:set>
-                                    <p:animEffect transition="in" filter="fade">
-                                      <p:cBhvr>
-                                        <p:cTn id="7" dur="500"/>
-                                        <p:tgtEl>
-                                          <p:spTgt spid="4"/>
-                                        </p:tgtEl>
-                                      </p:cBhvr>
-                                    </p:animEffect>
-                                  </p:childTnLst>
-                                </p:cTn>
-                              </p:par>
-                            </p:childTnLst>
-                          </p:cTn>
-                        </p:par>
-                        <p:par>
-                          <p:cTn id="8" fill="hold">
-                            <p:stCondLst>
-                              <p:cond delay="500"/>
-                            </p:stCondLst>
-                            <p:childTnLst>
-                              <p:par>
-                                <p:cTn id="9" presetID="42" presetClass="entr" presetSubtype="0" fill="hold" grpId="0" nodeType="afterEffect">
-                                  <p:stCondLst>
-                                    <p:cond delay="0"/>
-                                  </p:stCondLst>
-                                  <p:childTnLst>
-                                    <p:set>
-                                      <p:cBhvr>
-                                        <p:cTn id="10" dur="1" fill="hold">
-                                          <p:stCondLst>
-                                            <p:cond delay="0"/>
-                                          </p:stCondLst>
-                                        </p:cTn>
-                                        <p:tgtEl>
-                                          <p:spTgt spid="2"/>
-                                        </p:tgtEl>
-                                        <p:attrNameLst>
-                                          <p:attrName>style.visibility</p:attrName>
-                                        </p:attrNameLst>
-                                      </p:cBhvr>
-                                      <p:to>
-                                        <p:strVal val="visible"/>
-                                      </p:to>
-                                    </p:set>
-                                    <p:animEffect transition="in" filter="fade">
-                                      <p:cBhvr>
-                                        <p:cTn id="11" dur="1000"/>
-                                        <p:tgtEl>
-                                          <p:spTgt spid="2"/>
-                                        </p:tgtEl>
-                                      </p:cBhvr>
-                                    </p:animEffect>
-                                    <p:anim calcmode="lin" valueType="num">
-                                      <p:cBhvr>
-                                        <p:cTn id="12" dur="1000" fill="hold"/>
-                                        <p:tgtEl>
-                                          <p:spTgt spid="2"/>
-                                        </p:tgtEl>
-                                        <p:attrNameLst>
-                                          <p:attrName>ppt_x</p:attrName>
-                                        </p:attrNameLst>
-                                      </p:cBhvr>
-                                      <p:tavLst>
-                                        <p:tav tm="0">
-                                          <p:val>
-                                            <p:strVal val="#ppt_x"/>
-                                          </p:val>
-                                        </p:tav>
-                                        <p:tav tm="100000">
-                                          <p:val>
-                                            <p:strVal val="#ppt_x"/>
-                                          </p:val>
-                                        </p:tav>
-                                      </p:tavLst>
-                                    </p:anim>
-                                    <p:anim calcmode="lin" valueType="num">
-                                      <p:cBhvr>
-                                        <p:cTn id="13" dur="1000" fill="hold"/>
-                                        <p:tgtEl>
-                                          <p:spTgt spid="2"/>
-                                        </p:tgtEl>
-                                        <p:attrNameLst>
-                                          <p:attrName>ppt_y</p:attrName>
-                                        </p:attrNameLst>
-                                      </p:cBhvr>
-                                      <p:tavLst>
-                                        <p:tav tm="0">
-                                          <p:val>
-                                            <p:strVal val="#ppt_y+.1"/>
-                                          </p:val>
-                                        </p:tav>
-                                        <p:tav tm="100000">
-                                          <p:val>
-                                            <p:strVal val="#ppt_y"/>
-                                          </p:val>
-                                        </p:tav>
-                                      </p:tavLst>
-                                    </p:anim>
-                                  </p:childTnLst>
-                                </p:cTn>
-                              </p:par>
-                            </p:childTnLst>
-                          </p:cTn>
-                        </p:par>
-                        <p:par>
-                          <p:cTn id="14" fill="hold">
-                            <p:stCondLst>
-                              <p:cond delay="1500"/>
-                            </p:stCondLst>
-                            <p:childTnLst>
-                              <p:par>
-                                <p:cTn id="15" presetID="22" presetClass="exit" presetSubtype="4" fill="hold" grpId="1" nodeType="afterEffect">
-                                  <p:stCondLst>
-                                    <p:cond delay="4000"/>
-                                  </p:stCondLst>
-                                  <p:childTnLst>
-                                    <p:animEffect transition="out" filter="wipe(down)">
-                                      <p:cBhvr>
-                                        <p:cTn id="16" dur="500"/>
-                                        <p:tgtEl>
-                                          <p:spTgt spid="2"/>
-                                        </p:tgtEl>
-                                      </p:cBhvr>
-                                    </p:animEffect>
-                                    <p:set>
-                                      <p:cBhvr>
-                                        <p:cTn id="17" dur="1" fill="hold">
-                                          <p:stCondLst>
-                                            <p:cond delay="499"/>
-                                          </p:stCondLst>
-                                        </p:cTn>
-                                        <p:tgtEl>
-                                          <p:spTgt spid="2"/>
-                                        </p:tgtEl>
-                                        <p:attrNameLst>
-                                          <p:attrName>style.visibility</p:attrName>
-                                        </p:attrNameLst>
-                                      </p:cBhvr>
-                                      <p:to>
-                                        <p:strVal val="hidden"/>
-                                      </p:to>
-                                    </p:set>
-                                  </p:childTnLst>
-                                </p:cTn>
-                              </p:par>
-                            </p:childTnLst>
-                          </p:cTn>
-                        </p:par>
-                        <p:par>
-                          <p:cTn id="18" fill="hold">
-                            <p:stCondLst>
-                              <p:cond delay="6000"/>
-                            </p:stCondLst>
-                            <p:childTnLst>
-                              <p:par>
-                                <p:cTn id="19" presetID="10" presetClass="entr" presetSubtype="0" fill="hold" grpId="0" nodeType="afterEffect">
-                                  <p:stCondLst>
-                                    <p:cond delay="500"/>
-                                  </p:stCondLst>
-                                  <p:childTnLst>
-                                    <p:set>
-                                      <p:cBhvr>
-                                        <p:cTn id="20" dur="1" fill="hold">
-                                          <p:stCondLst>
-                                            <p:cond delay="0"/>
-                                          </p:stCondLst>
-                                        </p:cTn>
-                                        <p:tgtEl>
-                                          <p:spTgt spid="8"/>
-                                        </p:tgtEl>
-                                        <p:attrNameLst>
-                                          <p:attrName>style.visibility</p:attrName>
-                                        </p:attrNameLst>
-                                      </p:cBhvr>
-                                      <p:to>
-                                        <p:strVal val="visible"/>
-                                      </p:to>
-                                    </p:set>
-                                    <p:animEffect transition="in" filter="fade">
-                                      <p:cBhvr>
-                                        <p:cTn id="21" dur="500"/>
-                                        <p:tgtEl>
-                                          <p:spTgt spid="8"/>
-                                        </p:tgtEl>
-                                      </p:cBhvr>
-                                    </p:animEffect>
-                                  </p:childTnLst>
-                                </p:cTn>
-                              </p:par>
-                            </p:childTnLst>
-                          </p:cTn>
-                        </p:par>
-                        <p:par>
-                          <p:cTn id="22" fill="hold">
-                            <p:stCondLst>
-                              <p:cond delay="7000"/>
-                            </p:stCondLst>
-                            <p:childTnLst>
-                              <p:par>
-                                <p:cTn id="23" presetID="22" presetClass="exit" presetSubtype="4" fill="hold" grpId="1" nodeType="afterEffect">
-                                  <p:stCondLst>
-                                    <p:cond delay="10000"/>
-                                  </p:stCondLst>
-                                  <p:childTnLst>
-                                    <p:animEffect transition="out" filter="wipe(down)">
-                                      <p:cBhvr>
-                                        <p:cTn id="24" dur="500"/>
-                                        <p:tgtEl>
-                                          <p:spTgt spid="8"/>
-                                        </p:tgtEl>
-                                      </p:cBhvr>
-                                    </p:animEffect>
-                                    <p:set>
-                                      <p:cBhvr>
-                                        <p:cTn id="25" dur="1" fill="hold">
-                                          <p:stCondLst>
-                                            <p:cond delay="499"/>
-                                          </p:stCondLst>
-                                        </p:cTn>
-                                        <p:tgtEl>
-                                          <p:spTgt spid="8"/>
-                                        </p:tgtEl>
-                                        <p:attrNameLst>
-                                          <p:attrName>style.visibility</p:attrName>
-                                        </p:attrNameLst>
-                                      </p:cBhvr>
-                                      <p:to>
-                                        <p:strVal val="hidden"/>
-                                      </p:to>
-                                    </p:set>
-                                  </p:childTnLst>
-                                </p:cTn>
-                              </p:par>
-                            </p:childTnLst>
-                          </p:cTn>
-                        </p:par>
-                        <p:par>
-                          <p:cTn id="26" fill="hold">
-                            <p:stCondLst>
-                              <p:cond delay="17500"/>
-                            </p:stCondLst>
-                            <p:childTnLst>
-                              <p:par>
-                                <p:cTn id="27" presetID="10" presetClass="entr" presetSubtype="0" fill="hold" grpId="0" nodeType="afterEffect">
-                                  <p:stCondLst>
-                                    <p:cond delay="500"/>
-                                  </p:stCondLst>
-                                  <p:childTnLst>
-                                    <p:set>
-                                      <p:cBhvr>
-                                        <p:cTn id="28" dur="1" fill="hold">
-                                          <p:stCondLst>
-                                            <p:cond delay="0"/>
-                                          </p:stCondLst>
-                                        </p:cTn>
-                                        <p:tgtEl>
-                                          <p:spTgt spid="9"/>
-                                        </p:tgtEl>
-                                        <p:attrNameLst>
-                                          <p:attrName>style.visibility</p:attrName>
-                                        </p:attrNameLst>
-                                      </p:cBhvr>
-                                      <p:to>
-                                        <p:strVal val="visible"/>
-                                      </p:to>
-                                    </p:set>
-                                    <p:animEffect transition="in" filter="fade">
-                                      <p:cBhvr>
-                                        <p:cTn id="29" dur="500"/>
-                                        <p:tgtEl>
-                                          <p:spTgt spid="9"/>
-                                        </p:tgtEl>
-                                      </p:cBhvr>
-                                    </p:animEffect>
-                                  </p:childTnLst>
-                                </p:cTn>
-                              </p:par>
-                            </p:childTnLst>
-                          </p:cTn>
-                        </p:par>
-                        <p:par>
-                          <p:cTn id="30" fill="hold">
-                            <p:stCondLst>
-                              <p:cond delay="18500"/>
-                            </p:stCondLst>
-                            <p:childTnLst>
-                              <p:par>
-                                <p:cTn id="31" presetID="22" presetClass="exit" presetSubtype="4" fill="hold" grpId="1" nodeType="afterEffect">
-                                  <p:stCondLst>
-                                    <p:cond delay="5000"/>
-                                  </p:stCondLst>
-                                  <p:childTnLst>
-                                    <p:animEffect transition="out" filter="wipe(down)">
-                                      <p:cBhvr>
-                                        <p:cTn id="32" dur="500"/>
-                                        <p:tgtEl>
-                                          <p:spTgt spid="9"/>
-                                        </p:tgtEl>
-                                      </p:cBhvr>
-                                    </p:animEffect>
-                                    <p:set>
-                                      <p:cBhvr>
-                                        <p:cTn id="33" dur="1" fill="hold">
-                                          <p:stCondLst>
-                                            <p:cond delay="499"/>
-                                          </p:stCondLst>
-                                        </p:cTn>
-                                        <p:tgtEl>
-                                          <p:spTgt spid="9"/>
-                                        </p:tgtEl>
-                                        <p:attrNameLst>
-                                          <p:attrName>style.visibility</p:attrName>
-                                        </p:attrNameLst>
-                                      </p:cBhvr>
-                                      <p:to>
-                                        <p:strVal val="hidden"/>
-                                      </p:to>
-                                    </p:set>
-                                  </p:childTnLst>
-                                </p:cTn>
-                              </p:par>
-                            </p:childTnLst>
-                          </p:cTn>
-                        </p:par>
-                        <p:par>
-                          <p:cTn id="34" fill="hold">
-                            <p:stCondLst>
-                              <p:cond delay="24000"/>
-                            </p:stCondLst>
-                            <p:childTnLst>
-                              <p:par>
-                                <p:cTn id="35" presetID="22" presetClass="entr" presetSubtype="4" fill="hold" nodeType="afterEffect">
-                                  <p:stCondLst>
-                                    <p:cond delay="500"/>
-                                  </p:stCondLst>
-                                  <p:childTnLst>
-                                    <p:set>
-                                      <p:cBhvr>
-                                        <p:cTn id="36" dur="1" fill="hold">
-                                          <p:stCondLst>
-                                            <p:cond delay="0"/>
-                                          </p:stCondLst>
-                                        </p:cTn>
-                                        <p:tgtEl>
-                                          <p:spTgt spid="12"/>
-                                        </p:tgtEl>
-                                        <p:attrNameLst>
-                                          <p:attrName>style.visibility</p:attrName>
-                                        </p:attrNameLst>
-                                      </p:cBhvr>
-                                      <p:to>
-                                        <p:strVal val="visible"/>
-                                      </p:to>
-                                    </p:set>
-                                    <p:animEffect transition="in" filter="wipe(down)">
-                                      <p:cBhvr>
-                                        <p:cTn id="37" dur="500"/>
-                                        <p:tgtEl>
-                                          <p:spTgt spid="12"/>
-                                        </p:tgtEl>
-                                      </p:cBhvr>
-                                    </p:animEffect>
-                                  </p:childTnLst>
-                                </p:cTn>
-                              </p:par>
-                            </p:childTnLst>
-                          </p:cTn>
-                        </p:par>
-                      </p:childTnLst>
-                    </p:cTn>
-                  </p:par>
-                </p:childTnLst>
-              </p:cTn>
-              <p:prevCondLst>
-                <p:cond evt="onPrev" delay="0">
-                  <p:tgtEl>
-                    <p:sldTgt/>
-                  </p:tgtEl>
-                </p:cond>
-              </p:prevCondLst>
-              <p:nextCondLst>
-                <p:cond evt="onNext" delay="0">
-                  <p:tgtEl>
-                    <p:sldTgt/>
-                  </p:tgtEl>
-                </p:cond>
-              </p:nextCondLst>
-            </p:seq>
-          </p:childTnLst>
-        </p:cTn>
-      </p:par>
-    </p:tnLst>
-    <p:bldLst>
-      <p:bldP spid="2" grpId="0"/>
-      <p:bldP spid="2" grpId="1"/>
-      <p:bldP spid="8" grpId="0"/>
-      <p:bldP spid="8" grpId="1"/>
-      <p:bldP spid="9" grpId="0"/>
-      <p:bldP spid="9" grpId="1"/>
     </p:bldLst>
   </p:timing>
 </p:sld>
